--- a/presentation/presentation_projet4_v02.pptx
+++ b/presentation/presentation_projet4_v02.pptx
@@ -33,16 +33,19 @@
     <p:sldId id="278" r:id="rId28"/>
     <p:sldId id="279" r:id="rId29"/>
     <p:sldId id="280" r:id="rId30"/>
+    <p:sldId id="281" r:id="rId31"/>
+    <p:sldId id="282" r:id="rId32"/>
+    <p:sldId id="283" r:id="rId33"/>
   </p:sldIdLst>
   <p:sldSz cy="5143500" cx="9144000"/>
   <p:notesSz cx="6858000" cy="9144000"/>
   <p:embeddedFontLst>
     <p:embeddedFont>
       <p:font typeface="Roboto"/>
-      <p:regular r:id="rId31"/>
-      <p:bold r:id="rId32"/>
-      <p:italic r:id="rId33"/>
-      <p:boldItalic r:id="rId34"/>
+      <p:regular r:id="rId34"/>
+      <p:bold r:id="rId35"/>
+      <p:italic r:id="rId36"/>
+      <p:boldItalic r:id="rId37"/>
     </p:embeddedFont>
   </p:embeddedFontLst>
   <p:defaultTextStyle>
@@ -823,7 +826,7 @@
   <p:cSld>
     <p:spTree>
       <p:nvGrpSpPr>
-        <p:cNvPr id="139" name="Shape 139"/>
+        <p:cNvPr id="137" name="Shape 137"/>
         <p:cNvGrpSpPr/>
         <p:nvPr/>
       </p:nvGrpSpPr>
@@ -837,7 +840,7 @@
       </p:grpSpPr>
       <p:sp>
         <p:nvSpPr>
-          <p:cNvPr id="140" name="Google Shape;140;g8c57b2bd4a_0_24:notes"/>
+          <p:cNvPr id="138" name="Google Shape;138;g8bb7f8afe3_0_643:notes"/>
           <p:cNvSpPr/>
           <p:nvPr>
             <p:ph idx="2" type="sldImg"/>
@@ -872,7 +875,7 @@
       </p:sp>
       <p:sp>
         <p:nvSpPr>
-          <p:cNvPr id="141" name="Google Shape;141;g8c57b2bd4a_0_24:notes"/>
+          <p:cNvPr id="139" name="Google Shape;139;g8bb7f8afe3_0_643:notes"/>
           <p:cNvSpPr txBox="1"/>
           <p:nvPr>
             <p:ph idx="1" type="body"/>
@@ -922,7 +925,7 @@
   <p:cSld>
     <p:spTree>
       <p:nvGrpSpPr>
-        <p:cNvPr id="146" name="Shape 146"/>
+        <p:cNvPr id="143" name="Shape 143"/>
         <p:cNvGrpSpPr/>
         <p:nvPr/>
       </p:nvGrpSpPr>
@@ -936,7 +939,7 @@
       </p:grpSpPr>
       <p:sp>
         <p:nvSpPr>
-          <p:cNvPr id="147" name="Google Shape;147;g8bb7f8afe3_0_648:notes"/>
+          <p:cNvPr id="144" name="Google Shape;144;g8c57b2bd4a_0_49:notes"/>
           <p:cNvSpPr/>
           <p:nvPr>
             <p:ph idx="2" type="sldImg"/>
@@ -971,7 +974,7 @@
       </p:sp>
       <p:sp>
         <p:nvSpPr>
-          <p:cNvPr id="148" name="Google Shape;148;g8bb7f8afe3_0_648:notes"/>
+          <p:cNvPr id="145" name="Google Shape;145;g8c57b2bd4a_0_49:notes"/>
           <p:cNvSpPr txBox="1"/>
           <p:nvPr>
             <p:ph idx="1" type="body"/>
@@ -1021,7 +1024,7 @@
   <p:cSld>
     <p:spTree>
       <p:nvGrpSpPr>
-        <p:cNvPr id="152" name="Shape 152"/>
+        <p:cNvPr id="150" name="Shape 150"/>
         <p:cNvGrpSpPr/>
         <p:nvPr/>
       </p:nvGrpSpPr>
@@ -1035,7 +1038,7 @@
       </p:grpSpPr>
       <p:sp>
         <p:nvSpPr>
-          <p:cNvPr id="153" name="Google Shape;153;g8c3ebe13df_2_0:notes"/>
+          <p:cNvPr id="151" name="Google Shape;151;g8c57b2bd4a_0_24:notes"/>
           <p:cNvSpPr/>
           <p:nvPr>
             <p:ph idx="2" type="sldImg"/>
@@ -1070,7 +1073,7 @@
       </p:sp>
       <p:sp>
         <p:nvSpPr>
-          <p:cNvPr id="154" name="Google Shape;154;g8c3ebe13df_2_0:notes"/>
+          <p:cNvPr id="152" name="Google Shape;152;g8c57b2bd4a_0_24:notes"/>
           <p:cNvSpPr txBox="1"/>
           <p:nvPr>
             <p:ph idx="1" type="body"/>
@@ -1120,7 +1123,7 @@
   <p:cSld>
     <p:spTree>
       <p:nvGrpSpPr>
-        <p:cNvPr id="158" name="Shape 158"/>
+        <p:cNvPr id="157" name="Shape 157"/>
         <p:cNvGrpSpPr/>
         <p:nvPr/>
       </p:nvGrpSpPr>
@@ -1134,7 +1137,7 @@
       </p:grpSpPr>
       <p:sp>
         <p:nvSpPr>
-          <p:cNvPr id="159" name="Google Shape;159;g8c3ebe13df_2_9:notes"/>
+          <p:cNvPr id="158" name="Google Shape;158;g8ccd4fa1ec_0_14:notes"/>
           <p:cNvSpPr/>
           <p:nvPr>
             <p:ph idx="2" type="sldImg"/>
@@ -1169,7 +1172,7 @@
       </p:sp>
       <p:sp>
         <p:nvSpPr>
-          <p:cNvPr id="160" name="Google Shape;160;g8c3ebe13df_2_9:notes"/>
+          <p:cNvPr id="159" name="Google Shape;159;g8ccd4fa1ec_0_14:notes"/>
           <p:cNvSpPr txBox="1"/>
           <p:nvPr>
             <p:ph idx="1" type="body"/>
@@ -1219,7 +1222,7 @@
   <p:cSld>
     <p:spTree>
       <p:nvGrpSpPr>
-        <p:cNvPr id="164" name="Shape 164"/>
+        <p:cNvPr id="162" name="Shape 162"/>
         <p:cNvGrpSpPr/>
         <p:nvPr/>
       </p:nvGrpSpPr>
@@ -1233,7 +1236,7 @@
       </p:grpSpPr>
       <p:sp>
         <p:nvSpPr>
-          <p:cNvPr id="165" name="Google Shape;165;g8c3ebe13df_2_5:notes"/>
+          <p:cNvPr id="163" name="Google Shape;163;g8bb7f8afe3_0_648:notes"/>
           <p:cNvSpPr/>
           <p:nvPr>
             <p:ph idx="2" type="sldImg"/>
@@ -1268,7 +1271,7 @@
       </p:sp>
       <p:sp>
         <p:nvSpPr>
-          <p:cNvPr id="166" name="Google Shape;166;g8c3ebe13df_2_5:notes"/>
+          <p:cNvPr id="164" name="Google Shape;164;g8bb7f8afe3_0_648:notes"/>
           <p:cNvSpPr txBox="1"/>
           <p:nvPr>
             <p:ph idx="1" type="body"/>
@@ -1318,7 +1321,7 @@
   <p:cSld>
     <p:spTree>
       <p:nvGrpSpPr>
-        <p:cNvPr id="170" name="Shape 170"/>
+        <p:cNvPr id="168" name="Shape 168"/>
         <p:cNvGrpSpPr/>
         <p:nvPr/>
       </p:nvGrpSpPr>
@@ -1332,7 +1335,7 @@
       </p:grpSpPr>
       <p:sp>
         <p:nvSpPr>
-          <p:cNvPr id="171" name="Google Shape;171;g8bb7f8afe3_0_672:notes"/>
+          <p:cNvPr id="169" name="Google Shape;169;g8c3ebe13df_2_0:notes"/>
           <p:cNvSpPr/>
           <p:nvPr>
             <p:ph idx="2" type="sldImg"/>
@@ -1367,7 +1370,7 @@
       </p:sp>
       <p:sp>
         <p:nvSpPr>
-          <p:cNvPr id="172" name="Google Shape;172;g8bb7f8afe3_0_672:notes"/>
+          <p:cNvPr id="170" name="Google Shape;170;g8c3ebe13df_2_0:notes"/>
           <p:cNvSpPr txBox="1"/>
           <p:nvPr>
             <p:ph idx="1" type="body"/>
@@ -1417,7 +1420,7 @@
   <p:cSld>
     <p:spTree>
       <p:nvGrpSpPr>
-        <p:cNvPr id="176" name="Shape 176"/>
+        <p:cNvPr id="174" name="Shape 174"/>
         <p:cNvGrpSpPr/>
         <p:nvPr/>
       </p:nvGrpSpPr>
@@ -1431,7 +1434,7 @@
       </p:grpSpPr>
       <p:sp>
         <p:nvSpPr>
-          <p:cNvPr id="177" name="Google Shape;177;g8d63e42ebe_0_0:notes"/>
+          <p:cNvPr id="175" name="Google Shape;175;g8c3ebe13df_2_9:notes"/>
           <p:cNvSpPr/>
           <p:nvPr>
             <p:ph idx="2" type="sldImg"/>
@@ -1466,7 +1469,7 @@
       </p:sp>
       <p:sp>
         <p:nvSpPr>
-          <p:cNvPr id="178" name="Google Shape;178;g8d63e42ebe_0_0:notes"/>
+          <p:cNvPr id="176" name="Google Shape;176;g8c3ebe13df_2_9:notes"/>
           <p:cNvSpPr txBox="1"/>
           <p:nvPr>
             <p:ph idx="1" type="body"/>
@@ -1516,7 +1519,7 @@
   <p:cSld>
     <p:spTree>
       <p:nvGrpSpPr>
-        <p:cNvPr id="182" name="Shape 182"/>
+        <p:cNvPr id="180" name="Shape 180"/>
         <p:cNvGrpSpPr/>
         <p:nvPr/>
       </p:nvGrpSpPr>
@@ -1530,7 +1533,7 @@
       </p:grpSpPr>
       <p:sp>
         <p:nvSpPr>
-          <p:cNvPr id="183" name="Google Shape;183;g8d63e42ebe_0_8:notes"/>
+          <p:cNvPr id="181" name="Google Shape;181;g8c3ebe13df_2_5:notes"/>
           <p:cNvSpPr/>
           <p:nvPr>
             <p:ph idx="2" type="sldImg"/>
@@ -1565,7 +1568,7 @@
       </p:sp>
       <p:sp>
         <p:nvSpPr>
-          <p:cNvPr id="184" name="Google Shape;184;g8d63e42ebe_0_8:notes"/>
+          <p:cNvPr id="182" name="Google Shape;182;g8c3ebe13df_2_5:notes"/>
           <p:cNvSpPr txBox="1"/>
           <p:nvPr>
             <p:ph idx="1" type="body"/>
@@ -1615,7 +1618,7 @@
   <p:cSld>
     <p:spTree>
       <p:nvGrpSpPr>
-        <p:cNvPr id="189" name="Shape 189"/>
+        <p:cNvPr id="186" name="Shape 186"/>
         <p:cNvGrpSpPr/>
         <p:nvPr/>
       </p:nvGrpSpPr>
@@ -1629,7 +1632,7 @@
       </p:grpSpPr>
       <p:sp>
         <p:nvSpPr>
-          <p:cNvPr id="190" name="Google Shape;190;g8c57b2bd4a_0_29:notes"/>
+          <p:cNvPr id="187" name="Google Shape;187;g8bb7f8afe3_0_672:notes"/>
           <p:cNvSpPr/>
           <p:nvPr>
             <p:ph idx="2" type="sldImg"/>
@@ -1664,7 +1667,7 @@
       </p:sp>
       <p:sp>
         <p:nvSpPr>
-          <p:cNvPr id="191" name="Google Shape;191;g8c57b2bd4a_0_29:notes"/>
+          <p:cNvPr id="188" name="Google Shape;188;g8bb7f8afe3_0_672:notes"/>
           <p:cNvSpPr txBox="1"/>
           <p:nvPr>
             <p:ph idx="1" type="body"/>
@@ -1714,7 +1717,7 @@
   <p:cSld>
     <p:spTree>
       <p:nvGrpSpPr>
-        <p:cNvPr id="194" name="Shape 194"/>
+        <p:cNvPr id="192" name="Shape 192"/>
         <p:cNvGrpSpPr/>
         <p:nvPr/>
       </p:nvGrpSpPr>
@@ -1728,7 +1731,7 @@
       </p:grpSpPr>
       <p:sp>
         <p:nvSpPr>
-          <p:cNvPr id="195" name="Google Shape;195;g8bb7f8afe3_0_715:notes"/>
+          <p:cNvPr id="193" name="Google Shape;193;g8d63e42ebe_0_0:notes"/>
           <p:cNvSpPr/>
           <p:nvPr>
             <p:ph idx="2" type="sldImg"/>
@@ -1763,7 +1766,7 @@
       </p:sp>
       <p:sp>
         <p:nvSpPr>
-          <p:cNvPr id="196" name="Google Shape;196;g8bb7f8afe3_0_715:notes"/>
+          <p:cNvPr id="194" name="Google Shape;194;g8d63e42ebe_0_0:notes"/>
           <p:cNvSpPr txBox="1"/>
           <p:nvPr>
             <p:ph idx="1" type="body"/>
@@ -1912,7 +1915,7 @@
   <p:cSld>
     <p:spTree>
       <p:nvGrpSpPr>
-        <p:cNvPr id="202" name="Shape 202"/>
+        <p:cNvPr id="198" name="Shape 198"/>
         <p:cNvGrpSpPr/>
         <p:nvPr/>
       </p:nvGrpSpPr>
@@ -1926,7 +1929,7 @@
       </p:grpSpPr>
       <p:sp>
         <p:nvSpPr>
-          <p:cNvPr id="203" name="Google Shape;203;g8bb7f8afe3_0_654:notes"/>
+          <p:cNvPr id="199" name="Google Shape;199;g8d63e42ebe_0_8:notes"/>
           <p:cNvSpPr/>
           <p:nvPr>
             <p:ph idx="2" type="sldImg"/>
@@ -1961,7 +1964,7 @@
       </p:sp>
       <p:sp>
         <p:nvSpPr>
-          <p:cNvPr id="204" name="Google Shape;204;g8bb7f8afe3_0_654:notes"/>
+          <p:cNvPr id="200" name="Google Shape;200;g8d63e42ebe_0_8:notes"/>
           <p:cNvSpPr txBox="1"/>
           <p:nvPr>
             <p:ph idx="1" type="body"/>
@@ -2011,7 +2014,7 @@
   <p:cSld>
     <p:spTree>
       <p:nvGrpSpPr>
-        <p:cNvPr id="237" name="Shape 237"/>
+        <p:cNvPr id="205" name="Shape 205"/>
         <p:cNvGrpSpPr/>
         <p:nvPr/>
       </p:nvGrpSpPr>
@@ -2025,7 +2028,7 @@
       </p:grpSpPr>
       <p:sp>
         <p:nvSpPr>
-          <p:cNvPr id="238" name="Google Shape;238;g8c57b2bd4a_0_91:notes"/>
+          <p:cNvPr id="206" name="Google Shape;206;g8c57b2bd4a_0_29:notes"/>
           <p:cNvSpPr/>
           <p:nvPr>
             <p:ph idx="2" type="sldImg"/>
@@ -2060,7 +2063,7 @@
       </p:sp>
       <p:sp>
         <p:nvSpPr>
-          <p:cNvPr id="239" name="Google Shape;239;g8c57b2bd4a_0_91:notes"/>
+          <p:cNvPr id="207" name="Google Shape;207;g8c57b2bd4a_0_29:notes"/>
           <p:cNvSpPr txBox="1"/>
           <p:nvPr>
             <p:ph idx="1" type="body"/>
@@ -2110,7 +2113,7 @@
   <p:cSld>
     <p:spTree>
       <p:nvGrpSpPr>
-        <p:cNvPr id="261" name="Shape 261"/>
+        <p:cNvPr id="210" name="Shape 210"/>
         <p:cNvGrpSpPr/>
         <p:nvPr/>
       </p:nvGrpSpPr>
@@ -2124,7 +2127,7 @@
       </p:grpSpPr>
       <p:sp>
         <p:nvSpPr>
-          <p:cNvPr id="262" name="Google Shape;262;g8c57b2bd4a_0_34:notes"/>
+          <p:cNvPr id="211" name="Google Shape;211;g8bb7f8afe3_0_715:notes"/>
           <p:cNvSpPr/>
           <p:nvPr>
             <p:ph idx="2" type="sldImg"/>
@@ -2159,7 +2162,7 @@
       </p:sp>
       <p:sp>
         <p:nvSpPr>
-          <p:cNvPr id="263" name="Google Shape;263;g8c57b2bd4a_0_34:notes"/>
+          <p:cNvPr id="212" name="Google Shape;212;g8bb7f8afe3_0_715:notes"/>
           <p:cNvSpPr txBox="1"/>
           <p:nvPr>
             <p:ph idx="1" type="body"/>
@@ -2209,7 +2212,7 @@
   <p:cSld>
     <p:spTree>
       <p:nvGrpSpPr>
-        <p:cNvPr id="267" name="Shape 267"/>
+        <p:cNvPr id="218" name="Shape 218"/>
         <p:cNvGrpSpPr/>
         <p:nvPr/>
       </p:nvGrpSpPr>
@@ -2223,7 +2226,7 @@
       </p:grpSpPr>
       <p:sp>
         <p:nvSpPr>
-          <p:cNvPr id="268" name="Google Shape;268;g8ccda8559d_0_1:notes"/>
+          <p:cNvPr id="219" name="Google Shape;219;g8bb7f8afe3_0_654:notes"/>
           <p:cNvSpPr/>
           <p:nvPr>
             <p:ph idx="2" type="sldImg"/>
@@ -2258,7 +2261,7 @@
       </p:sp>
       <p:sp>
         <p:nvSpPr>
-          <p:cNvPr id="269" name="Google Shape;269;g8ccda8559d_0_1:notes"/>
+          <p:cNvPr id="220" name="Google Shape;220;g8bb7f8afe3_0_654:notes"/>
           <p:cNvSpPr txBox="1"/>
           <p:nvPr>
             <p:ph idx="1" type="body"/>
@@ -2308,7 +2311,7 @@
   <p:cSld>
     <p:spTree>
       <p:nvGrpSpPr>
-        <p:cNvPr id="272" name="Shape 272"/>
+        <p:cNvPr id="253" name="Shape 253"/>
         <p:cNvGrpSpPr/>
         <p:nvPr/>
       </p:nvGrpSpPr>
@@ -2322,7 +2325,7 @@
       </p:grpSpPr>
       <p:sp>
         <p:nvSpPr>
-          <p:cNvPr id="273" name="Google Shape;273;g8dca94223d_0_24:notes"/>
+          <p:cNvPr id="254" name="Google Shape;254;g8c57b2bd4a_0_91:notes"/>
           <p:cNvSpPr/>
           <p:nvPr>
             <p:ph idx="2" type="sldImg"/>
@@ -2357,7 +2360,7 @@
       </p:sp>
       <p:sp>
         <p:nvSpPr>
-          <p:cNvPr id="274" name="Google Shape;274;g8dca94223d_0_24:notes"/>
+          <p:cNvPr id="255" name="Google Shape;255;g8c57b2bd4a_0_91:notes"/>
           <p:cNvSpPr txBox="1"/>
           <p:nvPr>
             <p:ph idx="1" type="body"/>
@@ -2407,7 +2410,7 @@
   <p:cSld>
     <p:spTree>
       <p:nvGrpSpPr>
-        <p:cNvPr id="278" name="Shape 278"/>
+        <p:cNvPr id="277" name="Shape 277"/>
         <p:cNvGrpSpPr/>
         <p:nvPr/>
       </p:nvGrpSpPr>
@@ -2421,7 +2424,7 @@
       </p:grpSpPr>
       <p:sp>
         <p:nvSpPr>
-          <p:cNvPr id="279" name="Google Shape;279;g8cac9d5180_1_1:notes"/>
+          <p:cNvPr id="278" name="Google Shape;278;g8c57b2bd4a_0_34:notes"/>
           <p:cNvSpPr/>
           <p:nvPr>
             <p:ph idx="2" type="sldImg"/>
@@ -2456,7 +2459,304 @@
       </p:sp>
       <p:sp>
         <p:nvSpPr>
-          <p:cNvPr id="280" name="Google Shape;280;g8cac9d5180_1_1:notes"/>
+          <p:cNvPr id="279" name="Google Shape;279;g8c57b2bd4a_0_34:notes"/>
+          <p:cNvSpPr txBox="1"/>
+          <p:nvPr>
+            <p:ph idx="1" type="body"/>
+          </p:nvPr>
+        </p:nvSpPr>
+        <p:spPr>
+          <a:xfrm>
+            <a:off x="685800" y="4343400"/>
+            <a:ext cx="5486400" cy="4114800"/>
+          </a:xfrm>
+          <a:prstGeom prst="rect">
+            <a:avLst/>
+          </a:prstGeom>
+        </p:spPr>
+        <p:txBody>
+          <a:bodyPr anchorCtr="0" anchor="t" bIns="91425" lIns="91425" spcFirstLastPara="1" rIns="91425" wrap="square" tIns="91425">
+            <a:noAutofit/>
+          </a:bodyPr>
+          <a:lstStyle/>
+          <a:p>
+            <a:pPr indent="0" lvl="0" marL="0" rtl="0" algn="l">
+              <a:spcBef>
+                <a:spcPts val="0"/>
+              </a:spcBef>
+              <a:spcAft>
+                <a:spcPts val="0"/>
+              </a:spcAft>
+              <a:buNone/>
+            </a:pPr>
+            <a:r>
+              <a:t/>
+            </a:r>
+            <a:endParaRPr/>
+          </a:p>
+        </p:txBody>
+      </p:sp>
+    </p:spTree>
+  </p:cSld>
+  <p:clrMapOvr>
+    <a:masterClrMapping/>
+  </p:clrMapOvr>
+</p:notes>
+</file>
+
+<file path=ppt/notesSlides/notesSlide26.xml><?xml version="1.0" encoding="utf-8"?>
+<p:notes xmlns:a="http://schemas.openxmlformats.org/drawingml/2006/main" xmlns:r="http://schemas.openxmlformats.org/officeDocument/2006/relationships" xmlns:mc="http://schemas.openxmlformats.org/markup-compatibility/2006" xmlns:mv="urn:schemas-microsoft-com:mac:vml" xmlns:p="http://schemas.openxmlformats.org/presentationml/2006/main" xmlns:c="http://schemas.openxmlformats.org/drawingml/2006/chart" xmlns:dgm="http://schemas.openxmlformats.org/drawingml/2006/diagram" xmlns:o="urn:schemas-microsoft-com:office:office" xmlns:v="urn:schemas-microsoft-com:vml" xmlns:pvml="urn:schemas-microsoft-com:office:powerpoint" xmlns:com="http://schemas.openxmlformats.org/drawingml/2006/compatibility" xmlns:p14="http://schemas.microsoft.com/office/powerpoint/2010/main" xmlns:p15="http://schemas.microsoft.com/office/powerpoint/2012/main" showMasterPhAnim="0" showMasterSp="0">
+  <p:cSld>
+    <p:spTree>
+      <p:nvGrpSpPr>
+        <p:cNvPr id="283" name="Shape 283"/>
+        <p:cNvGrpSpPr/>
+        <p:nvPr/>
+      </p:nvGrpSpPr>
+      <p:grpSpPr>
+        <a:xfrm>
+          <a:off x="0" y="0"/>
+          <a:ext cx="0" cy="0"/>
+          <a:chOff x="0" y="0"/>
+          <a:chExt cx="0" cy="0"/>
+        </a:xfrm>
+      </p:grpSpPr>
+      <p:sp>
+        <p:nvSpPr>
+          <p:cNvPr id="284" name="Google Shape;284;g8ccda8559d_0_1:notes"/>
+          <p:cNvSpPr/>
+          <p:nvPr>
+            <p:ph idx="2" type="sldImg"/>
+          </p:nvPr>
+        </p:nvSpPr>
+        <p:spPr>
+          <a:xfrm>
+            <a:off x="381300" y="685800"/>
+            <a:ext cx="6096000" cy="3429000"/>
+          </a:xfrm>
+          <a:custGeom>
+            <a:rect b="b" l="l" r="r" t="t"/>
+            <a:pathLst>
+              <a:path extrusionOk="0" h="120000" w="120000">
+                <a:moveTo>
+                  <a:pt x="0" y="0"/>
+                </a:moveTo>
+                <a:lnTo>
+                  <a:pt x="120000" y="0"/>
+                </a:lnTo>
+                <a:lnTo>
+                  <a:pt x="120000" y="120000"/>
+                </a:lnTo>
+                <a:lnTo>
+                  <a:pt x="0" y="120000"/>
+                </a:lnTo>
+                <a:close/>
+              </a:path>
+            </a:pathLst>
+          </a:custGeom>
+        </p:spPr>
+      </p:sp>
+      <p:sp>
+        <p:nvSpPr>
+          <p:cNvPr id="285" name="Google Shape;285;g8ccda8559d_0_1:notes"/>
+          <p:cNvSpPr txBox="1"/>
+          <p:nvPr>
+            <p:ph idx="1" type="body"/>
+          </p:nvPr>
+        </p:nvSpPr>
+        <p:spPr>
+          <a:xfrm>
+            <a:off x="685800" y="4343400"/>
+            <a:ext cx="5486400" cy="4114800"/>
+          </a:xfrm>
+          <a:prstGeom prst="rect">
+            <a:avLst/>
+          </a:prstGeom>
+        </p:spPr>
+        <p:txBody>
+          <a:bodyPr anchorCtr="0" anchor="t" bIns="91425" lIns="91425" spcFirstLastPara="1" rIns="91425" wrap="square" tIns="91425">
+            <a:noAutofit/>
+          </a:bodyPr>
+          <a:lstStyle/>
+          <a:p>
+            <a:pPr indent="0" lvl="0" marL="0" rtl="0" algn="l">
+              <a:spcBef>
+                <a:spcPts val="0"/>
+              </a:spcBef>
+              <a:spcAft>
+                <a:spcPts val="0"/>
+              </a:spcAft>
+              <a:buNone/>
+            </a:pPr>
+            <a:r>
+              <a:t/>
+            </a:r>
+            <a:endParaRPr/>
+          </a:p>
+        </p:txBody>
+      </p:sp>
+    </p:spTree>
+  </p:cSld>
+  <p:clrMapOvr>
+    <a:masterClrMapping/>
+  </p:clrMapOvr>
+</p:notes>
+</file>
+
+<file path=ppt/notesSlides/notesSlide27.xml><?xml version="1.0" encoding="utf-8"?>
+<p:notes xmlns:a="http://schemas.openxmlformats.org/drawingml/2006/main" xmlns:r="http://schemas.openxmlformats.org/officeDocument/2006/relationships" xmlns:mc="http://schemas.openxmlformats.org/markup-compatibility/2006" xmlns:mv="urn:schemas-microsoft-com:mac:vml" xmlns:p="http://schemas.openxmlformats.org/presentationml/2006/main" xmlns:c="http://schemas.openxmlformats.org/drawingml/2006/chart" xmlns:dgm="http://schemas.openxmlformats.org/drawingml/2006/diagram" xmlns:o="urn:schemas-microsoft-com:office:office" xmlns:v="urn:schemas-microsoft-com:vml" xmlns:pvml="urn:schemas-microsoft-com:office:powerpoint" xmlns:com="http://schemas.openxmlformats.org/drawingml/2006/compatibility" xmlns:p14="http://schemas.microsoft.com/office/powerpoint/2010/main" xmlns:p15="http://schemas.microsoft.com/office/powerpoint/2012/main" showMasterPhAnim="0" showMasterSp="0">
+  <p:cSld>
+    <p:spTree>
+      <p:nvGrpSpPr>
+        <p:cNvPr id="288" name="Shape 288"/>
+        <p:cNvGrpSpPr/>
+        <p:nvPr/>
+      </p:nvGrpSpPr>
+      <p:grpSpPr>
+        <a:xfrm>
+          <a:off x="0" y="0"/>
+          <a:ext cx="0" cy="0"/>
+          <a:chOff x="0" y="0"/>
+          <a:chExt cx="0" cy="0"/>
+        </a:xfrm>
+      </p:grpSpPr>
+      <p:sp>
+        <p:nvSpPr>
+          <p:cNvPr id="289" name="Google Shape;289;g8dca94223d_0_24:notes"/>
+          <p:cNvSpPr/>
+          <p:nvPr>
+            <p:ph idx="2" type="sldImg"/>
+          </p:nvPr>
+        </p:nvSpPr>
+        <p:spPr>
+          <a:xfrm>
+            <a:off x="381300" y="685800"/>
+            <a:ext cx="6096000" cy="3429000"/>
+          </a:xfrm>
+          <a:custGeom>
+            <a:rect b="b" l="l" r="r" t="t"/>
+            <a:pathLst>
+              <a:path extrusionOk="0" h="120000" w="120000">
+                <a:moveTo>
+                  <a:pt x="0" y="0"/>
+                </a:moveTo>
+                <a:lnTo>
+                  <a:pt x="120000" y="0"/>
+                </a:lnTo>
+                <a:lnTo>
+                  <a:pt x="120000" y="120000"/>
+                </a:lnTo>
+                <a:lnTo>
+                  <a:pt x="0" y="120000"/>
+                </a:lnTo>
+                <a:close/>
+              </a:path>
+            </a:pathLst>
+          </a:custGeom>
+        </p:spPr>
+      </p:sp>
+      <p:sp>
+        <p:nvSpPr>
+          <p:cNvPr id="290" name="Google Shape;290;g8dca94223d_0_24:notes"/>
+          <p:cNvSpPr txBox="1"/>
+          <p:nvPr>
+            <p:ph idx="1" type="body"/>
+          </p:nvPr>
+        </p:nvSpPr>
+        <p:spPr>
+          <a:xfrm>
+            <a:off x="685800" y="4343400"/>
+            <a:ext cx="5486400" cy="4114800"/>
+          </a:xfrm>
+          <a:prstGeom prst="rect">
+            <a:avLst/>
+          </a:prstGeom>
+        </p:spPr>
+        <p:txBody>
+          <a:bodyPr anchorCtr="0" anchor="t" bIns="91425" lIns="91425" spcFirstLastPara="1" rIns="91425" wrap="square" tIns="91425">
+            <a:noAutofit/>
+          </a:bodyPr>
+          <a:lstStyle/>
+          <a:p>
+            <a:pPr indent="0" lvl="0" marL="0" rtl="0" algn="l">
+              <a:spcBef>
+                <a:spcPts val="0"/>
+              </a:spcBef>
+              <a:spcAft>
+                <a:spcPts val="0"/>
+              </a:spcAft>
+              <a:buNone/>
+            </a:pPr>
+            <a:r>
+              <a:t/>
+            </a:r>
+            <a:endParaRPr/>
+          </a:p>
+        </p:txBody>
+      </p:sp>
+    </p:spTree>
+  </p:cSld>
+  <p:clrMapOvr>
+    <a:masterClrMapping/>
+  </p:clrMapOvr>
+</p:notes>
+</file>
+
+<file path=ppt/notesSlides/notesSlide28.xml><?xml version="1.0" encoding="utf-8"?>
+<p:notes xmlns:a="http://schemas.openxmlformats.org/drawingml/2006/main" xmlns:r="http://schemas.openxmlformats.org/officeDocument/2006/relationships" xmlns:mc="http://schemas.openxmlformats.org/markup-compatibility/2006" xmlns:mv="urn:schemas-microsoft-com:mac:vml" xmlns:p="http://schemas.openxmlformats.org/presentationml/2006/main" xmlns:c="http://schemas.openxmlformats.org/drawingml/2006/chart" xmlns:dgm="http://schemas.openxmlformats.org/drawingml/2006/diagram" xmlns:o="urn:schemas-microsoft-com:office:office" xmlns:v="urn:schemas-microsoft-com:vml" xmlns:pvml="urn:schemas-microsoft-com:office:powerpoint" xmlns:com="http://schemas.openxmlformats.org/drawingml/2006/compatibility" xmlns:p14="http://schemas.microsoft.com/office/powerpoint/2010/main" xmlns:p15="http://schemas.microsoft.com/office/powerpoint/2012/main" showMasterPhAnim="0" showMasterSp="0">
+  <p:cSld>
+    <p:spTree>
+      <p:nvGrpSpPr>
+        <p:cNvPr id="294" name="Shape 294"/>
+        <p:cNvGrpSpPr/>
+        <p:nvPr/>
+      </p:nvGrpSpPr>
+      <p:grpSpPr>
+        <a:xfrm>
+          <a:off x="0" y="0"/>
+          <a:ext cx="0" cy="0"/>
+          <a:chOff x="0" y="0"/>
+          <a:chExt cx="0" cy="0"/>
+        </a:xfrm>
+      </p:grpSpPr>
+      <p:sp>
+        <p:nvSpPr>
+          <p:cNvPr id="295" name="Google Shape;295;g8cac9d5180_1_1:notes"/>
+          <p:cNvSpPr/>
+          <p:nvPr>
+            <p:ph idx="2" type="sldImg"/>
+          </p:nvPr>
+        </p:nvSpPr>
+        <p:spPr>
+          <a:xfrm>
+            <a:off x="381300" y="685800"/>
+            <a:ext cx="6096000" cy="3429000"/>
+          </a:xfrm>
+          <a:custGeom>
+            <a:rect b="b" l="l" r="r" t="t"/>
+            <a:pathLst>
+              <a:path extrusionOk="0" h="120000" w="120000">
+                <a:moveTo>
+                  <a:pt x="0" y="0"/>
+                </a:moveTo>
+                <a:lnTo>
+                  <a:pt x="120000" y="0"/>
+                </a:lnTo>
+                <a:lnTo>
+                  <a:pt x="120000" y="120000"/>
+                </a:lnTo>
+                <a:lnTo>
+                  <a:pt x="0" y="120000"/>
+                </a:lnTo>
+                <a:close/>
+              </a:path>
+            </a:pathLst>
+          </a:custGeom>
+        </p:spPr>
+      </p:sp>
+      <p:sp>
+        <p:nvSpPr>
+          <p:cNvPr id="296" name="Google Shape;296;g8cac9d5180_1_1:notes"/>
           <p:cNvSpPr txBox="1"/>
           <p:nvPr>
             <p:ph idx="1" type="body"/>
@@ -2619,7 +2919,7 @@
       </p:grpSpPr>
       <p:sp>
         <p:nvSpPr>
-          <p:cNvPr id="101" name="Google Shape;101;g8bb7f8afe3_0_283:notes"/>
+          <p:cNvPr id="101" name="Google Shape;101;g8ccd4fa1ec_0_0:notes"/>
           <p:cNvSpPr/>
           <p:nvPr>
             <p:ph idx="2" type="sldImg"/>
@@ -2654,7 +2954,7 @@
       </p:sp>
       <p:sp>
         <p:nvSpPr>
-          <p:cNvPr id="102" name="Google Shape;102;g8bb7f8afe3_0_283:notes"/>
+          <p:cNvPr id="102" name="Google Shape;102;g8ccd4fa1ec_0_0:notes"/>
           <p:cNvSpPr txBox="1"/>
           <p:nvPr>
             <p:ph idx="1" type="body"/>
@@ -2704,7 +3004,7 @@
   <p:cSld>
     <p:spTree>
       <p:nvGrpSpPr>
-        <p:cNvPr id="107" name="Shape 107"/>
+        <p:cNvPr id="106" name="Shape 106"/>
         <p:cNvGrpSpPr/>
         <p:nvPr/>
       </p:nvGrpSpPr>
@@ -2718,7 +3018,7 @@
       </p:grpSpPr>
       <p:sp>
         <p:nvSpPr>
-          <p:cNvPr id="108" name="Google Shape;108;g8bb7f8afe3_0_290:notes"/>
+          <p:cNvPr id="107" name="Google Shape;107;g8bb7f8afe3_0_283:notes"/>
           <p:cNvSpPr/>
           <p:nvPr>
             <p:ph idx="2" type="sldImg"/>
@@ -2753,7 +3053,7 @@
       </p:sp>
       <p:sp>
         <p:nvSpPr>
-          <p:cNvPr id="109" name="Google Shape;109;g8bb7f8afe3_0_290:notes"/>
+          <p:cNvPr id="108" name="Google Shape;108;g8bb7f8afe3_0_283:notes"/>
           <p:cNvSpPr txBox="1"/>
           <p:nvPr>
             <p:ph idx="1" type="body"/>
@@ -2803,7 +3103,7 @@
   <p:cSld>
     <p:spTree>
       <p:nvGrpSpPr>
-        <p:cNvPr id="114" name="Shape 114"/>
+        <p:cNvPr id="113" name="Shape 113"/>
         <p:cNvGrpSpPr/>
         <p:nvPr/>
       </p:nvGrpSpPr>
@@ -2817,7 +3117,7 @@
       </p:grpSpPr>
       <p:sp>
         <p:nvSpPr>
-          <p:cNvPr id="115" name="Google Shape;115;g8bb7f8afe3_0_278:notes"/>
+          <p:cNvPr id="114" name="Google Shape;114;g8bb7f8afe3_0_290:notes"/>
           <p:cNvSpPr/>
           <p:nvPr>
             <p:ph idx="2" type="sldImg"/>
@@ -2852,7 +3152,7 @@
       </p:sp>
       <p:sp>
         <p:nvSpPr>
-          <p:cNvPr id="116" name="Google Shape;116;g8bb7f8afe3_0_278:notes"/>
+          <p:cNvPr id="115" name="Google Shape;115;g8bb7f8afe3_0_290:notes"/>
           <p:cNvSpPr txBox="1"/>
           <p:nvPr>
             <p:ph idx="1" type="body"/>
@@ -2883,8 +3183,7 @@
               <a:buNone/>
             </a:pPr>
             <a:r>
-              <a:rPr lang="fr"/>
-              <a:t>1.b) namenode secondaire et datanodes</a:t>
+              <a:t/>
             </a:r>
             <a:endParaRPr/>
           </a:p>
@@ -2917,7 +3216,7 @@
       </p:grpSpPr>
       <p:sp>
         <p:nvSpPr>
-          <p:cNvPr id="121" name="Google Shape;121;g8c57b2bd4a_0_64:notes"/>
+          <p:cNvPr id="121" name="Google Shape;121;g8bb7f8afe3_0_278:notes"/>
           <p:cNvSpPr/>
           <p:nvPr>
             <p:ph idx="2" type="sldImg"/>
@@ -2952,7 +3251,7 @@
       </p:sp>
       <p:sp>
         <p:nvSpPr>
-          <p:cNvPr id="122" name="Google Shape;122;g8c57b2bd4a_0_64:notes"/>
+          <p:cNvPr id="122" name="Google Shape;122;g8bb7f8afe3_0_278:notes"/>
           <p:cNvSpPr txBox="1"/>
           <p:nvPr>
             <p:ph idx="1" type="body"/>
@@ -2983,7 +3282,8 @@
               <a:buNone/>
             </a:pPr>
             <a:r>
-              <a:t/>
+              <a:rPr lang="fr"/>
+              <a:t>1.b) namenode secondaire et datanodes</a:t>
             </a:r>
             <a:endParaRPr/>
           </a:p>
@@ -3016,7 +3316,7 @@
       </p:grpSpPr>
       <p:sp>
         <p:nvSpPr>
-          <p:cNvPr id="127" name="Google Shape;127;g8bb7f8afe3_0_643:notes"/>
+          <p:cNvPr id="127" name="Google Shape;127;g8ccd4fa1ec_0_5:notes"/>
           <p:cNvSpPr/>
           <p:nvPr>
             <p:ph idx="2" type="sldImg"/>
@@ -3051,7 +3351,7 @@
       </p:sp>
       <p:sp>
         <p:nvSpPr>
-          <p:cNvPr id="128" name="Google Shape;128;g8bb7f8afe3_0_643:notes"/>
+          <p:cNvPr id="128" name="Google Shape;128;g8ccd4fa1ec_0_5:notes"/>
           <p:cNvSpPr txBox="1"/>
           <p:nvPr>
             <p:ph idx="1" type="body"/>
@@ -3101,7 +3401,7 @@
   <p:cSld>
     <p:spTree>
       <p:nvGrpSpPr>
-        <p:cNvPr id="132" name="Shape 132"/>
+        <p:cNvPr id="131" name="Shape 131"/>
         <p:cNvGrpSpPr/>
         <p:nvPr/>
       </p:nvGrpSpPr>
@@ -3115,7 +3415,7 @@
       </p:grpSpPr>
       <p:sp>
         <p:nvSpPr>
-          <p:cNvPr id="133" name="Google Shape;133;g8c57b2bd4a_0_49:notes"/>
+          <p:cNvPr id="132" name="Google Shape;132;g8c57b2bd4a_0_64:notes"/>
           <p:cNvSpPr/>
           <p:nvPr>
             <p:ph idx="2" type="sldImg"/>
@@ -3150,7 +3450,7 @@
       </p:sp>
       <p:sp>
         <p:nvSpPr>
-          <p:cNvPr id="134" name="Google Shape;134;g8c57b2bd4a_0_49:notes"/>
+          <p:cNvPr id="133" name="Google Shape;133;g8c57b2bd4a_0_64:notes"/>
           <p:cNvSpPr txBox="1"/>
           <p:nvPr>
             <p:ph idx="1" type="body"/>
@@ -9965,7 +10265,100 @@
   <p:cSld>
     <p:spTree>
       <p:nvGrpSpPr>
-        <p:cNvPr id="142" name="Shape 142"/>
+        <p:cNvPr id="140" name="Shape 140"/>
+        <p:cNvGrpSpPr/>
+        <p:nvPr/>
+      </p:nvGrpSpPr>
+      <p:grpSpPr>
+        <a:xfrm>
+          <a:off x="0" y="0"/>
+          <a:ext cx="0" cy="0"/>
+          <a:chOff x="0" y="0"/>
+          <a:chExt cx="0" cy="0"/>
+        </a:xfrm>
+      </p:grpSpPr>
+      <p:pic>
+        <p:nvPicPr>
+          <p:cNvPr id="141" name="Google Shape;141;p22"/>
+          <p:cNvPicPr preferRelativeResize="0"/>
+          <p:nvPr/>
+        </p:nvPicPr>
+        <p:blipFill>
+          <a:blip r:embed="rId3">
+            <a:alphaModFix/>
+          </a:blip>
+          <a:stretch>
+            <a:fillRect/>
+          </a:stretch>
+        </p:blipFill>
+        <p:spPr>
+          <a:xfrm>
+            <a:off x="87600" y="565200"/>
+            <a:ext cx="7252374" cy="4513500"/>
+          </a:xfrm>
+          <a:prstGeom prst="rect">
+            <a:avLst/>
+          </a:prstGeom>
+          <a:noFill/>
+          <a:ln>
+            <a:noFill/>
+          </a:ln>
+        </p:spPr>
+      </p:pic>
+      <p:sp>
+        <p:nvSpPr>
+          <p:cNvPr id="142" name="Google Shape;142;p22"/>
+          <p:cNvSpPr txBox="1"/>
+          <p:nvPr>
+            <p:ph type="title"/>
+          </p:nvPr>
+        </p:nvSpPr>
+        <p:spPr>
+          <a:xfrm>
+            <a:off x="650750" y="0"/>
+            <a:ext cx="8493300" cy="565200"/>
+          </a:xfrm>
+          <a:prstGeom prst="rect">
+            <a:avLst/>
+          </a:prstGeom>
+        </p:spPr>
+        <p:txBody>
+          <a:bodyPr anchorCtr="0" anchor="ctr" bIns="91425" lIns="91425" spcFirstLastPara="1" rIns="91425" wrap="square" tIns="91425">
+            <a:noAutofit/>
+          </a:bodyPr>
+          <a:lstStyle/>
+          <a:p>
+            <a:pPr indent="0" lvl="0" marL="0" rtl="0" algn="l">
+              <a:spcBef>
+                <a:spcPts val="0"/>
+              </a:spcBef>
+              <a:spcAft>
+                <a:spcPts val="0"/>
+              </a:spcAft>
+              <a:buNone/>
+            </a:pPr>
+            <a:r>
+              <a:rPr lang="fr"/>
+              <a:t>a) Structure de notre data lake: </a:t>
+            </a:r>
+            <a:endParaRPr b="0" sz="2000"/>
+          </a:p>
+        </p:txBody>
+      </p:sp>
+    </p:spTree>
+  </p:cSld>
+  <p:clrMapOvr>
+    <a:masterClrMapping/>
+  </p:clrMapOvr>
+</p:sld>
+</file>
+
+<file path=ppt/slides/slide11.xml><?xml version="1.0" encoding="utf-8"?>
+<p:sld xmlns:a="http://schemas.openxmlformats.org/drawingml/2006/main" xmlns:r="http://schemas.openxmlformats.org/officeDocument/2006/relationships" xmlns:mc="http://schemas.openxmlformats.org/markup-compatibility/2006" xmlns:mv="urn:schemas-microsoft-com:mac:vml" xmlns:p="http://schemas.openxmlformats.org/presentationml/2006/main" xmlns:c="http://schemas.openxmlformats.org/drawingml/2006/chart" xmlns:dgm="http://schemas.openxmlformats.org/drawingml/2006/diagram" xmlns:o="urn:schemas-microsoft-com:office:office" xmlns:v="urn:schemas-microsoft-com:vml" xmlns:pvml="urn:schemas-microsoft-com:office:powerpoint" xmlns:com="http://schemas.openxmlformats.org/drawingml/2006/compatibility" xmlns:p14="http://schemas.microsoft.com/office/powerpoint/2010/main" xmlns:p15="http://schemas.microsoft.com/office/powerpoint/2012/main">
+  <p:cSld>
+    <p:spTree>
+      <p:nvGrpSpPr>
+        <p:cNvPr id="146" name="Shape 146"/>
         <p:cNvGrpSpPr/>
         <p:nvPr/>
       </p:nvGrpSpPr>
@@ -9979,7 +10372,7 @@
       </p:grpSpPr>
       <p:sp>
         <p:nvSpPr>
-          <p:cNvPr id="143" name="Google Shape;143;p22"/>
+          <p:cNvPr id="147" name="Google Shape;147;p23"/>
           <p:cNvSpPr txBox="1"/>
           <p:nvPr>
             <p:ph type="title"/>
@@ -9987,8 +10380,8 @@
         </p:nvSpPr>
         <p:spPr>
           <a:xfrm>
-            <a:off x="200225" y="98000"/>
-            <a:ext cx="8397300" cy="452700"/>
+            <a:off x="200225" y="0"/>
+            <a:ext cx="8397300" cy="475500"/>
           </a:xfrm>
           <a:prstGeom prst="rect">
             <a:avLst/>
@@ -10000,7 +10393,7 @@
           </a:bodyPr>
           <a:lstStyle/>
           <a:p>
-            <a:pPr indent="0" lvl="0" marL="0" rtl="0" algn="l">
+            <a:pPr indent="457200" lvl="0" marL="0" rtl="0" algn="l">
               <a:spcBef>
                 <a:spcPts val="0"/>
               </a:spcBef>
@@ -10011,15 +10404,11 @@
             </a:pPr>
             <a:r>
               <a:rPr lang="fr"/>
-              <a:t>2.b) Description de stockage: </a:t>
-            </a:r>
-            <a:r>
-              <a:rPr b="0" lang="fr" sz="2000"/>
-              <a:t>S</a:t>
-            </a:r>
-            <a:r>
-              <a:rPr lang="fr" sz="2000"/>
-              <a:t>écurisation des données</a:t>
+              <a:t>b) </a:t>
+            </a:r>
+            <a:r>
+              <a:rPr lang="fr"/>
+              <a:t>Sécurisation des données:</a:t>
             </a:r>
             <a:endParaRPr b="0" sz="2000"/>
           </a:p>
@@ -10027,7 +10416,281 @@
       </p:sp>
       <p:sp>
         <p:nvSpPr>
-          <p:cNvPr id="144" name="Google Shape;144;p22"/>
+          <p:cNvPr id="148" name="Google Shape;148;p23"/>
+          <p:cNvSpPr txBox="1"/>
+          <p:nvPr>
+            <p:ph idx="1" type="body"/>
+          </p:nvPr>
+        </p:nvSpPr>
+        <p:spPr>
+          <a:xfrm>
+            <a:off x="456725" y="475500"/>
+            <a:ext cx="7884300" cy="3416400"/>
+          </a:xfrm>
+          <a:prstGeom prst="rect">
+            <a:avLst/>
+          </a:prstGeom>
+        </p:spPr>
+        <p:txBody>
+          <a:bodyPr anchorCtr="0" anchor="t" bIns="91425" lIns="91425" spcFirstLastPara="1" rIns="91425" wrap="square" tIns="91425">
+            <a:noAutofit/>
+          </a:bodyPr>
+          <a:lstStyle/>
+          <a:p>
+            <a:pPr indent="-336550" lvl="0" marL="457200" rtl="0" algn="l">
+              <a:spcBef>
+                <a:spcPts val="0"/>
+              </a:spcBef>
+              <a:spcAft>
+                <a:spcPts val="0"/>
+              </a:spcAft>
+              <a:buSzPts val="1700"/>
+              <a:buAutoNum type="arabicPeriod"/>
+            </a:pPr>
+            <a:r>
+              <a:rPr lang="fr" sz="1700"/>
+              <a:t>No single point of failure:</a:t>
+            </a:r>
+            <a:endParaRPr sz="1700"/>
+          </a:p>
+          <a:p>
+            <a:pPr indent="-336550" lvl="1" marL="914400" rtl="0" algn="l">
+              <a:spcBef>
+                <a:spcPts val="0"/>
+              </a:spcBef>
+              <a:spcAft>
+                <a:spcPts val="0"/>
+              </a:spcAft>
+              <a:buSzPts val="1700"/>
+              <a:buAutoNum type="alphaLcPeriod"/>
+            </a:pPr>
+            <a:r>
+              <a:rPr lang="fr" sz="1700"/>
+              <a:t>3 datanodes sur lesquels les données sont distribuées en blocs</a:t>
+            </a:r>
+            <a:endParaRPr sz="1700"/>
+          </a:p>
+          <a:p>
+            <a:pPr indent="-336550" lvl="1" marL="914400" rtl="0" algn="l">
+              <a:spcBef>
+                <a:spcPts val="0"/>
+              </a:spcBef>
+              <a:spcAft>
+                <a:spcPts val="0"/>
+              </a:spcAft>
+              <a:buSzPts val="1700"/>
+              <a:buAutoNum type="alphaLcPeriod"/>
+            </a:pPr>
+            <a:r>
+              <a:rPr lang="fr" sz="1700"/>
+              <a:t>Namenode secondaire: préserver les données du namenode en faisant des checkpoints régulièrement (toutes les heures)</a:t>
+            </a:r>
+            <a:endParaRPr sz="1700"/>
+          </a:p>
+          <a:p>
+            <a:pPr indent="-336550" lvl="0" marL="457200" rtl="0" algn="l">
+              <a:spcBef>
+                <a:spcPts val="0"/>
+              </a:spcBef>
+              <a:spcAft>
+                <a:spcPts val="0"/>
+              </a:spcAft>
+              <a:buSzPts val="1700"/>
+              <a:buAutoNum type="arabicPeriod"/>
+            </a:pPr>
+            <a:r>
+              <a:rPr lang="fr" sz="1700"/>
+              <a:t>Snapshot: permet de sauvegarder l’état d’un répertoire à un instant t donné</a:t>
+            </a:r>
+            <a:endParaRPr sz="1700"/>
+          </a:p>
+          <a:p>
+            <a:pPr indent="-336550" lvl="2" marL="1371600" rtl="0" algn="l">
+              <a:spcBef>
+                <a:spcPts val="0"/>
+              </a:spcBef>
+              <a:spcAft>
+                <a:spcPts val="0"/>
+              </a:spcAft>
+              <a:buSzPts val="1700"/>
+              <a:buAutoNum type="romanLcPeriod"/>
+            </a:pPr>
+            <a:r>
+              <a:rPr lang="fr" sz="1700"/>
+              <a:t>Rendre le répertoire “/data” snapshotable: </a:t>
+            </a:r>
+            <a:r>
+              <a:rPr i="1" lang="fr" sz="1000">
+                <a:solidFill>
+                  <a:srgbClr val="274E13"/>
+                </a:solidFill>
+              </a:rPr>
+              <a:t>hdfs dfsadmin -allowSnapshot /data</a:t>
+            </a:r>
+            <a:endParaRPr i="1" sz="1000">
+              <a:solidFill>
+                <a:srgbClr val="274E13"/>
+              </a:solidFill>
+            </a:endParaRPr>
+          </a:p>
+          <a:p>
+            <a:pPr indent="-336550" lvl="2" marL="1371600" rtl="0" algn="l">
+              <a:spcBef>
+                <a:spcPts val="0"/>
+              </a:spcBef>
+              <a:spcAft>
+                <a:spcPts val="0"/>
+              </a:spcAft>
+              <a:buSzPts val="1700"/>
+              <a:buAutoNum type="romanLcPeriod"/>
+            </a:pPr>
+            <a:r>
+              <a:rPr lang="fr" sz="1700"/>
+              <a:t>Créer des snapshot régulières au rep “/data”: </a:t>
+            </a:r>
+            <a:r>
+              <a:rPr i="1" lang="fr" sz="1000">
+                <a:solidFill>
+                  <a:srgbClr val="38761D"/>
+                </a:solidFill>
+              </a:rPr>
+              <a:t>hdfs dfs -createSnapshot /data</a:t>
+            </a:r>
+            <a:endParaRPr i="1" sz="1000">
+              <a:solidFill>
+                <a:srgbClr val="38761D"/>
+              </a:solidFill>
+            </a:endParaRPr>
+          </a:p>
+          <a:p>
+            <a:pPr indent="-336550" lvl="2" marL="1371600" rtl="0" algn="l">
+              <a:spcBef>
+                <a:spcPts val="0"/>
+              </a:spcBef>
+              <a:spcAft>
+                <a:spcPts val="0"/>
+              </a:spcAft>
+              <a:buSzPts val="1700"/>
+              <a:buAutoNum type="romanLcPeriod"/>
+            </a:pPr>
+            <a:r>
+              <a:rPr lang="fr" sz="1700"/>
+              <a:t>Restaurer: </a:t>
+            </a:r>
+            <a:r>
+              <a:rPr i="1" lang="fr" sz="1000">
+                <a:solidFill>
+                  <a:srgbClr val="38761D"/>
+                </a:solidFill>
+              </a:rPr>
+              <a:t>hdfs dfs -cp -f /data/.snapshot/s20200720-163848.488/* /data/</a:t>
+            </a:r>
+            <a:endParaRPr sz="1700">
+              <a:solidFill>
+                <a:srgbClr val="38761D"/>
+              </a:solidFill>
+            </a:endParaRPr>
+          </a:p>
+          <a:p>
+            <a:pPr indent="-336550" lvl="0" marL="457200" rtl="0" algn="l">
+              <a:spcBef>
+                <a:spcPts val="0"/>
+              </a:spcBef>
+              <a:spcAft>
+                <a:spcPts val="0"/>
+              </a:spcAft>
+              <a:buSzPts val="1700"/>
+              <a:buAutoNum type="arabicPeriod"/>
+            </a:pPr>
+            <a:r>
+              <a:rPr lang="fr" sz="1700"/>
+              <a:t>Interdire l’accès en écriture sur les deux répertoire contenant les données brutes et données sérialisés (master dataset):</a:t>
+            </a:r>
+            <a:endParaRPr sz="1700"/>
+          </a:p>
+          <a:p>
+            <a:pPr indent="-336550" lvl="2" marL="1371600" rtl="0" algn="l">
+              <a:spcBef>
+                <a:spcPts val="0"/>
+              </a:spcBef>
+              <a:spcAft>
+                <a:spcPts val="0"/>
+              </a:spcAft>
+              <a:buSzPts val="1700"/>
+              <a:buAutoNum type="romanLcPeriod"/>
+            </a:pPr>
+            <a:r>
+              <a:rPr lang="fr" sz="1700"/>
+              <a:t>bash: </a:t>
+            </a:r>
+            <a:r>
+              <a:rPr b="1" i="1" lang="fr" sz="1200">
+                <a:solidFill>
+                  <a:srgbClr val="38761D"/>
+                </a:solidFill>
+              </a:rPr>
+              <a:t>hdfs dfs -chmod -R ugo-w /data/frwiki/raw /data/frwiki/frwiki-20200201/master/full</a:t>
+            </a:r>
+            <a:endParaRPr sz="1700"/>
+          </a:p>
+        </p:txBody>
+      </p:sp>
+      <p:pic>
+        <p:nvPicPr>
+          <p:cNvPr id="149" name="Google Shape;149;p23"/>
+          <p:cNvPicPr preferRelativeResize="0"/>
+          <p:nvPr/>
+        </p:nvPicPr>
+        <p:blipFill>
+          <a:blip r:embed="rId3">
+            <a:alphaModFix/>
+          </a:blip>
+          <a:stretch>
+            <a:fillRect/>
+          </a:stretch>
+        </p:blipFill>
+        <p:spPr>
+          <a:xfrm>
+            <a:off x="0" y="3816950"/>
+            <a:ext cx="9144000" cy="1326550"/>
+          </a:xfrm>
+          <a:prstGeom prst="rect">
+            <a:avLst/>
+          </a:prstGeom>
+          <a:noFill/>
+          <a:ln>
+            <a:noFill/>
+          </a:ln>
+        </p:spPr>
+      </p:pic>
+    </p:spTree>
+  </p:cSld>
+  <p:clrMapOvr>
+    <a:masterClrMapping/>
+  </p:clrMapOvr>
+</p:sld>
+</file>
+
+<file path=ppt/slides/slide12.xml><?xml version="1.0" encoding="utf-8"?>
+<p:sld xmlns:a="http://schemas.openxmlformats.org/drawingml/2006/main" xmlns:r="http://schemas.openxmlformats.org/officeDocument/2006/relationships" xmlns:mc="http://schemas.openxmlformats.org/markup-compatibility/2006" xmlns:mv="urn:schemas-microsoft-com:mac:vml" xmlns:p="http://schemas.openxmlformats.org/presentationml/2006/main" xmlns:c="http://schemas.openxmlformats.org/drawingml/2006/chart" xmlns:dgm="http://schemas.openxmlformats.org/drawingml/2006/diagram" xmlns:o="urn:schemas-microsoft-com:office:office" xmlns:v="urn:schemas-microsoft-com:vml" xmlns:pvml="urn:schemas-microsoft-com:office:powerpoint" xmlns:com="http://schemas.openxmlformats.org/drawingml/2006/compatibility" xmlns:p14="http://schemas.microsoft.com/office/powerpoint/2010/main" xmlns:p15="http://schemas.microsoft.com/office/powerpoint/2012/main">
+  <p:cSld>
+    <p:spTree>
+      <p:nvGrpSpPr>
+        <p:cNvPr id="153" name="Shape 153"/>
+        <p:cNvGrpSpPr/>
+        <p:nvPr/>
+      </p:nvGrpSpPr>
+      <p:grpSpPr>
+        <a:xfrm>
+          <a:off x="0" y="0"/>
+          <a:ext cx="0" cy="0"/>
+          <a:chOff x="0" y="0"/>
+          <a:chExt cx="0" cy="0"/>
+        </a:xfrm>
+      </p:grpSpPr>
+      <p:sp>
+        <p:nvSpPr>
+          <p:cNvPr id="154" name="Google Shape;154;p24"/>
           <p:cNvSpPr txBox="1"/>
           <p:nvPr>
             <p:ph idx="1" type="body"/>
@@ -10068,7 +10731,7 @@
       </p:sp>
       <p:pic>
         <p:nvPicPr>
-          <p:cNvPr id="145" name="Google Shape;145;p22"/>
+          <p:cNvPr id="155" name="Google Shape;155;p24"/>
           <p:cNvPicPr preferRelativeResize="0"/>
           <p:nvPr/>
         </p:nvPicPr>
@@ -10094,6 +10757,46 @@
           </a:ln>
         </p:spPr>
       </p:pic>
+      <p:sp>
+        <p:nvSpPr>
+          <p:cNvPr id="156" name="Google Shape;156;p24"/>
+          <p:cNvSpPr txBox="1"/>
+          <p:nvPr>
+            <p:ph type="title"/>
+          </p:nvPr>
+        </p:nvSpPr>
+        <p:spPr>
+          <a:xfrm>
+            <a:off x="200225" y="0"/>
+            <a:ext cx="8397300" cy="475500"/>
+          </a:xfrm>
+          <a:prstGeom prst="rect">
+            <a:avLst/>
+          </a:prstGeom>
+        </p:spPr>
+        <p:txBody>
+          <a:bodyPr anchorCtr="0" anchor="ctr" bIns="91425" lIns="91425" spcFirstLastPara="1" rIns="91425" wrap="square" tIns="91425">
+            <a:noAutofit/>
+          </a:bodyPr>
+          <a:lstStyle/>
+          <a:p>
+            <a:pPr indent="457200" lvl="0" marL="0" rtl="0" algn="l">
+              <a:spcBef>
+                <a:spcPts val="0"/>
+              </a:spcBef>
+              <a:spcAft>
+                <a:spcPts val="0"/>
+              </a:spcAft>
+              <a:buNone/>
+            </a:pPr>
+            <a:r>
+              <a:rPr lang="fr"/>
+              <a:t>b) Sécurisation des données:</a:t>
+            </a:r>
+            <a:endParaRPr b="0" sz="2000"/>
+          </a:p>
+        </p:txBody>
+      </p:sp>
     </p:spTree>
   </p:cSld>
   <p:clrMapOvr>
@@ -10102,12 +10805,12 @@
 </p:sld>
 </file>
 
-<file path=ppt/slides/slide11.xml><?xml version="1.0" encoding="utf-8"?>
+<file path=ppt/slides/slide13.xml><?xml version="1.0" encoding="utf-8"?>
 <p:sld xmlns:a="http://schemas.openxmlformats.org/drawingml/2006/main" xmlns:r="http://schemas.openxmlformats.org/officeDocument/2006/relationships" xmlns:mc="http://schemas.openxmlformats.org/markup-compatibility/2006" xmlns:mv="urn:schemas-microsoft-com:mac:vml" xmlns:p="http://schemas.openxmlformats.org/presentationml/2006/main" xmlns:c="http://schemas.openxmlformats.org/drawingml/2006/chart" xmlns:dgm="http://schemas.openxmlformats.org/drawingml/2006/diagram" xmlns:o="urn:schemas-microsoft-com:office:office" xmlns:v="urn:schemas-microsoft-com:vml" xmlns:pvml="urn:schemas-microsoft-com:office:powerpoint" xmlns:com="http://schemas.openxmlformats.org/drawingml/2006/compatibility" xmlns:p14="http://schemas.microsoft.com/office/powerpoint/2010/main" xmlns:p15="http://schemas.microsoft.com/office/powerpoint/2012/main">
   <p:cSld>
     <p:spTree>
       <p:nvGrpSpPr>
-        <p:cNvPr id="149" name="Shape 149"/>
+        <p:cNvPr id="160" name="Shape 160"/>
         <p:cNvGrpSpPr/>
         <p:nvPr/>
       </p:nvGrpSpPr>
@@ -10121,7 +10824,76 @@
       </p:grpSpPr>
       <p:sp>
         <p:nvSpPr>
-          <p:cNvPr id="150" name="Google Shape;150;p23"/>
+          <p:cNvPr id="161" name="Google Shape;161;p25"/>
+          <p:cNvSpPr txBox="1"/>
+          <p:nvPr>
+            <p:ph type="title"/>
+          </p:nvPr>
+        </p:nvSpPr>
+        <p:spPr>
+          <a:xfrm>
+            <a:off x="311700" y="1405050"/>
+            <a:ext cx="8520600" cy="1166700"/>
+          </a:xfrm>
+          <a:prstGeom prst="rect">
+            <a:avLst/>
+          </a:prstGeom>
+        </p:spPr>
+        <p:txBody>
+          <a:bodyPr anchorCtr="0" anchor="ctr" bIns="91425" lIns="91425" spcFirstLastPara="1" rIns="91425" wrap="square" tIns="91425">
+            <a:noAutofit/>
+          </a:bodyPr>
+          <a:lstStyle/>
+          <a:p>
+            <a:pPr indent="0" lvl="0" marL="0" rtl="0" algn="ctr">
+              <a:spcBef>
+                <a:spcPts val="0"/>
+              </a:spcBef>
+              <a:spcAft>
+                <a:spcPts val="0"/>
+              </a:spcAft>
+              <a:buNone/>
+            </a:pPr>
+            <a:r>
+              <a:rPr b="1" lang="fr" sz="4600"/>
+              <a:t>4</a:t>
+            </a:r>
+            <a:r>
+              <a:rPr b="1" lang="fr" sz="4600"/>
+              <a:t>. Sérialisation avec avro</a:t>
+            </a:r>
+            <a:endParaRPr b="1" sz="4600"/>
+          </a:p>
+        </p:txBody>
+      </p:sp>
+    </p:spTree>
+  </p:cSld>
+  <p:clrMapOvr>
+    <a:masterClrMapping/>
+  </p:clrMapOvr>
+</p:sld>
+</file>
+
+<file path=ppt/slides/slide14.xml><?xml version="1.0" encoding="utf-8"?>
+<p:sld xmlns:a="http://schemas.openxmlformats.org/drawingml/2006/main" xmlns:r="http://schemas.openxmlformats.org/officeDocument/2006/relationships" xmlns:mc="http://schemas.openxmlformats.org/markup-compatibility/2006" xmlns:mv="urn:schemas-microsoft-com:mac:vml" xmlns:p="http://schemas.openxmlformats.org/presentationml/2006/main" xmlns:c="http://schemas.openxmlformats.org/drawingml/2006/chart" xmlns:dgm="http://schemas.openxmlformats.org/drawingml/2006/diagram" xmlns:o="urn:schemas-microsoft-com:office:office" xmlns:v="urn:schemas-microsoft-com:vml" xmlns:pvml="urn:schemas-microsoft-com:office:powerpoint" xmlns:com="http://schemas.openxmlformats.org/drawingml/2006/compatibility" xmlns:p14="http://schemas.microsoft.com/office/powerpoint/2010/main" xmlns:p15="http://schemas.microsoft.com/office/powerpoint/2012/main">
+  <p:cSld>
+    <p:spTree>
+      <p:nvGrpSpPr>
+        <p:cNvPr id="165" name="Shape 165"/>
+        <p:cNvGrpSpPr/>
+        <p:nvPr/>
+      </p:nvGrpSpPr>
+      <p:grpSpPr>
+        <a:xfrm>
+          <a:off x="0" y="0"/>
+          <a:ext cx="0" cy="0"/>
+          <a:chOff x="0" y="0"/>
+          <a:chExt cx="0" cy="0"/>
+        </a:xfrm>
+      </p:grpSpPr>
+      <p:sp>
+        <p:nvSpPr>
+          <p:cNvPr id="166" name="Google Shape;166;p26"/>
           <p:cNvSpPr txBox="1"/>
           <p:nvPr>
             <p:ph type="title"/>
@@ -10153,15 +10925,7 @@
             </a:pPr>
             <a:r>
               <a:rPr lang="fr"/>
-              <a:t>3</a:t>
-            </a:r>
-            <a:r>
-              <a:rPr lang="fr"/>
-              <a:t>.a) Sérialisation avec avro: </a:t>
-            </a:r>
-            <a:r>
-              <a:rPr lang="fr" sz="2000"/>
-              <a:t>History de contribution</a:t>
+              <a:t>a) Sérialisation de l’history de contribution: </a:t>
             </a:r>
             <a:endParaRPr b="0" sz="2000"/>
           </a:p>
@@ -10169,7 +10933,7 @@
       </p:sp>
       <p:pic>
         <p:nvPicPr>
-          <p:cNvPr id="151" name="Google Shape;151;p23"/>
+          <p:cNvPr id="167" name="Google Shape;167;p26"/>
           <p:cNvPicPr preferRelativeResize="0"/>
           <p:nvPr/>
         </p:nvPicPr>
@@ -10203,12 +10967,12 @@
 </p:sld>
 </file>
 
-<file path=ppt/slides/slide12.xml><?xml version="1.0" encoding="utf-8"?>
+<file path=ppt/slides/slide15.xml><?xml version="1.0" encoding="utf-8"?>
 <p:sld xmlns:a="http://schemas.openxmlformats.org/drawingml/2006/main" xmlns:r="http://schemas.openxmlformats.org/officeDocument/2006/relationships" xmlns:mc="http://schemas.openxmlformats.org/markup-compatibility/2006" xmlns:mv="urn:schemas-microsoft-com:mac:vml" xmlns:p="http://schemas.openxmlformats.org/presentationml/2006/main" xmlns:c="http://schemas.openxmlformats.org/drawingml/2006/chart" xmlns:dgm="http://schemas.openxmlformats.org/drawingml/2006/diagram" xmlns:o="urn:schemas-microsoft-com:office:office" xmlns:v="urn:schemas-microsoft-com:vml" xmlns:pvml="urn:schemas-microsoft-com:office:powerpoint" xmlns:com="http://schemas.openxmlformats.org/drawingml/2006/compatibility" xmlns:p14="http://schemas.microsoft.com/office/powerpoint/2010/main" xmlns:p15="http://schemas.microsoft.com/office/powerpoint/2012/main">
   <p:cSld>
     <p:spTree>
       <p:nvGrpSpPr>
-        <p:cNvPr id="155" name="Shape 155"/>
+        <p:cNvPr id="171" name="Shape 171"/>
         <p:cNvGrpSpPr/>
         <p:nvPr/>
       </p:nvGrpSpPr>
@@ -10220,69 +10984,9 @@
           <a:chExt cx="0" cy="0"/>
         </a:xfrm>
       </p:grpSpPr>
-      <p:sp>
-        <p:nvSpPr>
-          <p:cNvPr id="156" name="Google Shape;156;p24"/>
-          <p:cNvSpPr txBox="1"/>
-          <p:nvPr>
-            <p:ph type="title"/>
-          </p:nvPr>
-        </p:nvSpPr>
-        <p:spPr>
-          <a:xfrm>
-            <a:off x="112625" y="0"/>
-            <a:ext cx="9144000" cy="565200"/>
-          </a:xfrm>
-          <a:prstGeom prst="rect">
-            <a:avLst/>
-          </a:prstGeom>
-        </p:spPr>
-        <p:txBody>
-          <a:bodyPr anchorCtr="0" anchor="t" bIns="91425" lIns="91425" spcFirstLastPara="1" rIns="91425" wrap="square" tIns="91425">
-            <a:noAutofit/>
-          </a:bodyPr>
-          <a:lstStyle/>
-          <a:p>
-            <a:pPr indent="0" lvl="0" marL="0" rtl="0" algn="l">
-              <a:spcBef>
-                <a:spcPts val="0"/>
-              </a:spcBef>
-              <a:spcAft>
-                <a:spcPts val="0"/>
-              </a:spcAft>
-              <a:buNone/>
-            </a:pPr>
-            <a:r>
-              <a:rPr lang="fr"/>
-              <a:t>3.a) Sérialisation avec avro: </a:t>
-            </a:r>
-            <a:r>
-              <a:rPr lang="fr" sz="2000"/>
-              <a:t>history </a:t>
-            </a:r>
-            <a:r>
-              <a:rPr lang="fr" sz="2000"/>
-              <a:t>(</a:t>
-            </a:r>
-            <a:r>
-              <a:rPr lang="fr" sz="2000"/>
-              <a:t>ou</a:t>
-            </a:r>
-            <a:r>
-              <a:rPr lang="fr" sz="2000"/>
-              <a:t>tput séparé python) </a:t>
-            </a:r>
-            <a:r>
-              <a:rPr lang="fr" sz="1300"/>
-              <a:t>~8h</a:t>
-            </a:r>
-            <a:endParaRPr b="0" sz="1300"/>
-          </a:p>
-        </p:txBody>
-      </p:sp>
       <p:pic>
         <p:nvPicPr>
-          <p:cNvPr id="157" name="Google Shape;157;p24"/>
+          <p:cNvPr id="172" name="Google Shape;172;p27"/>
           <p:cNvPicPr preferRelativeResize="0"/>
           <p:nvPr/>
         </p:nvPicPr>
@@ -10308,6 +11012,54 @@
           </a:ln>
         </p:spPr>
       </p:pic>
+      <p:sp>
+        <p:nvSpPr>
+          <p:cNvPr id="173" name="Google Shape;173;p27"/>
+          <p:cNvSpPr txBox="1"/>
+          <p:nvPr>
+            <p:ph type="title"/>
+          </p:nvPr>
+        </p:nvSpPr>
+        <p:spPr>
+          <a:xfrm>
+            <a:off x="112625" y="0"/>
+            <a:ext cx="8547600" cy="565200"/>
+          </a:xfrm>
+          <a:prstGeom prst="rect">
+            <a:avLst/>
+          </a:prstGeom>
+        </p:spPr>
+        <p:txBody>
+          <a:bodyPr anchorCtr="0" anchor="t" bIns="91425" lIns="91425" spcFirstLastPara="1" rIns="91425" wrap="square" tIns="91425">
+            <a:noAutofit/>
+          </a:bodyPr>
+          <a:lstStyle/>
+          <a:p>
+            <a:pPr indent="0" lvl="0" marL="0" rtl="0" algn="l">
+              <a:spcBef>
+                <a:spcPts val="0"/>
+              </a:spcBef>
+              <a:spcAft>
+                <a:spcPts val="0"/>
+              </a:spcAft>
+              <a:buNone/>
+            </a:pPr>
+            <a:r>
+              <a:rPr lang="fr"/>
+              <a:t>a) Sérialisation de l’history de contribution: </a:t>
+            </a:r>
+            <a:r>
+              <a:rPr lang="fr" sz="1800"/>
+              <a:t>~8h</a:t>
+            </a:r>
+            <a:r>
+              <a:rPr lang="fr"/>
+              <a:t> </a:t>
+            </a:r>
+            <a:endParaRPr b="0" sz="2000"/>
+          </a:p>
+        </p:txBody>
+      </p:sp>
     </p:spTree>
   </p:cSld>
   <p:clrMapOvr>
@@ -10316,12 +11068,12 @@
 </p:sld>
 </file>
 
-<file path=ppt/slides/slide13.xml><?xml version="1.0" encoding="utf-8"?>
+<file path=ppt/slides/slide16.xml><?xml version="1.0" encoding="utf-8"?>
 <p:sld xmlns:a="http://schemas.openxmlformats.org/drawingml/2006/main" xmlns:r="http://schemas.openxmlformats.org/officeDocument/2006/relationships" xmlns:mc="http://schemas.openxmlformats.org/markup-compatibility/2006" xmlns:mv="urn:schemas-microsoft-com:mac:vml" xmlns:p="http://schemas.openxmlformats.org/presentationml/2006/main" xmlns:c="http://schemas.openxmlformats.org/drawingml/2006/chart" xmlns:dgm="http://schemas.openxmlformats.org/drawingml/2006/diagram" xmlns:o="urn:schemas-microsoft-com:office:office" xmlns:v="urn:schemas-microsoft-com:vml" xmlns:pvml="urn:schemas-microsoft-com:office:powerpoint" xmlns:com="http://schemas.openxmlformats.org/drawingml/2006/compatibility" xmlns:p14="http://schemas.microsoft.com/office/powerpoint/2010/main" xmlns:p15="http://schemas.microsoft.com/office/powerpoint/2012/main">
   <p:cSld>
     <p:spTree>
       <p:nvGrpSpPr>
-        <p:cNvPr id="161" name="Shape 161"/>
+        <p:cNvPr id="177" name="Shape 177"/>
         <p:cNvGrpSpPr/>
         <p:nvPr/>
       </p:nvGrpSpPr>
@@ -10333,57 +11085,9 @@
           <a:chExt cx="0" cy="0"/>
         </a:xfrm>
       </p:grpSpPr>
-      <p:sp>
-        <p:nvSpPr>
-          <p:cNvPr id="162" name="Google Shape;162;p25"/>
-          <p:cNvSpPr txBox="1"/>
-          <p:nvPr>
-            <p:ph type="title"/>
-          </p:nvPr>
-        </p:nvSpPr>
-        <p:spPr>
-          <a:xfrm>
-            <a:off x="112625" y="0"/>
-            <a:ext cx="9144000" cy="565200"/>
-          </a:xfrm>
-          <a:prstGeom prst="rect">
-            <a:avLst/>
-          </a:prstGeom>
-        </p:spPr>
-        <p:txBody>
-          <a:bodyPr anchorCtr="0" anchor="t" bIns="91425" lIns="91425" spcFirstLastPara="1" rIns="91425" wrap="square" tIns="91425">
-            <a:noAutofit/>
-          </a:bodyPr>
-          <a:lstStyle/>
-          <a:p>
-            <a:pPr indent="0" lvl="0" marL="0" rtl="0" algn="l">
-              <a:spcBef>
-                <a:spcPts val="0"/>
-              </a:spcBef>
-              <a:spcAft>
-                <a:spcPts val="0"/>
-              </a:spcAft>
-              <a:buNone/>
-            </a:pPr>
-            <a:r>
-              <a:rPr lang="fr"/>
-              <a:t>3.a) Sérialisation avec avro: </a:t>
-            </a:r>
-            <a:r>
-              <a:rPr lang="fr" sz="2000"/>
-              <a:t>history (output séparé python) </a:t>
-            </a:r>
-            <a:r>
-              <a:rPr lang="fr" sz="1300"/>
-              <a:t>~8h</a:t>
-            </a:r>
-            <a:endParaRPr b="0" sz="1300"/>
-          </a:p>
-        </p:txBody>
-      </p:sp>
       <p:pic>
         <p:nvPicPr>
-          <p:cNvPr id="163" name="Google Shape;163;p25"/>
+          <p:cNvPr id="178" name="Google Shape;178;p28"/>
           <p:cNvPicPr preferRelativeResize="0"/>
           <p:nvPr/>
         </p:nvPicPr>
@@ -10409,6 +11113,54 @@
           </a:ln>
         </p:spPr>
       </p:pic>
+      <p:sp>
+        <p:nvSpPr>
+          <p:cNvPr id="179" name="Google Shape;179;p28"/>
+          <p:cNvSpPr txBox="1"/>
+          <p:nvPr>
+            <p:ph type="title"/>
+          </p:nvPr>
+        </p:nvSpPr>
+        <p:spPr>
+          <a:xfrm>
+            <a:off x="112625" y="0"/>
+            <a:ext cx="8547600" cy="663300"/>
+          </a:xfrm>
+          <a:prstGeom prst="rect">
+            <a:avLst/>
+          </a:prstGeom>
+        </p:spPr>
+        <p:txBody>
+          <a:bodyPr anchorCtr="0" anchor="t" bIns="91425" lIns="91425" spcFirstLastPara="1" rIns="91425" wrap="square" tIns="91425">
+            <a:noAutofit/>
+          </a:bodyPr>
+          <a:lstStyle/>
+          <a:p>
+            <a:pPr indent="0" lvl="0" marL="0" rtl="0" algn="l">
+              <a:spcBef>
+                <a:spcPts val="0"/>
+              </a:spcBef>
+              <a:spcAft>
+                <a:spcPts val="0"/>
+              </a:spcAft>
+              <a:buNone/>
+            </a:pPr>
+            <a:r>
+              <a:rPr lang="fr"/>
+              <a:t>a) Sérialisation de l’history de contribution: </a:t>
+            </a:r>
+            <a:r>
+              <a:rPr lang="fr" sz="1800"/>
+              <a:t>~8h</a:t>
+            </a:r>
+            <a:r>
+              <a:rPr lang="fr"/>
+              <a:t> </a:t>
+            </a:r>
+            <a:endParaRPr b="0" sz="2000"/>
+          </a:p>
+        </p:txBody>
+      </p:sp>
     </p:spTree>
   </p:cSld>
   <p:clrMapOvr>
@@ -10417,12 +11169,12 @@
 </p:sld>
 </file>
 
-<file path=ppt/slides/slide14.xml><?xml version="1.0" encoding="utf-8"?>
+<file path=ppt/slides/slide17.xml><?xml version="1.0" encoding="utf-8"?>
 <p:sld xmlns:a="http://schemas.openxmlformats.org/drawingml/2006/main" xmlns:r="http://schemas.openxmlformats.org/officeDocument/2006/relationships" xmlns:mc="http://schemas.openxmlformats.org/markup-compatibility/2006" xmlns:mv="urn:schemas-microsoft-com:mac:vml" xmlns:p="http://schemas.openxmlformats.org/presentationml/2006/main" xmlns:c="http://schemas.openxmlformats.org/drawingml/2006/chart" xmlns:dgm="http://schemas.openxmlformats.org/drawingml/2006/diagram" xmlns:o="urn:schemas-microsoft-com:office:office" xmlns:v="urn:schemas-microsoft-com:vml" xmlns:pvml="urn:schemas-microsoft-com:office:powerpoint" xmlns:com="http://schemas.openxmlformats.org/drawingml/2006/compatibility" xmlns:p14="http://schemas.microsoft.com/office/powerpoint/2010/main" xmlns:p15="http://schemas.microsoft.com/office/powerpoint/2012/main">
   <p:cSld>
     <p:spTree>
       <p:nvGrpSpPr>
-        <p:cNvPr id="167" name="Shape 167"/>
+        <p:cNvPr id="183" name="Shape 183"/>
         <p:cNvGrpSpPr/>
         <p:nvPr/>
       </p:nvGrpSpPr>
@@ -10434,57 +11186,9 @@
           <a:chExt cx="0" cy="0"/>
         </a:xfrm>
       </p:grpSpPr>
-      <p:sp>
-        <p:nvSpPr>
-          <p:cNvPr id="168" name="Google Shape;168;p26"/>
-          <p:cNvSpPr txBox="1"/>
-          <p:nvPr>
-            <p:ph type="title"/>
-          </p:nvPr>
-        </p:nvSpPr>
-        <p:spPr>
-          <a:xfrm>
-            <a:off x="112625" y="0"/>
-            <a:ext cx="9144000" cy="565200"/>
-          </a:xfrm>
-          <a:prstGeom prst="rect">
-            <a:avLst/>
-          </a:prstGeom>
-        </p:spPr>
-        <p:txBody>
-          <a:bodyPr anchorCtr="0" anchor="t" bIns="91425" lIns="91425" spcFirstLastPara="1" rIns="91425" wrap="square" tIns="91425">
-            <a:noAutofit/>
-          </a:bodyPr>
-          <a:lstStyle/>
-          <a:p>
-            <a:pPr indent="0" lvl="0" marL="0" rtl="0" algn="l">
-              <a:spcBef>
-                <a:spcPts val="0"/>
-              </a:spcBef>
-              <a:spcAft>
-                <a:spcPts val="0"/>
-              </a:spcAft>
-              <a:buNone/>
-            </a:pPr>
-            <a:r>
-              <a:rPr lang="fr"/>
-              <a:t>3.a) Sérialisation avec avro: </a:t>
-            </a:r>
-            <a:r>
-              <a:rPr lang="fr" sz="2000"/>
-              <a:t>history (output séparé python) </a:t>
-            </a:r>
-            <a:r>
-              <a:rPr lang="fr" sz="1300"/>
-              <a:t>~8h</a:t>
-            </a:r>
-            <a:endParaRPr b="0" sz="1300"/>
-          </a:p>
-        </p:txBody>
-      </p:sp>
       <p:pic>
         <p:nvPicPr>
-          <p:cNvPr id="169" name="Google Shape;169;p26"/>
+          <p:cNvPr id="184" name="Google Shape;184;p29"/>
           <p:cNvPicPr preferRelativeResize="0"/>
           <p:nvPr/>
         </p:nvPicPr>
@@ -10510,34 +11214,9 @@
           </a:ln>
         </p:spPr>
       </p:pic>
-    </p:spTree>
-  </p:cSld>
-  <p:clrMapOvr>
-    <a:masterClrMapping/>
-  </p:clrMapOvr>
-</p:sld>
-</file>
-
-<file path=ppt/slides/slide15.xml><?xml version="1.0" encoding="utf-8"?>
-<p:sld xmlns:a="http://schemas.openxmlformats.org/drawingml/2006/main" xmlns:r="http://schemas.openxmlformats.org/officeDocument/2006/relationships" xmlns:mc="http://schemas.openxmlformats.org/markup-compatibility/2006" xmlns:mv="urn:schemas-microsoft-com:mac:vml" xmlns:p="http://schemas.openxmlformats.org/presentationml/2006/main" xmlns:c="http://schemas.openxmlformats.org/drawingml/2006/chart" xmlns:dgm="http://schemas.openxmlformats.org/drawingml/2006/diagram" xmlns:o="urn:schemas-microsoft-com:office:office" xmlns:v="urn:schemas-microsoft-com:vml" xmlns:pvml="urn:schemas-microsoft-com:office:powerpoint" xmlns:com="http://schemas.openxmlformats.org/drawingml/2006/compatibility" xmlns:p14="http://schemas.microsoft.com/office/powerpoint/2010/main" xmlns:p15="http://schemas.microsoft.com/office/powerpoint/2012/main">
-  <p:cSld>
-    <p:spTree>
-      <p:nvGrpSpPr>
-        <p:cNvPr id="173" name="Shape 173"/>
-        <p:cNvGrpSpPr/>
-        <p:nvPr/>
-      </p:nvGrpSpPr>
-      <p:grpSpPr>
-        <a:xfrm>
-          <a:off x="0" y="0"/>
-          <a:ext cx="0" cy="0"/>
-          <a:chOff x="0" y="0"/>
-          <a:chExt cx="0" cy="0"/>
-        </a:xfrm>
-      </p:grpSpPr>
       <p:sp>
         <p:nvSpPr>
-          <p:cNvPr id="174" name="Google Shape;174;p27"/>
+          <p:cNvPr id="185" name="Google Shape;185;p29"/>
           <p:cNvSpPr txBox="1"/>
           <p:nvPr>
             <p:ph type="title"/>
@@ -10569,11 +11248,80 @@
             </a:pPr>
             <a:r>
               <a:rPr lang="fr"/>
-              <a:t>3.b) Sérialisation avec avro: </a:t>
-            </a:r>
-            <a:r>
-              <a:rPr lang="fr" sz="2000"/>
-              <a:t>pagelinks (output unifié)</a:t>
+              <a:t>a) Sérialisation de l’history de contribution: </a:t>
+            </a:r>
+            <a:r>
+              <a:rPr lang="fr" sz="1800"/>
+              <a:t>~8h</a:t>
+            </a:r>
+            <a:r>
+              <a:rPr lang="fr"/>
+              <a:t> </a:t>
+            </a:r>
+            <a:endParaRPr b="0" sz="2000"/>
+          </a:p>
+        </p:txBody>
+      </p:sp>
+    </p:spTree>
+  </p:cSld>
+  <p:clrMapOvr>
+    <a:masterClrMapping/>
+  </p:clrMapOvr>
+</p:sld>
+</file>
+
+<file path=ppt/slides/slide18.xml><?xml version="1.0" encoding="utf-8"?>
+<p:sld xmlns:a="http://schemas.openxmlformats.org/drawingml/2006/main" xmlns:r="http://schemas.openxmlformats.org/officeDocument/2006/relationships" xmlns:mc="http://schemas.openxmlformats.org/markup-compatibility/2006" xmlns:mv="urn:schemas-microsoft-com:mac:vml" xmlns:p="http://schemas.openxmlformats.org/presentationml/2006/main" xmlns:c="http://schemas.openxmlformats.org/drawingml/2006/chart" xmlns:dgm="http://schemas.openxmlformats.org/drawingml/2006/diagram" xmlns:o="urn:schemas-microsoft-com:office:office" xmlns:v="urn:schemas-microsoft-com:vml" xmlns:pvml="urn:schemas-microsoft-com:office:powerpoint" xmlns:com="http://schemas.openxmlformats.org/drawingml/2006/compatibility" xmlns:p14="http://schemas.microsoft.com/office/powerpoint/2010/main" xmlns:p15="http://schemas.microsoft.com/office/powerpoint/2012/main">
+  <p:cSld>
+    <p:spTree>
+      <p:nvGrpSpPr>
+        <p:cNvPr id="189" name="Shape 189"/>
+        <p:cNvGrpSpPr/>
+        <p:nvPr/>
+      </p:nvGrpSpPr>
+      <p:grpSpPr>
+        <a:xfrm>
+          <a:off x="0" y="0"/>
+          <a:ext cx="0" cy="0"/>
+          <a:chOff x="0" y="0"/>
+          <a:chExt cx="0" cy="0"/>
+        </a:xfrm>
+      </p:grpSpPr>
+      <p:sp>
+        <p:nvSpPr>
+          <p:cNvPr id="190" name="Google Shape;190;p30"/>
+          <p:cNvSpPr txBox="1"/>
+          <p:nvPr>
+            <p:ph type="title"/>
+          </p:nvPr>
+        </p:nvSpPr>
+        <p:spPr>
+          <a:xfrm>
+            <a:off x="112625" y="100125"/>
+            <a:ext cx="8547600" cy="750900"/>
+          </a:xfrm>
+          <a:prstGeom prst="rect">
+            <a:avLst/>
+          </a:prstGeom>
+        </p:spPr>
+        <p:txBody>
+          <a:bodyPr anchorCtr="0" anchor="t" bIns="91425" lIns="91425" spcFirstLastPara="1" rIns="91425" wrap="square" tIns="91425">
+            <a:noAutofit/>
+          </a:bodyPr>
+          <a:lstStyle/>
+          <a:p>
+            <a:pPr indent="457200" lvl="0" marL="457200" rtl="0" algn="l">
+              <a:spcBef>
+                <a:spcPts val="0"/>
+              </a:spcBef>
+              <a:spcAft>
+                <a:spcPts val="0"/>
+              </a:spcAft>
+              <a:buNone/>
+            </a:pPr>
+            <a:r>
+              <a:rPr lang="fr"/>
+              <a:t>b. Sérialisation pagelinks:</a:t>
             </a:r>
             <a:endParaRPr b="0" sz="2000"/>
           </a:p>
@@ -10581,7 +11329,7 @@
       </p:sp>
       <p:pic>
         <p:nvPicPr>
-          <p:cNvPr id="175" name="Google Shape;175;p27"/>
+          <p:cNvPr id="191" name="Google Shape;191;p30"/>
           <p:cNvPicPr preferRelativeResize="0"/>
           <p:nvPr/>
         </p:nvPicPr>
@@ -10595,7 +11343,7 @@
         </p:blipFill>
         <p:spPr>
           <a:xfrm>
-            <a:off x="112625" y="490125"/>
+            <a:off x="112625" y="1014700"/>
             <a:ext cx="6976750" cy="2963900"/>
           </a:xfrm>
           <a:prstGeom prst="rect">
@@ -10615,12 +11363,12 @@
 </p:sld>
 </file>
 
-<file path=ppt/slides/slide16.xml><?xml version="1.0" encoding="utf-8"?>
+<file path=ppt/slides/slide19.xml><?xml version="1.0" encoding="utf-8"?>
 <p:sld xmlns:a="http://schemas.openxmlformats.org/drawingml/2006/main" xmlns:r="http://schemas.openxmlformats.org/officeDocument/2006/relationships" xmlns:mc="http://schemas.openxmlformats.org/markup-compatibility/2006" xmlns:mv="urn:schemas-microsoft-com:mac:vml" xmlns:p="http://schemas.openxmlformats.org/presentationml/2006/main" xmlns:c="http://schemas.openxmlformats.org/drawingml/2006/chart" xmlns:dgm="http://schemas.openxmlformats.org/drawingml/2006/diagram" xmlns:o="urn:schemas-microsoft-com:office:office" xmlns:v="urn:schemas-microsoft-com:vml" xmlns:pvml="urn:schemas-microsoft-com:office:powerpoint" xmlns:com="http://schemas.openxmlformats.org/drawingml/2006/compatibility" xmlns:p14="http://schemas.microsoft.com/office/powerpoint/2010/main" xmlns:p15="http://schemas.microsoft.com/office/powerpoint/2012/main">
   <p:cSld>
     <p:spTree>
       <p:nvGrpSpPr>
-        <p:cNvPr id="179" name="Shape 179"/>
+        <p:cNvPr id="195" name="Shape 195"/>
         <p:cNvGrpSpPr/>
         <p:nvPr/>
       </p:nvGrpSpPr>
@@ -10632,57 +11380,9 @@
           <a:chExt cx="0" cy="0"/>
         </a:xfrm>
       </p:grpSpPr>
-      <p:sp>
-        <p:nvSpPr>
-          <p:cNvPr id="180" name="Google Shape;180;p28"/>
-          <p:cNvSpPr txBox="1"/>
-          <p:nvPr>
-            <p:ph type="title"/>
-          </p:nvPr>
-        </p:nvSpPr>
-        <p:spPr>
-          <a:xfrm>
-            <a:off x="112625" y="0"/>
-            <a:ext cx="9144000" cy="565200"/>
-          </a:xfrm>
-          <a:prstGeom prst="rect">
-            <a:avLst/>
-          </a:prstGeom>
-        </p:spPr>
-        <p:txBody>
-          <a:bodyPr anchorCtr="0" anchor="t" bIns="91425" lIns="91425" spcFirstLastPara="1" rIns="91425" wrap="square" tIns="91425">
-            <a:noAutofit/>
-          </a:bodyPr>
-          <a:lstStyle/>
-          <a:p>
-            <a:pPr indent="0" lvl="0" marL="0" rtl="0" algn="l">
-              <a:spcBef>
-                <a:spcPts val="0"/>
-              </a:spcBef>
-              <a:spcAft>
-                <a:spcPts val="0"/>
-              </a:spcAft>
-              <a:buNone/>
-            </a:pPr>
-            <a:r>
-              <a:rPr lang="fr"/>
-              <a:t>3.b) Sérialisation avec avro: </a:t>
-            </a:r>
-            <a:r>
-              <a:rPr lang="fr" sz="2000"/>
-              <a:t>pagelinks (output séparé python) </a:t>
-            </a:r>
-            <a:r>
-              <a:rPr lang="fr" sz="1300"/>
-              <a:t>~37h</a:t>
-            </a:r>
-            <a:endParaRPr b="0" sz="1300"/>
-          </a:p>
-        </p:txBody>
-      </p:sp>
       <p:pic>
         <p:nvPicPr>
-          <p:cNvPr id="181" name="Google Shape;181;p28"/>
+          <p:cNvPr id="196" name="Google Shape;196;p31"/>
           <p:cNvPicPr preferRelativeResize="0"/>
           <p:nvPr/>
         </p:nvPicPr>
@@ -10708,34 +11408,9 @@
           </a:ln>
         </p:spPr>
       </p:pic>
-    </p:spTree>
-  </p:cSld>
-  <p:clrMapOvr>
-    <a:masterClrMapping/>
-  </p:clrMapOvr>
-</p:sld>
-</file>
-
-<file path=ppt/slides/slide17.xml><?xml version="1.0" encoding="utf-8"?>
-<p:sld xmlns:a="http://schemas.openxmlformats.org/drawingml/2006/main" xmlns:r="http://schemas.openxmlformats.org/officeDocument/2006/relationships" xmlns:mc="http://schemas.openxmlformats.org/markup-compatibility/2006" xmlns:mv="urn:schemas-microsoft-com:mac:vml" xmlns:p="http://schemas.openxmlformats.org/presentationml/2006/main" xmlns:c="http://schemas.openxmlformats.org/drawingml/2006/chart" xmlns:dgm="http://schemas.openxmlformats.org/drawingml/2006/diagram" xmlns:o="urn:schemas-microsoft-com:office:office" xmlns:v="urn:schemas-microsoft-com:vml" xmlns:pvml="urn:schemas-microsoft-com:office:powerpoint" xmlns:com="http://schemas.openxmlformats.org/drawingml/2006/compatibility" xmlns:p14="http://schemas.microsoft.com/office/powerpoint/2010/main" xmlns:p15="http://schemas.microsoft.com/office/powerpoint/2012/main">
-  <p:cSld>
-    <p:spTree>
-      <p:nvGrpSpPr>
-        <p:cNvPr id="185" name="Shape 185"/>
-        <p:cNvGrpSpPr/>
-        <p:nvPr/>
-      </p:nvGrpSpPr>
-      <p:grpSpPr>
-        <a:xfrm>
-          <a:off x="0" y="0"/>
-          <a:ext cx="0" cy="0"/>
-          <a:chOff x="0" y="0"/>
-          <a:chExt cx="0" cy="0"/>
-        </a:xfrm>
-      </p:grpSpPr>
       <p:sp>
         <p:nvSpPr>
-          <p:cNvPr id="186" name="Google Shape;186;p29"/>
+          <p:cNvPr id="197" name="Google Shape;197;p31"/>
           <p:cNvSpPr txBox="1"/>
           <p:nvPr>
             <p:ph type="title"/>
@@ -10744,7 +11419,7 @@
         <p:spPr>
           <a:xfrm>
             <a:off x="112625" y="0"/>
-            <a:ext cx="9144000" cy="400500"/>
+            <a:ext cx="8547600" cy="565200"/>
           </a:xfrm>
           <a:prstGeom prst="rect">
             <a:avLst/>
@@ -10756,7 +11431,7 @@
           </a:bodyPr>
           <a:lstStyle/>
           <a:p>
-            <a:pPr indent="0" lvl="0" marL="0" rtl="0" algn="l">
+            <a:pPr indent="457200" lvl="0" marL="457200" rtl="0" algn="ctr">
               <a:spcBef>
                 <a:spcPts val="0"/>
               </a:spcBef>
@@ -10767,348 +11442,16 @@
             </a:pPr>
             <a:r>
               <a:rPr lang="fr"/>
-              <a:t>3.b) Sérialisation avec avro: </a:t>
-            </a:r>
-            <a:r>
-              <a:rPr lang="fr" sz="2000"/>
-              <a:t>pagelinks (output séparé python) </a:t>
-            </a:r>
-            <a:r>
-              <a:rPr lang="fr" sz="1300"/>
+              <a:t>b. Sérialisation pagelinks: </a:t>
+            </a:r>
+            <a:r>
+              <a:rPr lang="fr" sz="1500"/>
               <a:t>~37h</a:t>
             </a:r>
-            <a:endParaRPr b="0" sz="1300"/>
+            <a:endParaRPr b="0" sz="500"/>
           </a:p>
         </p:txBody>
       </p:sp>
-      <p:pic>
-        <p:nvPicPr>
-          <p:cNvPr id="187" name="Google Shape;187;p29"/>
-          <p:cNvPicPr preferRelativeResize="0"/>
-          <p:nvPr/>
-        </p:nvPicPr>
-        <p:blipFill>
-          <a:blip r:embed="rId3">
-            <a:alphaModFix/>
-          </a:blip>
-          <a:stretch>
-            <a:fillRect/>
-          </a:stretch>
-        </p:blipFill>
-        <p:spPr>
-          <a:xfrm>
-            <a:off x="175225" y="400488"/>
-            <a:ext cx="8584067" cy="1595938"/>
-          </a:xfrm>
-          <a:prstGeom prst="rect">
-            <a:avLst/>
-          </a:prstGeom>
-          <a:noFill/>
-          <a:ln>
-            <a:noFill/>
-          </a:ln>
-        </p:spPr>
-      </p:pic>
-      <p:pic>
-        <p:nvPicPr>
-          <p:cNvPr id="188" name="Google Shape;188;p29"/>
-          <p:cNvPicPr preferRelativeResize="0"/>
-          <p:nvPr/>
-        </p:nvPicPr>
-        <p:blipFill>
-          <a:blip r:embed="rId4">
-            <a:alphaModFix/>
-          </a:blip>
-          <a:stretch>
-            <a:fillRect/>
-          </a:stretch>
-        </p:blipFill>
-        <p:spPr>
-          <a:xfrm>
-            <a:off x="1303675" y="1996425"/>
-            <a:ext cx="7840316" cy="3147075"/>
-          </a:xfrm>
-          <a:prstGeom prst="rect">
-            <a:avLst/>
-          </a:prstGeom>
-          <a:noFill/>
-          <a:ln>
-            <a:noFill/>
-          </a:ln>
-        </p:spPr>
-      </p:pic>
-    </p:spTree>
-  </p:cSld>
-  <p:clrMapOvr>
-    <a:masterClrMapping/>
-  </p:clrMapOvr>
-</p:sld>
-</file>
-
-<file path=ppt/slides/slide18.xml><?xml version="1.0" encoding="utf-8"?>
-<p:sld xmlns:a="http://schemas.openxmlformats.org/drawingml/2006/main" xmlns:r="http://schemas.openxmlformats.org/officeDocument/2006/relationships" xmlns:mc="http://schemas.openxmlformats.org/markup-compatibility/2006" xmlns:mv="urn:schemas-microsoft-com:mac:vml" xmlns:p="http://schemas.openxmlformats.org/presentationml/2006/main" xmlns:c="http://schemas.openxmlformats.org/drawingml/2006/chart" xmlns:dgm="http://schemas.openxmlformats.org/drawingml/2006/diagram" xmlns:o="urn:schemas-microsoft-com:office:office" xmlns:v="urn:schemas-microsoft-com:vml" xmlns:pvml="urn:schemas-microsoft-com:office:powerpoint" xmlns:com="http://schemas.openxmlformats.org/drawingml/2006/compatibility" xmlns:p14="http://schemas.microsoft.com/office/powerpoint/2010/main" xmlns:p15="http://schemas.microsoft.com/office/powerpoint/2012/main">
-  <p:cSld>
-    <p:spTree>
-      <p:nvGrpSpPr>
-        <p:cNvPr id="192" name="Shape 192"/>
-        <p:cNvGrpSpPr/>
-        <p:nvPr/>
-      </p:nvGrpSpPr>
-      <p:grpSpPr>
-        <a:xfrm>
-          <a:off x="0" y="0"/>
-          <a:ext cx="0" cy="0"/>
-          <a:chOff x="0" y="0"/>
-          <a:chExt cx="0" cy="0"/>
-        </a:xfrm>
-      </p:grpSpPr>
-      <p:sp>
-        <p:nvSpPr>
-          <p:cNvPr id="193" name="Google Shape;193;p30"/>
-          <p:cNvSpPr txBox="1"/>
-          <p:nvPr>
-            <p:ph type="title"/>
-          </p:nvPr>
-        </p:nvSpPr>
-        <p:spPr>
-          <a:xfrm>
-            <a:off x="311700" y="1911750"/>
-            <a:ext cx="8520600" cy="1166700"/>
-          </a:xfrm>
-          <a:prstGeom prst="rect">
-            <a:avLst/>
-          </a:prstGeom>
-        </p:spPr>
-        <p:txBody>
-          <a:bodyPr anchorCtr="0" anchor="ctr" bIns="91425" lIns="91425" spcFirstLastPara="1" rIns="91425" wrap="square" tIns="91425">
-            <a:noAutofit/>
-          </a:bodyPr>
-          <a:lstStyle/>
-          <a:p>
-            <a:pPr indent="0" lvl="0" marL="0" rtl="0" algn="ctr">
-              <a:spcBef>
-                <a:spcPts val="0"/>
-              </a:spcBef>
-              <a:spcAft>
-                <a:spcPts val="0"/>
-              </a:spcAft>
-              <a:buNone/>
-            </a:pPr>
-            <a:r>
-              <a:rPr b="1" lang="fr" sz="4600"/>
-              <a:t>4. </a:t>
-            </a:r>
-            <a:r>
-              <a:rPr b="1" lang="fr" sz="4600"/>
-              <a:t>Requêtes</a:t>
-            </a:r>
-            <a:r>
-              <a:rPr b="1" lang="fr" sz="4600"/>
-              <a:t> Spark SQL</a:t>
-            </a:r>
-            <a:endParaRPr b="1" sz="4600"/>
-          </a:p>
-        </p:txBody>
-      </p:sp>
-    </p:spTree>
-  </p:cSld>
-  <p:clrMapOvr>
-    <a:masterClrMapping/>
-  </p:clrMapOvr>
-</p:sld>
-</file>
-
-<file path=ppt/slides/slide19.xml><?xml version="1.0" encoding="utf-8"?>
-<p:sld xmlns:a="http://schemas.openxmlformats.org/drawingml/2006/main" xmlns:r="http://schemas.openxmlformats.org/officeDocument/2006/relationships" xmlns:mc="http://schemas.openxmlformats.org/markup-compatibility/2006" xmlns:mv="urn:schemas-microsoft-com:mac:vml" xmlns:p="http://schemas.openxmlformats.org/presentationml/2006/main" xmlns:c="http://schemas.openxmlformats.org/drawingml/2006/chart" xmlns:dgm="http://schemas.openxmlformats.org/drawingml/2006/diagram" xmlns:o="urn:schemas-microsoft-com:office:office" xmlns:v="urn:schemas-microsoft-com:vml" xmlns:pvml="urn:schemas-microsoft-com:office:powerpoint" xmlns:com="http://schemas.openxmlformats.org/drawingml/2006/compatibility" xmlns:p14="http://schemas.microsoft.com/office/powerpoint/2010/main" xmlns:p15="http://schemas.microsoft.com/office/powerpoint/2012/main">
-  <p:cSld>
-    <p:spTree>
-      <p:nvGrpSpPr>
-        <p:cNvPr id="197" name="Shape 197"/>
-        <p:cNvGrpSpPr/>
-        <p:nvPr/>
-      </p:nvGrpSpPr>
-      <p:grpSpPr>
-        <a:xfrm>
-          <a:off x="0" y="0"/>
-          <a:ext cx="0" cy="0"/>
-          <a:chOff x="0" y="0"/>
-          <a:chExt cx="0" cy="0"/>
-        </a:xfrm>
-      </p:grpSpPr>
-      <p:sp>
-        <p:nvSpPr>
-          <p:cNvPr id="198" name="Google Shape;198;p31"/>
-          <p:cNvSpPr txBox="1"/>
-          <p:nvPr>
-            <p:ph type="title"/>
-          </p:nvPr>
-        </p:nvSpPr>
-        <p:spPr>
-          <a:xfrm>
-            <a:off x="112625" y="0"/>
-            <a:ext cx="2740800" cy="358500"/>
-          </a:xfrm>
-          <a:prstGeom prst="rect">
-            <a:avLst/>
-          </a:prstGeom>
-        </p:spPr>
-        <p:txBody>
-          <a:bodyPr anchorCtr="0" anchor="ctr" bIns="91425" lIns="91425" spcFirstLastPara="1" rIns="91425" wrap="square" tIns="91425">
-            <a:noAutofit/>
-          </a:bodyPr>
-          <a:lstStyle/>
-          <a:p>
-            <a:pPr indent="0" lvl="0" marL="0" rtl="0" algn="ctr">
-              <a:spcBef>
-                <a:spcPts val="0"/>
-              </a:spcBef>
-              <a:spcAft>
-                <a:spcPts val="0"/>
-              </a:spcAft>
-              <a:buNone/>
-            </a:pPr>
-            <a:r>
-              <a:rPr b="1" lang="fr" sz="2800"/>
-              <a:t>5.</a:t>
-            </a:r>
-            <a:r>
-              <a:rPr b="1" lang="fr" sz="2800"/>
-              <a:t> Résultats</a:t>
-            </a:r>
-            <a:r>
-              <a:rPr b="1" lang="fr" sz="2800"/>
-              <a:t>:</a:t>
-            </a:r>
-            <a:endParaRPr b="1" sz="1800"/>
-          </a:p>
-        </p:txBody>
-      </p:sp>
-      <p:pic>
-        <p:nvPicPr>
-          <p:cNvPr id="199" name="Google Shape;199;p31"/>
-          <p:cNvPicPr preferRelativeResize="0"/>
-          <p:nvPr/>
-        </p:nvPicPr>
-        <p:blipFill>
-          <a:blip r:embed="rId3">
-            <a:alphaModFix/>
-          </a:blip>
-          <a:stretch>
-            <a:fillRect/>
-          </a:stretch>
-        </p:blipFill>
-        <p:spPr>
-          <a:xfrm>
-            <a:off x="4691275" y="0"/>
-            <a:ext cx="4452725" cy="5143500"/>
-          </a:xfrm>
-          <a:prstGeom prst="rect">
-            <a:avLst/>
-          </a:prstGeom>
-          <a:noFill/>
-          <a:ln>
-            <a:noFill/>
-          </a:ln>
-        </p:spPr>
-      </p:pic>
-      <p:sp>
-        <p:nvSpPr>
-          <p:cNvPr id="200" name="Google Shape;200;p31"/>
-          <p:cNvSpPr txBox="1"/>
-          <p:nvPr/>
-        </p:nvSpPr>
-        <p:spPr>
-          <a:xfrm>
-            <a:off x="0" y="404650"/>
-            <a:ext cx="4227600" cy="505800"/>
-          </a:xfrm>
-          <a:prstGeom prst="rect">
-            <a:avLst/>
-          </a:prstGeom>
-          <a:noFill/>
-          <a:ln>
-            <a:noFill/>
-          </a:ln>
-        </p:spPr>
-        <p:txBody>
-          <a:bodyPr anchorCtr="0" anchor="t" bIns="91425" lIns="91425" spcFirstLastPara="1" rIns="91425" wrap="square" tIns="91425">
-            <a:noAutofit/>
-          </a:bodyPr>
-          <a:lstStyle/>
-          <a:p>
-            <a:pPr indent="0" lvl="0" marL="0" rtl="0" algn="l">
-              <a:spcBef>
-                <a:spcPts val="0"/>
-              </a:spcBef>
-              <a:spcAft>
-                <a:spcPts val="0"/>
-              </a:spcAft>
-              <a:buNone/>
-            </a:pPr>
-            <a:r>
-              <a:rPr lang="fr">
-                <a:latin typeface="Roboto"/>
-                <a:ea typeface="Roboto"/>
-                <a:cs typeface="Roboto"/>
-                <a:sym typeface="Roboto"/>
-              </a:rPr>
-              <a:t>Environ 8h pour </a:t>
-            </a:r>
-            <a:r>
-              <a:rPr lang="fr">
-                <a:latin typeface="Roboto"/>
-                <a:ea typeface="Roboto"/>
-                <a:cs typeface="Roboto"/>
-                <a:sym typeface="Roboto"/>
-              </a:rPr>
-              <a:t>exécuter</a:t>
-            </a:r>
-            <a:r>
-              <a:rPr lang="fr">
-                <a:latin typeface="Roboto"/>
-                <a:ea typeface="Roboto"/>
-                <a:cs typeface="Roboto"/>
-                <a:sym typeface="Roboto"/>
-              </a:rPr>
-              <a:t> les requêtes Spark SQL.</a:t>
-            </a:r>
-            <a:endParaRPr>
-              <a:latin typeface="Roboto"/>
-              <a:ea typeface="Roboto"/>
-              <a:cs typeface="Roboto"/>
-              <a:sym typeface="Roboto"/>
-            </a:endParaRPr>
-          </a:p>
-        </p:txBody>
-      </p:sp>
-      <p:pic>
-        <p:nvPicPr>
-          <p:cNvPr id="201" name="Google Shape;201;p31"/>
-          <p:cNvPicPr preferRelativeResize="0"/>
-          <p:nvPr/>
-        </p:nvPicPr>
-        <p:blipFill>
-          <a:blip r:embed="rId4">
-            <a:alphaModFix/>
-          </a:blip>
-          <a:stretch>
-            <a:fillRect/>
-          </a:stretch>
-        </p:blipFill>
-        <p:spPr>
-          <a:xfrm>
-            <a:off x="0" y="1603650"/>
-            <a:ext cx="4741499" cy="1743075"/>
-          </a:xfrm>
-          <a:prstGeom prst="rect">
-            <a:avLst/>
-          </a:prstGeom>
-          <a:noFill/>
-          <a:ln>
-            <a:noFill/>
-          </a:ln>
-        </p:spPr>
-      </p:pic>
     </p:spTree>
   </p:cSld>
   <p:clrMapOvr>
@@ -11214,6 +11557,23 @@
             <a:endParaRPr b="1" sz="1600"/>
           </a:p>
           <a:p>
+            <a:pPr indent="-330200" lvl="0" marL="457200" rtl="0" algn="l">
+              <a:spcBef>
+                <a:spcPts val="0"/>
+              </a:spcBef>
+              <a:spcAft>
+                <a:spcPts val="0"/>
+              </a:spcAft>
+              <a:buSzPts val="1600"/>
+              <a:buAutoNum type="arabicPeriod"/>
+            </a:pPr>
+            <a:r>
+              <a:rPr b="1" lang="fr" sz="1600"/>
+              <a:t>Présentation du sujet</a:t>
+            </a:r>
+            <a:endParaRPr b="1" sz="1600"/>
+          </a:p>
+          <a:p>
             <a:pPr indent="-330200" lvl="1" marL="914400" rtl="0" algn="l">
               <a:spcBef>
                 <a:spcPts val="0"/>
@@ -11226,7 +11586,7 @@
             </a:pPr>
             <a:r>
               <a:rPr b="1" lang="fr" sz="1600"/>
-              <a:t>Présentation du sujet</a:t>
+              <a:t>Sujet</a:t>
             </a:r>
             <a:endParaRPr b="1" sz="1600"/>
           </a:p>
@@ -11243,7 +11603,7 @@
             </a:pPr>
             <a:r>
               <a:rPr b="1" lang="fr" sz="1600"/>
-              <a:t>Présentation des données d’entrées</a:t>
+              <a:t>Données d’entrées</a:t>
             </a:r>
             <a:endParaRPr b="1" sz="1600"/>
           </a:p>
@@ -11465,7 +11825,132 @@
   <p:cSld>
     <p:spTree>
       <p:nvGrpSpPr>
-        <p:cNvPr id="205" name="Shape 205"/>
+        <p:cNvPr id="201" name="Shape 201"/>
+        <p:cNvGrpSpPr/>
+        <p:nvPr/>
+      </p:nvGrpSpPr>
+      <p:grpSpPr>
+        <a:xfrm>
+          <a:off x="0" y="0"/>
+          <a:ext cx="0" cy="0"/>
+          <a:chOff x="0" y="0"/>
+          <a:chExt cx="0" cy="0"/>
+        </a:xfrm>
+      </p:grpSpPr>
+      <p:pic>
+        <p:nvPicPr>
+          <p:cNvPr id="202" name="Google Shape;202;p32"/>
+          <p:cNvPicPr preferRelativeResize="0"/>
+          <p:nvPr/>
+        </p:nvPicPr>
+        <p:blipFill>
+          <a:blip r:embed="rId3">
+            <a:alphaModFix/>
+          </a:blip>
+          <a:stretch>
+            <a:fillRect/>
+          </a:stretch>
+        </p:blipFill>
+        <p:spPr>
+          <a:xfrm>
+            <a:off x="175225" y="400488"/>
+            <a:ext cx="8584067" cy="1595938"/>
+          </a:xfrm>
+          <a:prstGeom prst="rect">
+            <a:avLst/>
+          </a:prstGeom>
+          <a:noFill/>
+          <a:ln>
+            <a:noFill/>
+          </a:ln>
+        </p:spPr>
+      </p:pic>
+      <p:pic>
+        <p:nvPicPr>
+          <p:cNvPr id="203" name="Google Shape;203;p32"/>
+          <p:cNvPicPr preferRelativeResize="0"/>
+          <p:nvPr/>
+        </p:nvPicPr>
+        <p:blipFill>
+          <a:blip r:embed="rId4">
+            <a:alphaModFix/>
+          </a:blip>
+          <a:stretch>
+            <a:fillRect/>
+          </a:stretch>
+        </p:blipFill>
+        <p:spPr>
+          <a:xfrm>
+            <a:off x="1303675" y="1996425"/>
+            <a:ext cx="7840316" cy="3147075"/>
+          </a:xfrm>
+          <a:prstGeom prst="rect">
+            <a:avLst/>
+          </a:prstGeom>
+          <a:noFill/>
+          <a:ln>
+            <a:noFill/>
+          </a:ln>
+        </p:spPr>
+      </p:pic>
+      <p:sp>
+        <p:nvSpPr>
+          <p:cNvPr id="204" name="Google Shape;204;p32"/>
+          <p:cNvSpPr txBox="1"/>
+          <p:nvPr>
+            <p:ph type="title"/>
+          </p:nvPr>
+        </p:nvSpPr>
+        <p:spPr>
+          <a:xfrm>
+            <a:off x="112625" y="0"/>
+            <a:ext cx="8547600" cy="400500"/>
+          </a:xfrm>
+          <a:prstGeom prst="rect">
+            <a:avLst/>
+          </a:prstGeom>
+        </p:spPr>
+        <p:txBody>
+          <a:bodyPr anchorCtr="0" anchor="ctr" bIns="91425" lIns="91425" spcFirstLastPara="1" rIns="91425" wrap="square" tIns="91425">
+            <a:noAutofit/>
+          </a:bodyPr>
+          <a:lstStyle/>
+          <a:p>
+            <a:pPr indent="457200" lvl="0" marL="457200" rtl="0" algn="ctr">
+              <a:spcBef>
+                <a:spcPts val="0"/>
+              </a:spcBef>
+              <a:spcAft>
+                <a:spcPts val="0"/>
+              </a:spcAft>
+              <a:buNone/>
+            </a:pPr>
+            <a:r>
+              <a:rPr lang="fr"/>
+              <a:t>b. Sérialisation pagelinks: </a:t>
+            </a:r>
+            <a:r>
+              <a:rPr lang="fr" sz="1500"/>
+              <a:t>~37h</a:t>
+            </a:r>
+            <a:endParaRPr b="0" sz="500"/>
+          </a:p>
+        </p:txBody>
+      </p:sp>
+    </p:spTree>
+  </p:cSld>
+  <p:clrMapOvr>
+    <a:masterClrMapping/>
+  </p:clrMapOvr>
+</p:sld>
+</file>
+
+<file path=ppt/slides/slide21.xml><?xml version="1.0" encoding="utf-8"?>
+<p:sld xmlns:a="http://schemas.openxmlformats.org/drawingml/2006/main" xmlns:r="http://schemas.openxmlformats.org/officeDocument/2006/relationships" xmlns:mc="http://schemas.openxmlformats.org/markup-compatibility/2006" xmlns:mv="urn:schemas-microsoft-com:mac:vml" xmlns:p="http://schemas.openxmlformats.org/presentationml/2006/main" xmlns:c="http://schemas.openxmlformats.org/drawingml/2006/chart" xmlns:dgm="http://schemas.openxmlformats.org/drawingml/2006/diagram" xmlns:o="urn:schemas-microsoft-com:office:office" xmlns:v="urn:schemas-microsoft-com:vml" xmlns:pvml="urn:schemas-microsoft-com:office:powerpoint" xmlns:com="http://schemas.openxmlformats.org/drawingml/2006/compatibility" xmlns:p14="http://schemas.microsoft.com/office/powerpoint/2010/main" xmlns:p15="http://schemas.microsoft.com/office/powerpoint/2012/main">
+  <p:cSld>
+    <p:spTree>
+      <p:nvGrpSpPr>
+        <p:cNvPr id="208" name="Shape 208"/>
         <p:cNvGrpSpPr/>
         <p:nvPr/>
       </p:nvGrpSpPr>
@@ -11479,7 +11964,287 @@
       </p:grpSpPr>
       <p:sp>
         <p:nvSpPr>
-          <p:cNvPr id="206" name="Google Shape;206;p32"/>
+          <p:cNvPr id="209" name="Google Shape;209;p33"/>
+          <p:cNvSpPr txBox="1"/>
+          <p:nvPr>
+            <p:ph type="title"/>
+          </p:nvPr>
+        </p:nvSpPr>
+        <p:spPr>
+          <a:xfrm>
+            <a:off x="311700" y="1911750"/>
+            <a:ext cx="8520600" cy="1166700"/>
+          </a:xfrm>
+          <a:prstGeom prst="rect">
+            <a:avLst/>
+          </a:prstGeom>
+        </p:spPr>
+        <p:txBody>
+          <a:bodyPr anchorCtr="0" anchor="ctr" bIns="91425" lIns="91425" spcFirstLastPara="1" rIns="91425" wrap="square" tIns="91425">
+            <a:noAutofit/>
+          </a:bodyPr>
+          <a:lstStyle/>
+          <a:p>
+            <a:pPr indent="0" lvl="0" marL="0" rtl="0" algn="ctr">
+              <a:spcBef>
+                <a:spcPts val="0"/>
+              </a:spcBef>
+              <a:spcAft>
+                <a:spcPts val="0"/>
+              </a:spcAft>
+              <a:buNone/>
+            </a:pPr>
+            <a:r>
+              <a:rPr b="1" lang="fr" sz="4600"/>
+              <a:t>5</a:t>
+            </a:r>
+            <a:r>
+              <a:rPr b="1" lang="fr" sz="4600"/>
+              <a:t>. </a:t>
+            </a:r>
+            <a:r>
+              <a:rPr b="1" lang="fr" sz="4600"/>
+              <a:t>Requêtes</a:t>
+            </a:r>
+            <a:r>
+              <a:rPr b="1" lang="fr" sz="4600"/>
+              <a:t> Spark SQL</a:t>
+            </a:r>
+            <a:endParaRPr b="1" sz="4600"/>
+          </a:p>
+        </p:txBody>
+      </p:sp>
+    </p:spTree>
+  </p:cSld>
+  <p:clrMapOvr>
+    <a:masterClrMapping/>
+  </p:clrMapOvr>
+</p:sld>
+</file>
+
+<file path=ppt/slides/slide22.xml><?xml version="1.0" encoding="utf-8"?>
+<p:sld xmlns:a="http://schemas.openxmlformats.org/drawingml/2006/main" xmlns:r="http://schemas.openxmlformats.org/officeDocument/2006/relationships" xmlns:mc="http://schemas.openxmlformats.org/markup-compatibility/2006" xmlns:mv="urn:schemas-microsoft-com:mac:vml" xmlns:p="http://schemas.openxmlformats.org/presentationml/2006/main" xmlns:c="http://schemas.openxmlformats.org/drawingml/2006/chart" xmlns:dgm="http://schemas.openxmlformats.org/drawingml/2006/diagram" xmlns:o="urn:schemas-microsoft-com:office:office" xmlns:v="urn:schemas-microsoft-com:vml" xmlns:pvml="urn:schemas-microsoft-com:office:powerpoint" xmlns:com="http://schemas.openxmlformats.org/drawingml/2006/compatibility" xmlns:p14="http://schemas.microsoft.com/office/powerpoint/2010/main" xmlns:p15="http://schemas.microsoft.com/office/powerpoint/2012/main">
+  <p:cSld>
+    <p:spTree>
+      <p:nvGrpSpPr>
+        <p:cNvPr id="213" name="Shape 213"/>
+        <p:cNvGrpSpPr/>
+        <p:nvPr/>
+      </p:nvGrpSpPr>
+      <p:grpSpPr>
+        <a:xfrm>
+          <a:off x="0" y="0"/>
+          <a:ext cx="0" cy="0"/>
+          <a:chOff x="0" y="0"/>
+          <a:chExt cx="0" cy="0"/>
+        </a:xfrm>
+      </p:grpSpPr>
+      <p:sp>
+        <p:nvSpPr>
+          <p:cNvPr id="214" name="Google Shape;214;p34"/>
+          <p:cNvSpPr txBox="1"/>
+          <p:nvPr>
+            <p:ph type="title"/>
+          </p:nvPr>
+        </p:nvSpPr>
+        <p:spPr>
+          <a:xfrm>
+            <a:off x="112625" y="0"/>
+            <a:ext cx="2740800" cy="358500"/>
+          </a:xfrm>
+          <a:prstGeom prst="rect">
+            <a:avLst/>
+          </a:prstGeom>
+        </p:spPr>
+        <p:txBody>
+          <a:bodyPr anchorCtr="0" anchor="ctr" bIns="91425" lIns="91425" spcFirstLastPara="1" rIns="91425" wrap="square" tIns="91425">
+            <a:noAutofit/>
+          </a:bodyPr>
+          <a:lstStyle/>
+          <a:p>
+            <a:pPr indent="0" lvl="0" marL="0" rtl="0" algn="ctr">
+              <a:spcBef>
+                <a:spcPts val="0"/>
+              </a:spcBef>
+              <a:spcAft>
+                <a:spcPts val="0"/>
+              </a:spcAft>
+              <a:buNone/>
+            </a:pPr>
+            <a:r>
+              <a:rPr b="1" lang="fr" sz="2800"/>
+              <a:t>6</a:t>
+            </a:r>
+            <a:r>
+              <a:rPr b="1" lang="fr" sz="2800"/>
+              <a:t>.</a:t>
+            </a:r>
+            <a:r>
+              <a:rPr b="1" lang="fr" sz="2800"/>
+              <a:t> Résultats</a:t>
+            </a:r>
+            <a:r>
+              <a:rPr b="1" lang="fr" sz="2800"/>
+              <a:t>:</a:t>
+            </a:r>
+            <a:endParaRPr b="1" sz="1800"/>
+          </a:p>
+        </p:txBody>
+      </p:sp>
+      <p:pic>
+        <p:nvPicPr>
+          <p:cNvPr id="215" name="Google Shape;215;p34"/>
+          <p:cNvPicPr preferRelativeResize="0"/>
+          <p:nvPr/>
+        </p:nvPicPr>
+        <p:blipFill>
+          <a:blip r:embed="rId3">
+            <a:alphaModFix/>
+          </a:blip>
+          <a:stretch>
+            <a:fillRect/>
+          </a:stretch>
+        </p:blipFill>
+        <p:spPr>
+          <a:xfrm>
+            <a:off x="4691275" y="0"/>
+            <a:ext cx="4452725" cy="5143500"/>
+          </a:xfrm>
+          <a:prstGeom prst="rect">
+            <a:avLst/>
+          </a:prstGeom>
+          <a:noFill/>
+          <a:ln>
+            <a:noFill/>
+          </a:ln>
+        </p:spPr>
+      </p:pic>
+      <p:sp>
+        <p:nvSpPr>
+          <p:cNvPr id="216" name="Google Shape;216;p34"/>
+          <p:cNvSpPr txBox="1"/>
+          <p:nvPr/>
+        </p:nvSpPr>
+        <p:spPr>
+          <a:xfrm>
+            <a:off x="0" y="404650"/>
+            <a:ext cx="4227600" cy="505800"/>
+          </a:xfrm>
+          <a:prstGeom prst="rect">
+            <a:avLst/>
+          </a:prstGeom>
+          <a:noFill/>
+          <a:ln>
+            <a:noFill/>
+          </a:ln>
+        </p:spPr>
+        <p:txBody>
+          <a:bodyPr anchorCtr="0" anchor="t" bIns="91425" lIns="91425" spcFirstLastPara="1" rIns="91425" wrap="square" tIns="91425">
+            <a:noAutofit/>
+          </a:bodyPr>
+          <a:lstStyle/>
+          <a:p>
+            <a:pPr indent="0" lvl="0" marL="0" rtl="0" algn="l">
+              <a:spcBef>
+                <a:spcPts val="0"/>
+              </a:spcBef>
+              <a:spcAft>
+                <a:spcPts val="0"/>
+              </a:spcAft>
+              <a:buNone/>
+            </a:pPr>
+            <a:r>
+              <a:rPr lang="fr">
+                <a:latin typeface="Roboto"/>
+                <a:ea typeface="Roboto"/>
+                <a:cs typeface="Roboto"/>
+                <a:sym typeface="Roboto"/>
+              </a:rPr>
+              <a:t>Environ 8h pour </a:t>
+            </a:r>
+            <a:r>
+              <a:rPr lang="fr">
+                <a:latin typeface="Roboto"/>
+                <a:ea typeface="Roboto"/>
+                <a:cs typeface="Roboto"/>
+                <a:sym typeface="Roboto"/>
+              </a:rPr>
+              <a:t>exécuter</a:t>
+            </a:r>
+            <a:r>
+              <a:rPr lang="fr">
+                <a:latin typeface="Roboto"/>
+                <a:ea typeface="Roboto"/>
+                <a:cs typeface="Roboto"/>
+                <a:sym typeface="Roboto"/>
+              </a:rPr>
+              <a:t> les requêtes Spark SQL.</a:t>
+            </a:r>
+            <a:endParaRPr>
+              <a:latin typeface="Roboto"/>
+              <a:ea typeface="Roboto"/>
+              <a:cs typeface="Roboto"/>
+              <a:sym typeface="Roboto"/>
+            </a:endParaRPr>
+          </a:p>
+        </p:txBody>
+      </p:sp>
+      <p:pic>
+        <p:nvPicPr>
+          <p:cNvPr id="217" name="Google Shape;217;p34"/>
+          <p:cNvPicPr preferRelativeResize="0"/>
+          <p:nvPr/>
+        </p:nvPicPr>
+        <p:blipFill>
+          <a:blip r:embed="rId4">
+            <a:alphaModFix/>
+          </a:blip>
+          <a:stretch>
+            <a:fillRect/>
+          </a:stretch>
+        </p:blipFill>
+        <p:spPr>
+          <a:xfrm>
+            <a:off x="0" y="1603650"/>
+            <a:ext cx="4741499" cy="1743075"/>
+          </a:xfrm>
+          <a:prstGeom prst="rect">
+            <a:avLst/>
+          </a:prstGeom>
+          <a:noFill/>
+          <a:ln>
+            <a:noFill/>
+          </a:ln>
+        </p:spPr>
+      </p:pic>
+    </p:spTree>
+  </p:cSld>
+  <p:clrMapOvr>
+    <a:masterClrMapping/>
+  </p:clrMapOvr>
+</p:sld>
+</file>
+
+<file path=ppt/slides/slide23.xml><?xml version="1.0" encoding="utf-8"?>
+<p:sld xmlns:a="http://schemas.openxmlformats.org/drawingml/2006/main" xmlns:r="http://schemas.openxmlformats.org/officeDocument/2006/relationships" xmlns:mc="http://schemas.openxmlformats.org/markup-compatibility/2006" xmlns:mv="urn:schemas-microsoft-com:mac:vml" xmlns:p="http://schemas.openxmlformats.org/presentationml/2006/main" xmlns:c="http://schemas.openxmlformats.org/drawingml/2006/chart" xmlns:dgm="http://schemas.openxmlformats.org/drawingml/2006/diagram" xmlns:o="urn:schemas-microsoft-com:office:office" xmlns:v="urn:schemas-microsoft-com:vml" xmlns:pvml="urn:schemas-microsoft-com:office:powerpoint" xmlns:com="http://schemas.openxmlformats.org/drawingml/2006/compatibility" xmlns:p14="http://schemas.microsoft.com/office/powerpoint/2010/main" xmlns:p15="http://schemas.microsoft.com/office/powerpoint/2012/main">
+  <p:cSld>
+    <p:spTree>
+      <p:nvGrpSpPr>
+        <p:cNvPr id="221" name="Shape 221"/>
+        <p:cNvGrpSpPr/>
+        <p:nvPr/>
+      </p:nvGrpSpPr>
+      <p:grpSpPr>
+        <a:xfrm>
+          <a:off x="0" y="0"/>
+          <a:ext cx="0" cy="0"/>
+          <a:chOff x="0" y="0"/>
+          <a:chExt cx="0" cy="0"/>
+        </a:xfrm>
+      </p:grpSpPr>
+      <p:sp>
+        <p:nvSpPr>
+          <p:cNvPr id="222" name="Google Shape;222;p35"/>
           <p:cNvSpPr/>
           <p:nvPr/>
         </p:nvSpPr>
@@ -11526,7 +12291,7 @@
       </p:sp>
       <p:sp>
         <p:nvSpPr>
-          <p:cNvPr id="207" name="Google Shape;207;p32"/>
+          <p:cNvPr id="223" name="Google Shape;223;p35"/>
           <p:cNvSpPr txBox="1"/>
           <p:nvPr>
             <p:ph type="title"/>
@@ -11558,7 +12323,7 @@
             </a:pPr>
             <a:r>
               <a:rPr b="1" lang="fr" u="sng"/>
-              <a:t>6</a:t>
+              <a:t>7</a:t>
             </a:r>
             <a:r>
               <a:rPr b="1" lang="fr" u="sng"/>
@@ -11578,7 +12343,7 @@
       </p:sp>
       <p:sp>
         <p:nvSpPr>
-          <p:cNvPr id="208" name="Google Shape;208;p32"/>
+          <p:cNvPr id="224" name="Google Shape;224;p35"/>
           <p:cNvSpPr/>
           <p:nvPr/>
         </p:nvSpPr>
@@ -11646,7 +12411,7 @@
       </p:sp>
       <p:sp>
         <p:nvSpPr>
-          <p:cNvPr id="209" name="Google Shape;209;p32"/>
+          <p:cNvPr id="225" name="Google Shape;225;p35"/>
           <p:cNvSpPr/>
           <p:nvPr/>
         </p:nvSpPr>
@@ -11714,7 +12479,7 @@
       </p:sp>
       <p:sp>
         <p:nvSpPr>
-          <p:cNvPr id="210" name="Google Shape;210;p32"/>
+          <p:cNvPr id="226" name="Google Shape;226;p35"/>
           <p:cNvSpPr/>
           <p:nvPr/>
         </p:nvSpPr>
@@ -11782,7 +12547,7 @@
       </p:sp>
       <p:sp>
         <p:nvSpPr>
-          <p:cNvPr id="211" name="Google Shape;211;p32"/>
+          <p:cNvPr id="227" name="Google Shape;227;p35"/>
           <p:cNvSpPr/>
           <p:nvPr/>
         </p:nvSpPr>
@@ -11850,7 +12615,7 @@
       </p:sp>
       <p:sp>
         <p:nvSpPr>
-          <p:cNvPr id="212" name="Google Shape;212;p32"/>
+          <p:cNvPr id="228" name="Google Shape;228;p35"/>
           <p:cNvSpPr/>
           <p:nvPr/>
         </p:nvSpPr>
@@ -11915,7 +12680,7 @@
       </p:sp>
       <p:sp>
         <p:nvSpPr>
-          <p:cNvPr id="213" name="Google Shape;213;p32"/>
+          <p:cNvPr id="229" name="Google Shape;229;p35"/>
           <p:cNvSpPr/>
           <p:nvPr/>
         </p:nvSpPr>
@@ -11981,10 +12746,10 @@
       </p:sp>
       <p:cxnSp>
         <p:nvCxnSpPr>
-          <p:cNvPr id="214" name="Google Shape;214;p32"/>
+          <p:cNvPr id="230" name="Google Shape;230;p35"/>
           <p:cNvCxnSpPr>
-            <a:stCxn id="213" idx="6"/>
-            <a:endCxn id="208" idx="1"/>
+            <a:stCxn id="229" idx="6"/>
+            <a:endCxn id="224" idx="1"/>
           </p:cNvCxnSpPr>
           <p:nvPr/>
         </p:nvCxnSpPr>
@@ -12010,10 +12775,10 @@
       </p:cxnSp>
       <p:cxnSp>
         <p:nvCxnSpPr>
-          <p:cNvPr id="215" name="Google Shape;215;p32"/>
+          <p:cNvPr id="231" name="Google Shape;231;p35"/>
           <p:cNvCxnSpPr>
-            <a:stCxn id="216" idx="6"/>
-            <a:endCxn id="208" idx="1"/>
+            <a:stCxn id="232" idx="6"/>
+            <a:endCxn id="224" idx="1"/>
           </p:cNvCxnSpPr>
           <p:nvPr/>
         </p:nvCxnSpPr>
@@ -12039,7 +12804,7 @@
       </p:cxnSp>
       <p:cxnSp>
         <p:nvCxnSpPr>
-          <p:cNvPr id="217" name="Google Shape;217;p32"/>
+          <p:cNvPr id="233" name="Google Shape;233;p35"/>
           <p:cNvCxnSpPr/>
           <p:nvPr/>
         </p:nvCxnSpPr>
@@ -12065,7 +12830,7 @@
       </p:cxnSp>
       <p:sp>
         <p:nvSpPr>
-          <p:cNvPr id="216" name="Google Shape;216;p32"/>
+          <p:cNvPr id="232" name="Google Shape;232;p35"/>
           <p:cNvSpPr/>
           <p:nvPr/>
         </p:nvSpPr>
@@ -12131,7 +12896,7 @@
       </p:sp>
       <p:grpSp>
         <p:nvGrpSpPr>
-          <p:cNvPr id="218" name="Google Shape;218;p32"/>
+          <p:cNvPr id="234" name="Google Shape;234;p35"/>
           <p:cNvGrpSpPr/>
           <p:nvPr/>
         </p:nvGrpSpPr>
@@ -12145,10 +12910,10 @@
         </p:grpSpPr>
         <p:cxnSp>
           <p:nvCxnSpPr>
-            <p:cNvPr id="219" name="Google Shape;219;p32"/>
+            <p:cNvPr id="235" name="Google Shape;235;p35"/>
             <p:cNvCxnSpPr>
-              <a:stCxn id="206" idx="1"/>
-              <a:endCxn id="216" idx="5"/>
+              <a:stCxn id="222" idx="1"/>
+              <a:endCxn id="232" idx="5"/>
             </p:cNvCxnSpPr>
             <p:nvPr/>
           </p:nvCxnSpPr>
@@ -12174,7 +12939,7 @@
         </p:cxnSp>
         <p:sp>
           <p:nvSpPr>
-            <p:cNvPr id="220" name="Google Shape;220;p32"/>
+            <p:cNvPr id="236" name="Google Shape;236;p35"/>
             <p:cNvSpPr txBox="1"/>
             <p:nvPr/>
           </p:nvSpPr>
@@ -12233,7 +12998,7 @@
       </p:grpSp>
       <p:grpSp>
         <p:nvGrpSpPr>
-          <p:cNvPr id="221" name="Google Shape;221;p32"/>
+          <p:cNvPr id="237" name="Google Shape;237;p35"/>
           <p:cNvGrpSpPr/>
           <p:nvPr/>
         </p:nvGrpSpPr>
@@ -12247,7 +13012,7 @@
         </p:grpSpPr>
         <p:grpSp>
           <p:nvGrpSpPr>
-            <p:cNvPr id="222" name="Google Shape;222;p32"/>
+            <p:cNvPr id="238" name="Google Shape;238;p35"/>
             <p:cNvGrpSpPr/>
             <p:nvPr/>
           </p:nvGrpSpPr>
@@ -12261,7 +13026,7 @@
           </p:grpSpPr>
           <p:sp>
             <p:nvSpPr>
-              <p:cNvPr id="223" name="Google Shape;223;p32"/>
+              <p:cNvPr id="239" name="Google Shape;239;p35"/>
               <p:cNvSpPr/>
               <p:nvPr/>
             </p:nvSpPr>
@@ -12304,7 +13069,7 @@
           </p:sp>
           <p:sp>
             <p:nvSpPr>
-              <p:cNvPr id="224" name="Google Shape;224;p32"/>
+              <p:cNvPr id="240" name="Google Shape;240;p35"/>
               <p:cNvSpPr txBox="1"/>
               <p:nvPr/>
             </p:nvSpPr>
@@ -12363,7 +13128,7 @@
         </p:grpSp>
         <p:sp>
           <p:nvSpPr>
-            <p:cNvPr id="225" name="Google Shape;225;p32"/>
+            <p:cNvPr id="241" name="Google Shape;241;p35"/>
             <p:cNvSpPr txBox="1"/>
             <p:nvPr/>
           </p:nvSpPr>
@@ -12422,7 +13187,7 @@
       </p:grpSp>
       <p:sp>
         <p:nvSpPr>
-          <p:cNvPr id="226" name="Google Shape;226;p32"/>
+          <p:cNvPr id="242" name="Google Shape;242;p35"/>
           <p:cNvSpPr txBox="1"/>
           <p:nvPr/>
         </p:nvSpPr>
@@ -12492,7 +13257,7 @@
       </p:sp>
       <p:sp>
         <p:nvSpPr>
-          <p:cNvPr id="227" name="Google Shape;227;p32"/>
+          <p:cNvPr id="243" name="Google Shape;243;p35"/>
           <p:cNvSpPr txBox="1"/>
           <p:nvPr/>
         </p:nvSpPr>
@@ -12544,7 +13309,7 @@
       </p:sp>
       <p:sp>
         <p:nvSpPr>
-          <p:cNvPr id="228" name="Google Shape;228;p32"/>
+          <p:cNvPr id="244" name="Google Shape;244;p35"/>
           <p:cNvSpPr txBox="1"/>
           <p:nvPr/>
         </p:nvSpPr>
@@ -12596,7 +13361,7 @@
       </p:sp>
       <p:pic>
         <p:nvPicPr>
-          <p:cNvPr id="229" name="Google Shape;229;p32"/>
+          <p:cNvPr id="245" name="Google Shape;245;p35"/>
           <p:cNvPicPr preferRelativeResize="0"/>
           <p:nvPr/>
         </p:nvPicPr>
@@ -12624,7 +13389,7 @@
       </p:pic>
       <p:pic>
         <p:nvPicPr>
-          <p:cNvPr id="230" name="Google Shape;230;p32"/>
+          <p:cNvPr id="246" name="Google Shape;246;p35"/>
           <p:cNvPicPr preferRelativeResize="0"/>
           <p:nvPr/>
         </p:nvPicPr>
@@ -12652,7 +13417,7 @@
       </p:pic>
       <p:pic>
         <p:nvPicPr>
-          <p:cNvPr id="231" name="Google Shape;231;p32"/>
+          <p:cNvPr id="247" name="Google Shape;247;p35"/>
           <p:cNvPicPr preferRelativeResize="0"/>
           <p:nvPr/>
         </p:nvPicPr>
@@ -12680,7 +13445,7 @@
       </p:pic>
       <p:pic>
         <p:nvPicPr>
-          <p:cNvPr id="232" name="Google Shape;232;p32"/>
+          <p:cNvPr id="248" name="Google Shape;248;p35"/>
           <p:cNvPicPr preferRelativeResize="0"/>
           <p:nvPr/>
         </p:nvPicPr>
@@ -12708,10 +13473,10 @@
       </p:pic>
       <p:cxnSp>
         <p:nvCxnSpPr>
-          <p:cNvPr id="233" name="Google Shape;233;p32"/>
+          <p:cNvPr id="249" name="Google Shape;249;p35"/>
           <p:cNvCxnSpPr>
-            <a:stCxn id="208" idx="3"/>
-            <a:endCxn id="212" idx="1"/>
+            <a:stCxn id="224" idx="3"/>
+            <a:endCxn id="228" idx="1"/>
           </p:cNvCxnSpPr>
           <p:nvPr/>
         </p:nvCxnSpPr>
@@ -12737,9 +13502,9 @@
       </p:cxnSp>
       <p:cxnSp>
         <p:nvCxnSpPr>
-          <p:cNvPr id="234" name="Google Shape;234;p32"/>
+          <p:cNvPr id="250" name="Google Shape;250;p35"/>
           <p:cNvCxnSpPr>
-            <a:endCxn id="208" idx="2"/>
+            <a:endCxn id="224" idx="2"/>
           </p:cNvCxnSpPr>
           <p:nvPr/>
         </p:nvCxnSpPr>
@@ -12767,10 +13532,10 @@
       </p:cxnSp>
       <p:cxnSp>
         <p:nvCxnSpPr>
-          <p:cNvPr id="235" name="Google Shape;235;p32"/>
+          <p:cNvPr id="251" name="Google Shape;251;p35"/>
           <p:cNvCxnSpPr>
-            <a:stCxn id="211" idx="0"/>
-            <a:endCxn id="208" idx="2"/>
+            <a:stCxn id="227" idx="0"/>
+            <a:endCxn id="224" idx="2"/>
           </p:cNvCxnSpPr>
           <p:nvPr/>
         </p:nvCxnSpPr>
@@ -12798,10 +13563,10 @@
       </p:cxnSp>
       <p:cxnSp>
         <p:nvCxnSpPr>
-          <p:cNvPr id="236" name="Google Shape;236;p32"/>
+          <p:cNvPr id="252" name="Google Shape;252;p35"/>
           <p:cNvCxnSpPr>
-            <a:stCxn id="210" idx="0"/>
-            <a:endCxn id="208" idx="2"/>
+            <a:stCxn id="226" idx="0"/>
+            <a:endCxn id="224" idx="2"/>
           </p:cNvCxnSpPr>
           <p:nvPr/>
         </p:nvCxnSpPr>
@@ -12835,12 +13600,12 @@
 </p:sld>
 </file>
 
-<file path=ppt/slides/slide21.xml><?xml version="1.0" encoding="utf-8"?>
+<file path=ppt/slides/slide24.xml><?xml version="1.0" encoding="utf-8"?>
 <p:sld xmlns:a="http://schemas.openxmlformats.org/drawingml/2006/main" xmlns:r="http://schemas.openxmlformats.org/officeDocument/2006/relationships" xmlns:mc="http://schemas.openxmlformats.org/markup-compatibility/2006" xmlns:mv="urn:schemas-microsoft-com:mac:vml" xmlns:p="http://schemas.openxmlformats.org/presentationml/2006/main" xmlns:c="http://schemas.openxmlformats.org/drawingml/2006/chart" xmlns:dgm="http://schemas.openxmlformats.org/drawingml/2006/diagram" xmlns:o="urn:schemas-microsoft-com:office:office" xmlns:v="urn:schemas-microsoft-com:vml" xmlns:pvml="urn:schemas-microsoft-com:office:powerpoint" xmlns:com="http://schemas.openxmlformats.org/drawingml/2006/compatibility" xmlns:p14="http://schemas.microsoft.com/office/powerpoint/2010/main" xmlns:p15="http://schemas.microsoft.com/office/powerpoint/2012/main">
   <p:cSld>
     <p:spTree>
       <p:nvGrpSpPr>
-        <p:cNvPr id="240" name="Shape 240"/>
+        <p:cNvPr id="256" name="Shape 256"/>
         <p:cNvGrpSpPr/>
         <p:nvPr/>
       </p:nvGrpSpPr>
@@ -12854,7 +13619,7 @@
       </p:grpSpPr>
       <p:sp>
         <p:nvSpPr>
-          <p:cNvPr id="241" name="Google Shape;241;p33"/>
+          <p:cNvPr id="257" name="Google Shape;257;p36"/>
           <p:cNvSpPr txBox="1"/>
           <p:nvPr>
             <p:ph type="title"/>
@@ -12886,7 +13651,11 @@
             </a:pPr>
             <a:r>
               <a:rPr b="1" lang="fr"/>
-              <a:t>6. Architecture fonctionnelle: </a:t>
+              <a:t>7</a:t>
+            </a:r>
+            <a:r>
+              <a:rPr b="1" lang="fr"/>
+              <a:t>. Architecture fonctionnelle: </a:t>
             </a:r>
             <a:endParaRPr b="1"/>
           </a:p>
@@ -12894,7 +13663,7 @@
       </p:sp>
       <p:grpSp>
         <p:nvGrpSpPr>
-          <p:cNvPr id="242" name="Google Shape;242;p33"/>
+          <p:cNvPr id="258" name="Google Shape;258;p36"/>
           <p:cNvGrpSpPr/>
           <p:nvPr/>
         </p:nvGrpSpPr>
@@ -12908,7 +13677,7 @@
         </p:grpSpPr>
         <p:grpSp>
           <p:nvGrpSpPr>
-            <p:cNvPr id="243" name="Google Shape;243;p33"/>
+            <p:cNvPr id="259" name="Google Shape;259;p36"/>
             <p:cNvGrpSpPr/>
             <p:nvPr/>
           </p:nvGrpSpPr>
@@ -12922,7 +13691,7 @@
           </p:grpSpPr>
           <p:pic>
             <p:nvPicPr>
-              <p:cNvPr id="244" name="Google Shape;244;p33"/>
+              <p:cNvPr id="260" name="Google Shape;260;p36"/>
               <p:cNvPicPr preferRelativeResize="0"/>
               <p:nvPr/>
             </p:nvPicPr>
@@ -12950,7 +13719,7 @@
           </p:pic>
           <p:sp>
             <p:nvSpPr>
-              <p:cNvPr id="245" name="Google Shape;245;p33"/>
+              <p:cNvPr id="261" name="Google Shape;261;p36"/>
               <p:cNvSpPr/>
               <p:nvPr/>
             </p:nvSpPr>
@@ -13000,7 +13769,7 @@
           </p:sp>
           <p:sp>
             <p:nvSpPr>
-              <p:cNvPr id="246" name="Google Shape;246;p33"/>
+              <p:cNvPr id="262" name="Google Shape;262;p36"/>
               <p:cNvSpPr txBox="1"/>
               <p:nvPr/>
             </p:nvSpPr>
@@ -13052,9 +13821,9 @@
           </p:sp>
           <p:cxnSp>
             <p:nvCxnSpPr>
-              <p:cNvPr id="247" name="Google Shape;247;p33"/>
+              <p:cNvPr id="263" name="Google Shape;263;p36"/>
               <p:cNvCxnSpPr>
-                <a:stCxn id="245" idx="2"/>
+                <a:stCxn id="261" idx="2"/>
               </p:cNvCxnSpPr>
               <p:nvPr/>
             </p:nvCxnSpPr>
@@ -13080,10 +13849,10 @@
           </p:cxnSp>
           <p:cxnSp>
             <p:nvCxnSpPr>
-              <p:cNvPr id="248" name="Google Shape;248;p33"/>
+              <p:cNvPr id="264" name="Google Shape;264;p36"/>
               <p:cNvCxnSpPr>
-                <a:stCxn id="245" idx="2"/>
-                <a:endCxn id="244" idx="1"/>
+                <a:stCxn id="261" idx="2"/>
+                <a:endCxn id="260" idx="1"/>
               </p:cNvCxnSpPr>
               <p:nvPr/>
             </p:nvCxnSpPr>
@@ -13109,9 +13878,9 @@
           </p:cxnSp>
           <p:cxnSp>
             <p:nvCxnSpPr>
-              <p:cNvPr id="249" name="Google Shape;249;p33"/>
+              <p:cNvPr id="265" name="Google Shape;265;p36"/>
               <p:cNvCxnSpPr>
-                <a:stCxn id="245" idx="2"/>
+                <a:stCxn id="261" idx="2"/>
               </p:cNvCxnSpPr>
               <p:nvPr/>
             </p:nvCxnSpPr>
@@ -13138,10 +13907,10 @@
         </p:grpSp>
         <p:cxnSp>
           <p:nvCxnSpPr>
-            <p:cNvPr id="250" name="Google Shape;250;p33"/>
+            <p:cNvPr id="266" name="Google Shape;266;p36"/>
             <p:cNvCxnSpPr>
-              <a:stCxn id="244" idx="0"/>
-              <a:endCxn id="251" idx="4"/>
+              <a:stCxn id="260" idx="0"/>
+              <a:endCxn id="267" idx="4"/>
             </p:cNvCxnSpPr>
             <p:nvPr/>
           </p:nvCxnSpPr>
@@ -13167,7 +13936,7 @@
         </p:cxnSp>
         <p:sp>
           <p:nvSpPr>
-            <p:cNvPr id="251" name="Google Shape;251;p33"/>
+            <p:cNvPr id="267" name="Google Shape;267;p36"/>
             <p:cNvSpPr/>
             <p:nvPr/>
           </p:nvSpPr>
@@ -13222,7 +13991,7 @@
         </p:sp>
         <p:sp>
           <p:nvSpPr>
-            <p:cNvPr id="252" name="Google Shape;252;p33"/>
+            <p:cNvPr id="268" name="Google Shape;268;p36"/>
             <p:cNvSpPr/>
             <p:nvPr/>
           </p:nvSpPr>
@@ -13290,7 +14059,7 @@
         </p:sp>
         <p:sp>
           <p:nvSpPr>
-            <p:cNvPr id="253" name="Google Shape;253;p33"/>
+            <p:cNvPr id="269" name="Google Shape;269;p36"/>
             <p:cNvSpPr/>
             <p:nvPr/>
           </p:nvSpPr>
@@ -13341,10 +14110,10 @@
         </p:sp>
         <p:cxnSp>
           <p:nvCxnSpPr>
-            <p:cNvPr id="254" name="Google Shape;254;p33"/>
+            <p:cNvPr id="270" name="Google Shape;270;p36"/>
             <p:cNvCxnSpPr>
-              <a:stCxn id="252" idx="1"/>
-              <a:endCxn id="244" idx="3"/>
+              <a:stCxn id="268" idx="1"/>
+              <a:endCxn id="260" idx="3"/>
             </p:cNvCxnSpPr>
             <p:nvPr/>
           </p:nvCxnSpPr>
@@ -13370,10 +14139,10 @@
         </p:cxnSp>
         <p:cxnSp>
           <p:nvCxnSpPr>
-            <p:cNvPr id="255" name="Google Shape;255;p33"/>
+            <p:cNvPr id="271" name="Google Shape;271;p36"/>
             <p:cNvCxnSpPr>
-              <a:stCxn id="252" idx="3"/>
-              <a:endCxn id="253" idx="2"/>
+              <a:stCxn id="268" idx="3"/>
+              <a:endCxn id="269" idx="2"/>
             </p:cNvCxnSpPr>
             <p:nvPr/>
           </p:nvCxnSpPr>
@@ -13399,7 +14168,7 @@
         </p:cxnSp>
         <p:sp>
           <p:nvSpPr>
-            <p:cNvPr id="256" name="Google Shape;256;p33"/>
+            <p:cNvPr id="272" name="Google Shape;272;p36"/>
             <p:cNvSpPr txBox="1"/>
             <p:nvPr/>
           </p:nvSpPr>
@@ -13477,7 +14246,7 @@
         </p:sp>
         <p:sp>
           <p:nvSpPr>
-            <p:cNvPr id="257" name="Google Shape;257;p33"/>
+            <p:cNvPr id="273" name="Google Shape;273;p36"/>
             <p:cNvSpPr txBox="1"/>
             <p:nvPr/>
           </p:nvSpPr>
@@ -13555,7 +14324,7 @@
         </p:sp>
         <p:sp>
           <p:nvSpPr>
-            <p:cNvPr id="258" name="Google Shape;258;p33"/>
+            <p:cNvPr id="274" name="Google Shape;274;p36"/>
             <p:cNvSpPr txBox="1"/>
             <p:nvPr/>
           </p:nvSpPr>
@@ -13607,7 +14376,7 @@
         </p:sp>
         <p:sp>
           <p:nvSpPr>
-            <p:cNvPr id="259" name="Google Shape;259;p33"/>
+            <p:cNvPr id="275" name="Google Shape;275;p36"/>
             <p:cNvSpPr txBox="1"/>
             <p:nvPr/>
           </p:nvSpPr>
@@ -13703,7 +14472,7 @@
         </p:sp>
         <p:sp>
           <p:nvSpPr>
-            <p:cNvPr id="260" name="Google Shape;260;p33"/>
+            <p:cNvPr id="276" name="Google Shape;276;p36"/>
             <p:cNvSpPr txBox="1"/>
             <p:nvPr/>
           </p:nvSpPr>
@@ -13762,12 +14531,12 @@
 </p:sld>
 </file>
 
-<file path=ppt/slides/slide22.xml><?xml version="1.0" encoding="utf-8"?>
+<file path=ppt/slides/slide25.xml><?xml version="1.0" encoding="utf-8"?>
 <p:sld xmlns:a="http://schemas.openxmlformats.org/drawingml/2006/main" xmlns:r="http://schemas.openxmlformats.org/officeDocument/2006/relationships" xmlns:mc="http://schemas.openxmlformats.org/markup-compatibility/2006" xmlns:mv="urn:schemas-microsoft-com:mac:vml" xmlns:p="http://schemas.openxmlformats.org/presentationml/2006/main" xmlns:c="http://schemas.openxmlformats.org/drawingml/2006/chart" xmlns:dgm="http://schemas.openxmlformats.org/drawingml/2006/diagram" xmlns:o="urn:schemas-microsoft-com:office:office" xmlns:v="urn:schemas-microsoft-com:vml" xmlns:pvml="urn:schemas-microsoft-com:office:powerpoint" xmlns:com="http://schemas.openxmlformats.org/drawingml/2006/compatibility" xmlns:p14="http://schemas.microsoft.com/office/powerpoint/2010/main" xmlns:p15="http://schemas.microsoft.com/office/powerpoint/2012/main">
   <p:cSld>
     <p:spTree>
       <p:nvGrpSpPr>
-        <p:cNvPr id="264" name="Shape 264"/>
+        <p:cNvPr id="280" name="Shape 280"/>
         <p:cNvGrpSpPr/>
         <p:nvPr/>
       </p:nvGrpSpPr>
@@ -13781,7 +14550,7 @@
       </p:grpSpPr>
       <p:sp>
         <p:nvSpPr>
-          <p:cNvPr id="265" name="Google Shape;265;p34"/>
+          <p:cNvPr id="281" name="Google Shape;281;p37"/>
           <p:cNvSpPr txBox="1"/>
           <p:nvPr>
             <p:ph type="title"/>
@@ -13813,7 +14582,11 @@
             </a:pPr>
             <a:r>
               <a:rPr b="1" lang="fr"/>
-              <a:t>7. Conclusion:</a:t>
+              <a:t>8</a:t>
+            </a:r>
+            <a:r>
+              <a:rPr b="1" lang="fr"/>
+              <a:t>. Conclusion:</a:t>
             </a:r>
             <a:endParaRPr b="1" sz="2000"/>
           </a:p>
@@ -13821,7 +14594,7 @@
       </p:sp>
       <p:sp>
         <p:nvSpPr>
-          <p:cNvPr id="266" name="Google Shape;266;p34"/>
+          <p:cNvPr id="282" name="Google Shape;282;p37"/>
           <p:cNvSpPr txBox="1"/>
           <p:nvPr>
             <p:ph idx="1" type="body"/>
@@ -14148,12 +14921,12 @@
 </p:sld>
 </file>
 
-<file path=ppt/slides/slide23.xml><?xml version="1.0" encoding="utf-8"?>
+<file path=ppt/slides/slide26.xml><?xml version="1.0" encoding="utf-8"?>
 <p:sld xmlns:a="http://schemas.openxmlformats.org/drawingml/2006/main" xmlns:r="http://schemas.openxmlformats.org/officeDocument/2006/relationships" xmlns:mc="http://schemas.openxmlformats.org/markup-compatibility/2006" xmlns:mv="urn:schemas-microsoft-com:mac:vml" xmlns:p="http://schemas.openxmlformats.org/presentationml/2006/main" xmlns:c="http://schemas.openxmlformats.org/drawingml/2006/chart" xmlns:dgm="http://schemas.openxmlformats.org/drawingml/2006/diagram" xmlns:o="urn:schemas-microsoft-com:office:office" xmlns:v="urn:schemas-microsoft-com:vml" xmlns:pvml="urn:schemas-microsoft-com:office:powerpoint" xmlns:com="http://schemas.openxmlformats.org/drawingml/2006/compatibility" xmlns:p14="http://schemas.microsoft.com/office/powerpoint/2010/main" xmlns:p15="http://schemas.microsoft.com/office/powerpoint/2012/main">
   <p:cSld>
     <p:spTree>
       <p:nvGrpSpPr>
-        <p:cNvPr id="270" name="Shape 270"/>
+        <p:cNvPr id="286" name="Shape 286"/>
         <p:cNvGrpSpPr/>
         <p:nvPr/>
       </p:nvGrpSpPr>
@@ -14167,7 +14940,7 @@
       </p:grpSpPr>
       <p:sp>
         <p:nvSpPr>
-          <p:cNvPr id="271" name="Google Shape;271;p35"/>
+          <p:cNvPr id="287" name="Google Shape;287;p38"/>
           <p:cNvSpPr txBox="1"/>
           <p:nvPr>
             <p:ph type="title"/>
@@ -14213,12 +14986,12 @@
 </p:sld>
 </file>
 
-<file path=ppt/slides/slide24.xml><?xml version="1.0" encoding="utf-8"?>
+<file path=ppt/slides/slide27.xml><?xml version="1.0" encoding="utf-8"?>
 <p:sld xmlns:a="http://schemas.openxmlformats.org/drawingml/2006/main" xmlns:r="http://schemas.openxmlformats.org/officeDocument/2006/relationships" xmlns:mc="http://schemas.openxmlformats.org/markup-compatibility/2006" xmlns:mv="urn:schemas-microsoft-com:mac:vml" xmlns:p="http://schemas.openxmlformats.org/presentationml/2006/main" xmlns:c="http://schemas.openxmlformats.org/drawingml/2006/chart" xmlns:dgm="http://schemas.openxmlformats.org/drawingml/2006/diagram" xmlns:o="urn:schemas-microsoft-com:office:office" xmlns:v="urn:schemas-microsoft-com:vml" xmlns:pvml="urn:schemas-microsoft-com:office:powerpoint" xmlns:com="http://schemas.openxmlformats.org/drawingml/2006/compatibility" xmlns:p14="http://schemas.microsoft.com/office/powerpoint/2010/main" xmlns:p15="http://schemas.microsoft.com/office/powerpoint/2012/main">
   <p:cSld>
     <p:spTree>
       <p:nvGrpSpPr>
-        <p:cNvPr id="275" name="Shape 275"/>
+        <p:cNvPr id="291" name="Shape 291"/>
         <p:cNvGrpSpPr/>
         <p:nvPr/>
       </p:nvGrpSpPr>
@@ -14232,7 +15005,7 @@
       </p:grpSpPr>
       <p:sp>
         <p:nvSpPr>
-          <p:cNvPr id="276" name="Google Shape;276;p36"/>
+          <p:cNvPr id="292" name="Google Shape;292;p39"/>
           <p:cNvSpPr txBox="1"/>
           <p:nvPr>
             <p:ph type="title"/>
@@ -14272,7 +15045,7 @@
       </p:sp>
       <p:pic>
         <p:nvPicPr>
-          <p:cNvPr id="277" name="Google Shape;277;p36"/>
+          <p:cNvPr id="293" name="Google Shape;293;p39"/>
           <p:cNvPicPr preferRelativeResize="0"/>
           <p:nvPr/>
         </p:nvPicPr>
@@ -14306,12 +15079,12 @@
 </p:sld>
 </file>
 
-<file path=ppt/slides/slide25.xml><?xml version="1.0" encoding="utf-8"?>
+<file path=ppt/slides/slide28.xml><?xml version="1.0" encoding="utf-8"?>
 <p:sld xmlns:a="http://schemas.openxmlformats.org/drawingml/2006/main" xmlns:r="http://schemas.openxmlformats.org/officeDocument/2006/relationships" xmlns:mc="http://schemas.openxmlformats.org/markup-compatibility/2006" xmlns:mv="urn:schemas-microsoft-com:mac:vml" xmlns:p="http://schemas.openxmlformats.org/presentationml/2006/main" xmlns:c="http://schemas.openxmlformats.org/drawingml/2006/chart" xmlns:dgm="http://schemas.openxmlformats.org/drawingml/2006/diagram" xmlns:o="urn:schemas-microsoft-com:office:office" xmlns:v="urn:schemas-microsoft-com:vml" xmlns:pvml="urn:schemas-microsoft-com:office:powerpoint" xmlns:com="http://schemas.openxmlformats.org/drawingml/2006/compatibility" xmlns:p14="http://schemas.microsoft.com/office/powerpoint/2010/main" xmlns:p15="http://schemas.microsoft.com/office/powerpoint/2012/main">
   <p:cSld>
     <p:spTree>
       <p:nvGrpSpPr>
-        <p:cNvPr id="281" name="Shape 281"/>
+        <p:cNvPr id="297" name="Shape 297"/>
         <p:cNvGrpSpPr/>
         <p:nvPr/>
       </p:nvGrpSpPr>
@@ -14325,7 +15098,7 @@
       </p:grpSpPr>
       <p:sp>
         <p:nvSpPr>
-          <p:cNvPr id="282" name="Google Shape;282;p37"/>
+          <p:cNvPr id="298" name="Google Shape;298;p40"/>
           <p:cNvSpPr txBox="1"/>
           <p:nvPr>
             <p:ph type="title"/>
@@ -14373,7 +15146,7 @@
       </p:sp>
       <p:sp>
         <p:nvSpPr>
-          <p:cNvPr id="283" name="Google Shape;283;p37"/>
+          <p:cNvPr id="299" name="Google Shape;299;p40"/>
           <p:cNvSpPr txBox="1"/>
           <p:nvPr>
             <p:ph idx="1" type="body"/>
@@ -14699,8 +15472,8 @@
         </p:nvSpPr>
         <p:spPr>
           <a:xfrm>
-            <a:off x="1303800" y="98000"/>
-            <a:ext cx="7030500" cy="565200"/>
+            <a:off x="1338150" y="235675"/>
+            <a:ext cx="6467700" cy="565200"/>
           </a:xfrm>
           <a:prstGeom prst="rect">
             <a:avLst/>
@@ -14723,18 +15496,10 @@
               <a:buAutoNum type="arabicPeriod"/>
             </a:pPr>
             <a:r>
-              <a:rPr lang="fr"/>
-              <a:t>a) Introduction:</a:t>
-            </a:r>
-            <a:r>
-              <a:rPr b="0" lang="fr" sz="2000"/>
-              <a:t> </a:t>
-            </a:r>
-            <a:r>
-              <a:rPr b="0" lang="fr" sz="2000"/>
-              <a:t>présentation du sujet</a:t>
-            </a:r>
-            <a:endParaRPr b="0" sz="2000"/>
+              <a:rPr b="1" lang="fr"/>
+              <a:t>Introduction:</a:t>
+            </a:r>
+            <a:endParaRPr b="1" sz="2000"/>
           </a:p>
         </p:txBody>
       </p:sp>
@@ -14748,8 +15513,8 @@
         </p:nvSpPr>
         <p:spPr>
           <a:xfrm>
-            <a:off x="75075" y="663200"/>
-            <a:ext cx="7884300" cy="4254900"/>
+            <a:off x="75075" y="963625"/>
+            <a:ext cx="7884300" cy="3954600"/>
           </a:xfrm>
           <a:prstGeom prst="rect">
             <a:avLst/>
@@ -14771,8 +15536,7 @@
               <a:buNone/>
             </a:pPr>
             <a:r>
-              <a:rPr lang="fr" sz="1700"/>
-              <a:t>Déterminer le plus grand contributeur à un sujet donné à partir d’une base de donnée:</a:t>
+              <a:t/>
             </a:r>
             <a:endParaRPr sz="1700"/>
           </a:p>
@@ -14789,41 +15553,34 @@
             </a:pPr>
             <a:r>
               <a:rPr lang="fr" sz="1700"/>
-              <a:t>Origine de notre données est Wikipedia</a:t>
+              <a:t>De nos jours, les données constituent une ressource importante pour différentes sortes d’informations à condition de </a:t>
+            </a:r>
+            <a:r>
+              <a:rPr lang="fr" sz="1700"/>
+              <a:t>pouvoir</a:t>
+            </a:r>
+            <a:r>
+              <a:rPr lang="fr" sz="1700"/>
+              <a:t> bien </a:t>
+            </a:r>
+            <a:r>
+              <a:rPr lang="fr" sz="1700"/>
+              <a:t>l'exploiter</a:t>
             </a:r>
             <a:endParaRPr sz="1700"/>
           </a:p>
           <a:p>
-            <a:pPr indent="-336550" lvl="2" marL="1371600" rtl="0" algn="l">
-              <a:spcBef>
-                <a:spcPts val="0"/>
-              </a:spcBef>
-              <a:spcAft>
-                <a:spcPts val="0"/>
-              </a:spcAft>
-              <a:buSzPts val="1700"/>
-              <a:buChar char="■"/>
-            </a:pPr>
-            <a:r>
-              <a:rPr lang="fr" sz="1700"/>
-              <a:t>Historique de contribution des articles</a:t>
-            </a:r>
-            <a:endParaRPr sz="1700"/>
-          </a:p>
-          <a:p>
-            <a:pPr indent="-336550" lvl="2" marL="1371600" rtl="0" algn="l">
-              <a:spcBef>
-                <a:spcPts val="0"/>
-              </a:spcBef>
-              <a:spcAft>
-                <a:spcPts val="0"/>
-              </a:spcAft>
-              <a:buSzPts val="1700"/>
-              <a:buChar char="■"/>
-            </a:pPr>
-            <a:r>
-              <a:rPr lang="fr" sz="1700"/>
-              <a:t>les liens entre les articles (pages)</a:t>
+            <a:pPr indent="0" lvl="0" marL="457200" rtl="0" algn="l">
+              <a:spcBef>
+                <a:spcPts val="0"/>
+              </a:spcBef>
+              <a:spcAft>
+                <a:spcPts val="0"/>
+              </a:spcAft>
+              <a:buNone/>
+            </a:pPr>
+            <a:r>
+              <a:t/>
             </a:r>
             <a:endParaRPr sz="1700"/>
           </a:p>
@@ -14840,78 +15597,22 @@
             </a:pPr>
             <a:r>
               <a:rPr lang="fr" sz="1700"/>
-              <a:t>Créer notre propre data lake : Dan &amp; Briggs</a:t>
+              <a:t>Plus on a de données pertinents, plus on est riche en informations</a:t>
             </a:r>
             <a:endParaRPr sz="1700"/>
           </a:p>
           <a:p>
-            <a:pPr indent="-336550" lvl="2" marL="1371600" rtl="0" algn="l">
-              <a:spcBef>
-                <a:spcPts val="0"/>
-              </a:spcBef>
-              <a:spcAft>
-                <a:spcPts val="0"/>
-              </a:spcAft>
-              <a:buSzPts val="1700"/>
-              <a:buChar char="■"/>
-            </a:pPr>
-            <a:r>
-              <a:rPr lang="fr" sz="1700"/>
-              <a:t>Stratégie de structure des stockage</a:t>
-            </a:r>
-            <a:endParaRPr sz="1700"/>
-          </a:p>
-          <a:p>
-            <a:pPr indent="-336550" lvl="4" marL="2286000" rtl="0" algn="l">
-              <a:spcBef>
-                <a:spcPts val="0"/>
-              </a:spcBef>
-              <a:spcAft>
-                <a:spcPts val="0"/>
-              </a:spcAft>
-              <a:buSzPts val="1700"/>
-              <a:buChar char="○"/>
-            </a:pPr>
-            <a:r>
-              <a:rPr lang="fr" sz="1700"/>
-              <a:t>Sécurisation des données </a:t>
-            </a:r>
-            <a:endParaRPr sz="1700"/>
-          </a:p>
-          <a:p>
-            <a:pPr indent="-336550" lvl="4" marL="2286000" rtl="0" algn="l">
-              <a:spcBef>
-                <a:spcPts val="0"/>
-              </a:spcBef>
-              <a:spcAft>
-                <a:spcPts val="0"/>
-              </a:spcAft>
-              <a:buSzPts val="1700"/>
-              <a:buChar char="○"/>
-            </a:pPr>
-            <a:r>
-              <a:rPr lang="fr" sz="1700"/>
-              <a:t>Distribution de stockage </a:t>
-            </a:r>
-            <a:endParaRPr sz="1700"/>
-          </a:p>
-          <a:p>
-            <a:pPr indent="0" lvl="0" marL="2286000" rtl="0" algn="l">
-              <a:spcBef>
-                <a:spcPts val="0"/>
-              </a:spcBef>
-              <a:spcAft>
-                <a:spcPts val="0"/>
-              </a:spcAft>
-              <a:buNone/>
-            </a:pPr>
-            <a:r>
-              <a:rPr lang="fr" sz="1700"/>
-              <a:t>==&gt;HDFS</a:t>
-            </a:r>
-            <a:r>
-              <a:rPr lang="fr" sz="1700"/>
-              <a:t> </a:t>
+            <a:pPr indent="0" lvl="0" marL="457200" rtl="0" algn="l">
+              <a:spcBef>
+                <a:spcPts val="0"/>
+              </a:spcBef>
+              <a:spcAft>
+                <a:spcPts val="0"/>
+              </a:spcAft>
+              <a:buNone/>
+            </a:pPr>
+            <a:r>
+              <a:t/>
             </a:r>
             <a:endParaRPr sz="1700"/>
           </a:p>
@@ -14928,15 +15629,22 @@
             </a:pPr>
             <a:r>
               <a:rPr lang="fr" sz="1700"/>
-              <a:t>Sérialiser les données dans notre data lake: </a:t>
-            </a:r>
-            <a:r>
-              <a:rPr lang="fr" sz="1700"/>
-              <a:t>facilite</a:t>
-            </a:r>
-            <a:r>
-              <a:rPr lang="fr" sz="1700"/>
-              <a:t> leur lecture</a:t>
+              <a:t>Grosse données implique des moyens de stockages et de sécurisations</a:t>
+            </a:r>
+            <a:endParaRPr sz="1700"/>
+          </a:p>
+          <a:p>
+            <a:pPr indent="0" lvl="0" marL="457200" rtl="0" algn="l">
+              <a:spcBef>
+                <a:spcPts val="0"/>
+              </a:spcBef>
+              <a:spcAft>
+                <a:spcPts val="0"/>
+              </a:spcAft>
+              <a:buNone/>
+            </a:pPr>
+            <a:r>
+              <a:t/>
             </a:r>
             <a:endParaRPr sz="1700"/>
           </a:p>
@@ -14953,11 +15661,7 @@
             </a:pPr>
             <a:r>
               <a:rPr lang="fr" sz="1700"/>
-              <a:t>Réaliser une </a:t>
-            </a:r>
-            <a:r>
-              <a:rPr lang="fr" sz="1700"/>
-              <a:t>requête pour trouver le candidat idéal</a:t>
+              <a:t>Il faut aussi les exploiter à un temps acceptable</a:t>
             </a:r>
             <a:endParaRPr sz="1700"/>
           </a:p>
@@ -14998,7 +15702,313 @@
         </p:nvSpPr>
         <p:spPr>
           <a:xfrm>
-            <a:off x="1228700" y="0"/>
+            <a:off x="1241225" y="98000"/>
+            <a:ext cx="7030500" cy="565200"/>
+          </a:xfrm>
+          <a:prstGeom prst="rect">
+            <a:avLst/>
+          </a:prstGeom>
+        </p:spPr>
+        <p:txBody>
+          <a:bodyPr anchorCtr="0" anchor="t" bIns="91425" lIns="91425" spcFirstLastPara="1" rIns="91425" wrap="square" tIns="91425">
+            <a:noAutofit/>
+          </a:bodyPr>
+          <a:lstStyle/>
+          <a:p>
+            <a:pPr indent="0" lvl="0" marL="0" rtl="0" algn="l">
+              <a:spcBef>
+                <a:spcPts val="0"/>
+              </a:spcBef>
+              <a:spcAft>
+                <a:spcPts val="0"/>
+              </a:spcAft>
+              <a:buNone/>
+            </a:pPr>
+            <a:r>
+              <a:rPr lang="fr"/>
+              <a:t>2.</a:t>
+            </a:r>
+            <a:r>
+              <a:rPr lang="fr"/>
+              <a:t> Présentation du sujet:</a:t>
+            </a:r>
+            <a:endParaRPr b="0" sz="2000"/>
+          </a:p>
+        </p:txBody>
+      </p:sp>
+      <p:sp>
+        <p:nvSpPr>
+          <p:cNvPr id="105" name="Google Shape;105;p16"/>
+          <p:cNvSpPr txBox="1"/>
+          <p:nvPr>
+            <p:ph idx="1" type="body"/>
+          </p:nvPr>
+        </p:nvSpPr>
+        <p:spPr>
+          <a:xfrm>
+            <a:off x="75075" y="663200"/>
+            <a:ext cx="7884300" cy="4254900"/>
+          </a:xfrm>
+          <a:prstGeom prst="rect">
+            <a:avLst/>
+          </a:prstGeom>
+        </p:spPr>
+        <p:txBody>
+          <a:bodyPr anchorCtr="0" anchor="t" bIns="91425" lIns="91425" spcFirstLastPara="1" rIns="91425" wrap="square" tIns="91425">
+            <a:noAutofit/>
+          </a:bodyPr>
+          <a:lstStyle/>
+          <a:p>
+            <a:pPr indent="-361950" lvl="0" marL="457200" rtl="0" algn="l">
+              <a:spcBef>
+                <a:spcPts val="0"/>
+              </a:spcBef>
+              <a:spcAft>
+                <a:spcPts val="0"/>
+              </a:spcAft>
+              <a:buClr>
+                <a:srgbClr val="0000FF"/>
+              </a:buClr>
+              <a:buSzPts val="2100"/>
+              <a:buAutoNum type="alphaLcParenR"/>
+            </a:pPr>
+            <a:r>
+              <a:rPr b="1" lang="fr" sz="2100" u="sng">
+                <a:solidFill>
+                  <a:srgbClr val="0000FF"/>
+                </a:solidFill>
+              </a:rPr>
+              <a:t>Sujet:</a:t>
+            </a:r>
+            <a:endParaRPr b="1" sz="2100" u="sng">
+              <a:solidFill>
+                <a:srgbClr val="0000FF"/>
+              </a:solidFill>
+            </a:endParaRPr>
+          </a:p>
+          <a:p>
+            <a:pPr indent="0" lvl="0" marL="0" rtl="0" algn="l">
+              <a:spcBef>
+                <a:spcPts val="0"/>
+              </a:spcBef>
+              <a:spcAft>
+                <a:spcPts val="0"/>
+              </a:spcAft>
+              <a:buNone/>
+            </a:pPr>
+            <a:r>
+              <a:rPr lang="fr" sz="1700"/>
+              <a:t>Déterminer le plus grand contributeur à un sujet donné à partir d’une base de donnée:</a:t>
+            </a:r>
+            <a:endParaRPr sz="1700"/>
+          </a:p>
+          <a:p>
+            <a:pPr indent="-336550" lvl="0" marL="457200" rtl="0" algn="l">
+              <a:spcBef>
+                <a:spcPts val="0"/>
+              </a:spcBef>
+              <a:spcAft>
+                <a:spcPts val="0"/>
+              </a:spcAft>
+              <a:buSzPts val="1700"/>
+              <a:buChar char="●"/>
+            </a:pPr>
+            <a:r>
+              <a:rPr lang="fr" sz="1700"/>
+              <a:t>Origine de notre données est Wikipedia</a:t>
+            </a:r>
+            <a:endParaRPr sz="1700"/>
+          </a:p>
+          <a:p>
+            <a:pPr indent="-336550" lvl="2" marL="1371600" rtl="0" algn="l">
+              <a:spcBef>
+                <a:spcPts val="0"/>
+              </a:spcBef>
+              <a:spcAft>
+                <a:spcPts val="0"/>
+              </a:spcAft>
+              <a:buSzPts val="1700"/>
+              <a:buChar char="■"/>
+            </a:pPr>
+            <a:r>
+              <a:rPr lang="fr" sz="1700"/>
+              <a:t>Historique de contribution des articles</a:t>
+            </a:r>
+            <a:endParaRPr sz="1700"/>
+          </a:p>
+          <a:p>
+            <a:pPr indent="-336550" lvl="2" marL="1371600" rtl="0" algn="l">
+              <a:spcBef>
+                <a:spcPts val="0"/>
+              </a:spcBef>
+              <a:spcAft>
+                <a:spcPts val="0"/>
+              </a:spcAft>
+              <a:buSzPts val="1700"/>
+              <a:buChar char="■"/>
+            </a:pPr>
+            <a:r>
+              <a:rPr lang="fr" sz="1700"/>
+              <a:t>les liens entre les articles (pages)</a:t>
+            </a:r>
+            <a:endParaRPr sz="1700"/>
+          </a:p>
+          <a:p>
+            <a:pPr indent="-336550" lvl="0" marL="457200" rtl="0" algn="l">
+              <a:spcBef>
+                <a:spcPts val="0"/>
+              </a:spcBef>
+              <a:spcAft>
+                <a:spcPts val="0"/>
+              </a:spcAft>
+              <a:buSzPts val="1700"/>
+              <a:buChar char="●"/>
+            </a:pPr>
+            <a:r>
+              <a:rPr lang="fr" sz="1700"/>
+              <a:t>Créer notre propre data lake : Dan &amp; Briggs</a:t>
+            </a:r>
+            <a:endParaRPr sz="1700"/>
+          </a:p>
+          <a:p>
+            <a:pPr indent="-336550" lvl="2" marL="1371600" rtl="0" algn="l">
+              <a:spcBef>
+                <a:spcPts val="0"/>
+              </a:spcBef>
+              <a:spcAft>
+                <a:spcPts val="0"/>
+              </a:spcAft>
+              <a:buSzPts val="1700"/>
+              <a:buChar char="■"/>
+            </a:pPr>
+            <a:r>
+              <a:rPr lang="fr" sz="1700"/>
+              <a:t>Stratégie de structure des stockage</a:t>
+            </a:r>
+            <a:endParaRPr sz="1700"/>
+          </a:p>
+          <a:p>
+            <a:pPr indent="-336550" lvl="4" marL="2286000" rtl="0" algn="l">
+              <a:spcBef>
+                <a:spcPts val="0"/>
+              </a:spcBef>
+              <a:spcAft>
+                <a:spcPts val="0"/>
+              </a:spcAft>
+              <a:buSzPts val="1700"/>
+              <a:buChar char="○"/>
+            </a:pPr>
+            <a:r>
+              <a:rPr lang="fr" sz="1700"/>
+              <a:t>Sécurisation des données </a:t>
+            </a:r>
+            <a:endParaRPr sz="1700"/>
+          </a:p>
+          <a:p>
+            <a:pPr indent="-336550" lvl="4" marL="2286000" rtl="0" algn="l">
+              <a:spcBef>
+                <a:spcPts val="0"/>
+              </a:spcBef>
+              <a:spcAft>
+                <a:spcPts val="0"/>
+              </a:spcAft>
+              <a:buSzPts val="1700"/>
+              <a:buChar char="○"/>
+            </a:pPr>
+            <a:r>
+              <a:rPr lang="fr" sz="1700"/>
+              <a:t>Distribution de stockage </a:t>
+            </a:r>
+            <a:endParaRPr sz="1700"/>
+          </a:p>
+          <a:p>
+            <a:pPr indent="0" lvl="0" marL="2286000" rtl="0" algn="l">
+              <a:spcBef>
+                <a:spcPts val="0"/>
+              </a:spcBef>
+              <a:spcAft>
+                <a:spcPts val="0"/>
+              </a:spcAft>
+              <a:buNone/>
+            </a:pPr>
+            <a:r>
+              <a:rPr lang="fr" sz="1700"/>
+              <a:t>==&gt;HDFS </a:t>
+            </a:r>
+            <a:endParaRPr sz="1700"/>
+          </a:p>
+          <a:p>
+            <a:pPr indent="-336550" lvl="0" marL="457200" rtl="0" algn="l">
+              <a:spcBef>
+                <a:spcPts val="0"/>
+              </a:spcBef>
+              <a:spcAft>
+                <a:spcPts val="0"/>
+              </a:spcAft>
+              <a:buSzPts val="1700"/>
+              <a:buChar char="●"/>
+            </a:pPr>
+            <a:r>
+              <a:rPr lang="fr" sz="1700"/>
+              <a:t>Sérialiser les données dans notre data lake: facilite leur lecture</a:t>
+            </a:r>
+            <a:endParaRPr sz="1700"/>
+          </a:p>
+          <a:p>
+            <a:pPr indent="-336550" lvl="0" marL="457200" rtl="0" algn="l">
+              <a:spcBef>
+                <a:spcPts val="0"/>
+              </a:spcBef>
+              <a:spcAft>
+                <a:spcPts val="0"/>
+              </a:spcAft>
+              <a:buSzPts val="1700"/>
+              <a:buChar char="●"/>
+            </a:pPr>
+            <a:r>
+              <a:rPr lang="fr" sz="1700"/>
+              <a:t>Réaliser une requête pour trouver le candidat idéal</a:t>
+            </a:r>
+            <a:endParaRPr sz="1700"/>
+          </a:p>
+        </p:txBody>
+      </p:sp>
+    </p:spTree>
+  </p:cSld>
+  <p:clrMapOvr>
+    <a:masterClrMapping/>
+  </p:clrMapOvr>
+</p:sld>
+</file>
+
+<file path=ppt/slides/slide5.xml><?xml version="1.0" encoding="utf-8"?>
+<p:sld xmlns:a="http://schemas.openxmlformats.org/drawingml/2006/main" xmlns:r="http://schemas.openxmlformats.org/officeDocument/2006/relationships" xmlns:mc="http://schemas.openxmlformats.org/markup-compatibility/2006" xmlns:mv="urn:schemas-microsoft-com:mac:vml" xmlns:p="http://schemas.openxmlformats.org/presentationml/2006/main" xmlns:c="http://schemas.openxmlformats.org/drawingml/2006/chart" xmlns:dgm="http://schemas.openxmlformats.org/drawingml/2006/diagram" xmlns:o="urn:schemas-microsoft-com:office:office" xmlns:v="urn:schemas-microsoft-com:vml" xmlns:pvml="urn:schemas-microsoft-com:office:powerpoint" xmlns:com="http://schemas.openxmlformats.org/drawingml/2006/compatibility" xmlns:p14="http://schemas.microsoft.com/office/powerpoint/2010/main" xmlns:p15="http://schemas.microsoft.com/office/powerpoint/2012/main">
+  <p:cSld>
+    <p:spTree>
+      <p:nvGrpSpPr>
+        <p:cNvPr id="109" name="Shape 109"/>
+        <p:cNvGrpSpPr/>
+        <p:nvPr/>
+      </p:nvGrpSpPr>
+      <p:grpSpPr>
+        <a:xfrm>
+          <a:off x="0" y="0"/>
+          <a:ext cx="0" cy="0"/>
+          <a:chOff x="0" y="0"/>
+          <a:chExt cx="0" cy="0"/>
+        </a:xfrm>
+      </p:grpSpPr>
+      <p:sp>
+        <p:nvSpPr>
+          <p:cNvPr id="110" name="Google Shape;110;p17"/>
+          <p:cNvSpPr txBox="1"/>
+          <p:nvPr>
+            <p:ph type="title"/>
+          </p:nvPr>
+        </p:nvSpPr>
+        <p:spPr>
+          <a:xfrm>
+            <a:off x="1164200" y="62525"/>
             <a:ext cx="7569000" cy="387900"/>
           </a:xfrm>
           <a:prstGeom prst="rect">
@@ -15011,27 +16021,26 @@
           </a:bodyPr>
           <a:lstStyle/>
           <a:p>
-            <a:pPr indent="-419100" lvl="0" marL="457200" rtl="0" algn="l">
-              <a:spcBef>
-                <a:spcPts val="0"/>
-              </a:spcBef>
-              <a:spcAft>
-                <a:spcPts val="0"/>
-              </a:spcAft>
-              <a:buSzPts val="3000"/>
-              <a:buAutoNum type="arabicPeriod"/>
+            <a:pPr indent="0" lvl="0" marL="457200" rtl="0" algn="l">
+              <a:spcBef>
+                <a:spcPts val="0"/>
+              </a:spcBef>
+              <a:spcAft>
+                <a:spcPts val="0"/>
+              </a:spcAft>
+              <a:buNone/>
             </a:pPr>
             <a:r>
               <a:rPr lang="fr"/>
               <a:t>b) </a:t>
             </a:r>
             <a:r>
-              <a:rPr lang="fr"/>
-              <a:t>Introduction:</a:t>
+              <a:rPr lang="fr" sz="2000"/>
+              <a:t>P</a:t>
             </a:r>
             <a:r>
               <a:rPr b="0" lang="fr" sz="2000"/>
-              <a:t> présentation des données d’entrées</a:t>
+              <a:t>résentation des données d’entrées</a:t>
             </a:r>
             <a:endParaRPr b="0" sz="2000"/>
           </a:p>
@@ -15039,7 +16048,7 @@
       </p:sp>
       <p:sp>
         <p:nvSpPr>
-          <p:cNvPr id="105" name="Google Shape;105;p16"/>
+          <p:cNvPr id="111" name="Google Shape;111;p17"/>
           <p:cNvSpPr txBox="1"/>
           <p:nvPr>
             <p:ph idx="1" type="body"/>
@@ -15095,7 +16104,7 @@
       </p:sp>
       <p:pic>
         <p:nvPicPr>
-          <p:cNvPr id="106" name="Google Shape;106;p16"/>
+          <p:cNvPr id="112" name="Google Shape;112;p17"/>
           <p:cNvPicPr preferRelativeResize="0"/>
           <p:nvPr/>
         </p:nvPicPr>
@@ -15129,12 +16138,12 @@
 </p:sld>
 </file>
 
-<file path=ppt/slides/slide5.xml><?xml version="1.0" encoding="utf-8"?>
+<file path=ppt/slides/slide6.xml><?xml version="1.0" encoding="utf-8"?>
 <p:sld xmlns:a="http://schemas.openxmlformats.org/drawingml/2006/main" xmlns:r="http://schemas.openxmlformats.org/officeDocument/2006/relationships" xmlns:mc="http://schemas.openxmlformats.org/markup-compatibility/2006" xmlns:mv="urn:schemas-microsoft-com:mac:vml" xmlns:p="http://schemas.openxmlformats.org/presentationml/2006/main" xmlns:c="http://schemas.openxmlformats.org/drawingml/2006/chart" xmlns:dgm="http://schemas.openxmlformats.org/drawingml/2006/diagram" xmlns:o="urn:schemas-microsoft-com:office:office" xmlns:v="urn:schemas-microsoft-com:vml" xmlns:pvml="urn:schemas-microsoft-com:office:powerpoint" xmlns:com="http://schemas.openxmlformats.org/drawingml/2006/compatibility" xmlns:p14="http://schemas.microsoft.com/office/powerpoint/2010/main" xmlns:p15="http://schemas.microsoft.com/office/powerpoint/2012/main">
   <p:cSld>
     <p:spTree>
       <p:nvGrpSpPr>
-        <p:cNvPr id="110" name="Shape 110"/>
+        <p:cNvPr id="116" name="Shape 116"/>
         <p:cNvGrpSpPr/>
         <p:nvPr/>
       </p:nvGrpSpPr>
@@ -15148,7 +16157,7 @@
       </p:grpSpPr>
       <p:sp>
         <p:nvSpPr>
-          <p:cNvPr id="111" name="Google Shape;111;p17"/>
+          <p:cNvPr id="117" name="Google Shape;117;p18"/>
           <p:cNvSpPr txBox="1"/>
           <p:nvPr>
             <p:ph type="title"/>
@@ -15169,27 +16178,22 @@
           </a:bodyPr>
           <a:lstStyle/>
           <a:p>
-            <a:pPr indent="-419100" lvl="0" marL="457200" rtl="0" algn="l">
-              <a:spcBef>
-                <a:spcPts val="0"/>
-              </a:spcBef>
-              <a:spcAft>
-                <a:spcPts val="0"/>
-              </a:spcAft>
-              <a:buSzPts val="3000"/>
-              <a:buAutoNum type="arabicPeriod"/>
+            <a:pPr indent="457200" lvl="0" marL="0" rtl="0" algn="l">
+              <a:spcBef>
+                <a:spcPts val="0"/>
+              </a:spcBef>
+              <a:spcAft>
+                <a:spcPts val="0"/>
+              </a:spcAft>
+              <a:buNone/>
             </a:pPr>
             <a:r>
               <a:rPr lang="fr"/>
               <a:t>b) </a:t>
             </a:r>
             <a:r>
-              <a:rPr lang="fr"/>
-              <a:t>Introduction:</a:t>
-            </a:r>
-            <a:r>
-              <a:rPr b="0" lang="fr" sz="2000"/>
-              <a:t> présentation des données d’entrées</a:t>
+              <a:rPr lang="fr" sz="2000"/>
+              <a:t>Présentation des données d’entrées</a:t>
             </a:r>
             <a:endParaRPr b="0" sz="2000"/>
           </a:p>
@@ -15197,7 +16201,7 @@
       </p:sp>
       <p:sp>
         <p:nvSpPr>
-          <p:cNvPr id="112" name="Google Shape;112;p17"/>
+          <p:cNvPr id="118" name="Google Shape;118;p18"/>
           <p:cNvSpPr txBox="1"/>
           <p:nvPr>
             <p:ph idx="1" type="body"/>
@@ -15261,7 +16265,7 @@
       </p:sp>
       <p:pic>
         <p:nvPicPr>
-          <p:cNvPr id="113" name="Google Shape;113;p17"/>
+          <p:cNvPr id="119" name="Google Shape;119;p18"/>
           <p:cNvPicPr preferRelativeResize="0"/>
           <p:nvPr/>
         </p:nvPicPr>
@@ -15287,306 +16291,6 @@
           </a:ln>
         </p:spPr>
       </p:pic>
-    </p:spTree>
-  </p:cSld>
-  <p:clrMapOvr>
-    <a:masterClrMapping/>
-  </p:clrMapOvr>
-</p:sld>
-</file>
-
-<file path=ppt/slides/slide6.xml><?xml version="1.0" encoding="utf-8"?>
-<p:sld xmlns:a="http://schemas.openxmlformats.org/drawingml/2006/main" xmlns:r="http://schemas.openxmlformats.org/officeDocument/2006/relationships" xmlns:mc="http://schemas.openxmlformats.org/markup-compatibility/2006" xmlns:mv="urn:schemas-microsoft-com:mac:vml" xmlns:p="http://schemas.openxmlformats.org/presentationml/2006/main" xmlns:c="http://schemas.openxmlformats.org/drawingml/2006/chart" xmlns:dgm="http://schemas.openxmlformats.org/drawingml/2006/diagram" xmlns:o="urn:schemas-microsoft-com:office:office" xmlns:v="urn:schemas-microsoft-com:vml" xmlns:pvml="urn:schemas-microsoft-com:office:powerpoint" xmlns:com="http://schemas.openxmlformats.org/drawingml/2006/compatibility" xmlns:p14="http://schemas.microsoft.com/office/powerpoint/2010/main" xmlns:p15="http://schemas.microsoft.com/office/powerpoint/2012/main">
-  <p:cSld>
-    <p:spTree>
-      <p:nvGrpSpPr>
-        <p:cNvPr id="117" name="Shape 117"/>
-        <p:cNvGrpSpPr/>
-        <p:nvPr/>
-      </p:nvGrpSpPr>
-      <p:grpSpPr>
-        <a:xfrm>
-          <a:off x="0" y="0"/>
-          <a:ext cx="0" cy="0"/>
-          <a:chOff x="0" y="0"/>
-          <a:chExt cx="0" cy="0"/>
-        </a:xfrm>
-      </p:grpSpPr>
-      <p:sp>
-        <p:nvSpPr>
-          <p:cNvPr id="118" name="Google Shape;118;p18"/>
-          <p:cNvSpPr txBox="1"/>
-          <p:nvPr>
-            <p:ph type="title"/>
-          </p:nvPr>
-        </p:nvSpPr>
-        <p:spPr>
-          <a:xfrm>
-            <a:off x="1303800" y="98000"/>
-            <a:ext cx="7030500" cy="565200"/>
-          </a:xfrm>
-          <a:prstGeom prst="rect">
-            <a:avLst/>
-          </a:prstGeom>
-        </p:spPr>
-        <p:txBody>
-          <a:bodyPr anchorCtr="0" anchor="t" bIns="91425" lIns="91425" spcFirstLastPara="1" rIns="91425" wrap="square" tIns="91425">
-            <a:noAutofit/>
-          </a:bodyPr>
-          <a:lstStyle/>
-          <a:p>
-            <a:pPr indent="-419100" lvl="0" marL="457200" rtl="0" algn="l">
-              <a:spcBef>
-                <a:spcPts val="0"/>
-              </a:spcBef>
-              <a:spcAft>
-                <a:spcPts val="0"/>
-              </a:spcAft>
-              <a:buSzPts val="3000"/>
-              <a:buAutoNum type="arabicPeriod"/>
-            </a:pPr>
-            <a:r>
-              <a:rPr lang="fr"/>
-              <a:t>c) </a:t>
-            </a:r>
-            <a:r>
-              <a:rPr lang="fr"/>
-              <a:t>Introduction: </a:t>
-            </a:r>
-            <a:r>
-              <a:rPr b="0" lang="fr" sz="2000"/>
-              <a:t>enjeux</a:t>
-            </a:r>
-            <a:endParaRPr b="0" sz="2000"/>
-          </a:p>
-        </p:txBody>
-      </p:sp>
-      <p:sp>
-        <p:nvSpPr>
-          <p:cNvPr id="119" name="Google Shape;119;p18"/>
-          <p:cNvSpPr txBox="1"/>
-          <p:nvPr>
-            <p:ph idx="1" type="body"/>
-          </p:nvPr>
-        </p:nvSpPr>
-        <p:spPr>
-          <a:xfrm>
-            <a:off x="112625" y="663200"/>
-            <a:ext cx="7884300" cy="4254900"/>
-          </a:xfrm>
-          <a:prstGeom prst="rect">
-            <a:avLst/>
-          </a:prstGeom>
-        </p:spPr>
-        <p:txBody>
-          <a:bodyPr anchorCtr="0" anchor="t" bIns="91425" lIns="91425" spcFirstLastPara="1" rIns="91425" wrap="square" tIns="91425">
-            <a:noAutofit/>
-          </a:bodyPr>
-          <a:lstStyle/>
-          <a:p>
-            <a:pPr indent="-336550" lvl="0" marL="457200" rtl="0" algn="l">
-              <a:spcBef>
-                <a:spcPts val="0"/>
-              </a:spcBef>
-              <a:spcAft>
-                <a:spcPts val="0"/>
-              </a:spcAft>
-              <a:buSzPts val="1700"/>
-              <a:buAutoNum type="arabicPeriod"/>
-            </a:pPr>
-            <a:r>
-              <a:rPr lang="fr" sz="1700"/>
-              <a:t>Sécuriser les données:  HDFS</a:t>
-            </a:r>
-            <a:endParaRPr sz="1700"/>
-          </a:p>
-          <a:p>
-            <a:pPr indent="-336550" lvl="1" marL="914400" rtl="0" algn="l">
-              <a:spcBef>
-                <a:spcPts val="0"/>
-              </a:spcBef>
-              <a:spcAft>
-                <a:spcPts val="0"/>
-              </a:spcAft>
-              <a:buSzPts val="1700"/>
-              <a:buAutoNum type="alphaLcPeriod"/>
-            </a:pPr>
-            <a:r>
-              <a:rPr lang="fr" sz="1700"/>
-              <a:t>Accident de manipulation des données : revenir à un état donnée</a:t>
-            </a:r>
-            <a:endParaRPr sz="1700"/>
-          </a:p>
-          <a:p>
-            <a:pPr indent="-336550" lvl="1" marL="914400" rtl="0" algn="l">
-              <a:spcBef>
-                <a:spcPts val="0"/>
-              </a:spcBef>
-              <a:spcAft>
-                <a:spcPts val="0"/>
-              </a:spcAft>
-              <a:buSzPts val="1700"/>
-              <a:buAutoNum type="alphaLcPeriod"/>
-            </a:pPr>
-            <a:r>
-              <a:rPr lang="fr" sz="1700"/>
-              <a:t>Eviter à tout prix de perdre les données: v</a:t>
-            </a:r>
-            <a:r>
-              <a:rPr lang="fr" sz="1700"/>
-              <a:t>errouillage</a:t>
-            </a:r>
-            <a:r>
-              <a:rPr lang="fr" sz="1700"/>
-              <a:t> </a:t>
-            </a:r>
-            <a:r>
-              <a:rPr lang="fr" sz="1700"/>
-              <a:t>d'accès</a:t>
-            </a:r>
-            <a:r>
-              <a:rPr lang="fr" sz="1700"/>
-              <a:t> en écriture</a:t>
-            </a:r>
-            <a:endParaRPr sz="1700"/>
-          </a:p>
-          <a:p>
-            <a:pPr indent="-336550" lvl="1" marL="914400" rtl="0" algn="l">
-              <a:spcBef>
-                <a:spcPts val="0"/>
-              </a:spcBef>
-              <a:spcAft>
-                <a:spcPts val="0"/>
-              </a:spcAft>
-              <a:buSzPts val="1700"/>
-              <a:buAutoNum type="alphaLcPeriod"/>
-            </a:pPr>
-            <a:r>
-              <a:rPr lang="fr" sz="1700"/>
-              <a:t>No</a:t>
-            </a:r>
-            <a:r>
-              <a:rPr lang="fr" sz="1700"/>
-              <a:t> single point of failure: distribuer les stockage</a:t>
-            </a:r>
-            <a:r>
-              <a:rPr lang="fr" sz="1700"/>
-              <a:t> des données en les dupliquant sur plusieurs machines </a:t>
-            </a:r>
-            <a:r>
-              <a:rPr lang="fr" sz="1700"/>
-              <a:t>pour ne pas dépendre que d’une seule machine </a:t>
-            </a:r>
-            <a:endParaRPr sz="1700"/>
-          </a:p>
-          <a:p>
-            <a:pPr indent="-336550" lvl="0" marL="457200" rtl="0" algn="l">
-              <a:spcBef>
-                <a:spcPts val="0"/>
-              </a:spcBef>
-              <a:spcAft>
-                <a:spcPts val="0"/>
-              </a:spcAft>
-              <a:buSzPts val="1700"/>
-              <a:buAutoNum type="arabicPeriod"/>
-            </a:pPr>
-            <a:r>
-              <a:rPr lang="fr" sz="1700"/>
-              <a:t>Faciliter la </a:t>
-            </a:r>
-            <a:r>
-              <a:rPr lang="fr" sz="1700"/>
-              <a:t>lecture: Avro </a:t>
-            </a:r>
-            <a:endParaRPr sz="1700"/>
-          </a:p>
-          <a:p>
-            <a:pPr indent="-336550" lvl="1" marL="914400" rtl="0" algn="l">
-              <a:spcBef>
-                <a:spcPts val="0"/>
-              </a:spcBef>
-              <a:spcAft>
-                <a:spcPts val="0"/>
-              </a:spcAft>
-              <a:buSzPts val="1700"/>
-              <a:buAutoNum type="alphaLcPeriod"/>
-            </a:pPr>
-            <a:r>
-              <a:rPr lang="fr" sz="1700"/>
-              <a:t>Sérialisation les données une seule fois</a:t>
-            </a:r>
-            <a:endParaRPr sz="1700"/>
-          </a:p>
-          <a:p>
-            <a:pPr indent="-336550" lvl="1" marL="914400" rtl="0" algn="l">
-              <a:spcBef>
-                <a:spcPts val="0"/>
-              </a:spcBef>
-              <a:spcAft>
-                <a:spcPts val="0"/>
-              </a:spcAft>
-              <a:buSzPts val="1700"/>
-              <a:buAutoNum type="alphaLcPeriod"/>
-            </a:pPr>
-            <a:r>
-              <a:rPr lang="fr" sz="1700"/>
-              <a:t>Schéma donne une aperçu des données et préparer les requêtes</a:t>
-            </a:r>
-            <a:endParaRPr sz="1700"/>
-          </a:p>
-          <a:p>
-            <a:pPr indent="-336550" lvl="0" marL="457200" rtl="0" algn="l">
-              <a:spcBef>
-                <a:spcPts val="0"/>
-              </a:spcBef>
-              <a:spcAft>
-                <a:spcPts val="0"/>
-              </a:spcAft>
-              <a:buSzPts val="1700"/>
-              <a:buAutoNum type="arabicPeriod"/>
-            </a:pPr>
-            <a:r>
-              <a:rPr lang="fr" sz="1700"/>
-              <a:t>Prendre en compte toutes les articles relatifs au sujet: graphFrame</a:t>
-            </a:r>
-            <a:endParaRPr sz="1700"/>
-          </a:p>
-          <a:p>
-            <a:pPr indent="-336550" lvl="1" marL="914400" rtl="0" algn="l">
-              <a:spcBef>
-                <a:spcPts val="0"/>
-              </a:spcBef>
-              <a:spcAft>
-                <a:spcPts val="0"/>
-              </a:spcAft>
-              <a:buSzPts val="1700"/>
-              <a:buAutoNum type="alphaLcPeriod"/>
-            </a:pPr>
-            <a:r>
-              <a:rPr lang="fr" sz="1700"/>
-              <a:t>Considérer l’importance des articles grâce à ses liens entrants et sortants</a:t>
-            </a:r>
-            <a:endParaRPr sz="1700"/>
-          </a:p>
-          <a:p>
-            <a:pPr indent="-336550" lvl="1" marL="914400" rtl="0" algn="l">
-              <a:spcBef>
-                <a:spcPts val="0"/>
-              </a:spcBef>
-              <a:spcAft>
-                <a:spcPts val="0"/>
-              </a:spcAft>
-              <a:buSzPts val="1700"/>
-              <a:buAutoNum type="alphaLcPeriod"/>
-            </a:pPr>
-            <a:r>
-              <a:rPr lang="fr" sz="1700"/>
-              <a:t>utilisation structure de graphe orientée</a:t>
-            </a:r>
-            <a:endParaRPr sz="1700"/>
-          </a:p>
-        </p:txBody>
-      </p:sp>
     </p:spTree>
   </p:cSld>
   <p:clrMapOvr>
@@ -15622,15 +16326,15 @@
         </p:nvSpPr>
         <p:spPr>
           <a:xfrm>
-            <a:off x="650750" y="0"/>
-            <a:ext cx="8493300" cy="565200"/>
+            <a:off x="1303800" y="98000"/>
+            <a:ext cx="7030500" cy="565200"/>
           </a:xfrm>
           <a:prstGeom prst="rect">
             <a:avLst/>
           </a:prstGeom>
         </p:spPr>
         <p:txBody>
-          <a:bodyPr anchorCtr="0" anchor="ctr" bIns="91425" lIns="91425" spcFirstLastPara="1" rIns="91425" wrap="square" tIns="91425">
+          <a:bodyPr anchorCtr="0" anchor="t" bIns="91425" lIns="91425" spcFirstLastPara="1" rIns="91425" wrap="square" tIns="91425">
             <a:noAutofit/>
           </a:bodyPr>
           <a:lstStyle/>
@@ -15646,23 +16350,11 @@
             </a:pPr>
             <a:r>
               <a:rPr lang="fr"/>
-              <a:t>2.a) Description de stockage: </a:t>
-            </a:r>
-            <a:r>
-              <a:rPr b="0" lang="fr" sz="2000"/>
-              <a:t>Structure d</a:t>
+              <a:t>c) Les enjeux</a:t>
             </a:r>
             <a:r>
               <a:rPr lang="fr" sz="2000"/>
-              <a:t>e notre</a:t>
-            </a:r>
-            <a:r>
-              <a:rPr lang="fr" sz="2000"/>
-              <a:t> </a:t>
-            </a:r>
-            <a:r>
-              <a:rPr lang="fr" sz="2000"/>
-              <a:t>data lake</a:t>
+              <a:t>:</a:t>
             </a:r>
             <a:endParaRPr b="0" sz="2000"/>
           </a:p>
@@ -15678,8 +16370,8 @@
         </p:nvSpPr>
         <p:spPr>
           <a:xfrm>
-            <a:off x="0" y="488075"/>
-            <a:ext cx="9060600" cy="4542900"/>
+            <a:off x="112625" y="663200"/>
+            <a:ext cx="7884300" cy="4254900"/>
           </a:xfrm>
           <a:prstGeom prst="rect">
             <a:avLst/>
@@ -15691,669 +16383,206 @@
           </a:bodyPr>
           <a:lstStyle/>
           <a:p>
-            <a:pPr indent="-317500" lvl="0" marL="457200" rtl="0" algn="l">
-              <a:spcBef>
-                <a:spcPts val="0"/>
-              </a:spcBef>
-              <a:spcAft>
-                <a:spcPts val="0"/>
-              </a:spcAft>
-              <a:buSzPts val="1400"/>
-              <a:buChar char="●"/>
-            </a:pPr>
-            <a:r>
-              <a:rPr b="1" lang="fr" sz="1200">
-                <a:solidFill>
-                  <a:srgbClr val="000000"/>
-                </a:solidFill>
-                <a:latin typeface="Arial"/>
-                <a:ea typeface="Arial"/>
-                <a:cs typeface="Arial"/>
-                <a:sym typeface="Arial"/>
-              </a:rPr>
-              <a:t>/data/</a:t>
-            </a:r>
-            <a:r>
-              <a:rPr lang="fr" sz="1200">
-                <a:solidFill>
-                  <a:srgbClr val="000000"/>
-                </a:solidFill>
-                <a:latin typeface="Arial"/>
-                <a:ea typeface="Arial"/>
-                <a:cs typeface="Arial"/>
-                <a:sym typeface="Arial"/>
-              </a:rPr>
-              <a:t> : Contient tous nos données</a:t>
-            </a:r>
-            <a:endParaRPr sz="1200">
-              <a:solidFill>
-                <a:srgbClr val="000000"/>
-              </a:solidFill>
-              <a:latin typeface="Arial"/>
-              <a:ea typeface="Arial"/>
-              <a:cs typeface="Arial"/>
-              <a:sym typeface="Arial"/>
-            </a:endParaRPr>
-          </a:p>
-          <a:p>
-            <a:pPr indent="-317500" lvl="0" marL="457200" rtl="0" algn="l">
-              <a:spcBef>
-                <a:spcPts val="0"/>
-              </a:spcBef>
-              <a:spcAft>
-                <a:spcPts val="0"/>
-              </a:spcAft>
-              <a:buSzPts val="1400"/>
-              <a:buChar char="●"/>
-            </a:pPr>
-            <a:r>
-              <a:rPr b="1" lang="fr" sz="1200">
-                <a:solidFill>
-                  <a:srgbClr val="000000"/>
-                </a:solidFill>
-                <a:latin typeface="Arial"/>
-                <a:ea typeface="Arial"/>
-                <a:cs typeface="Arial"/>
-                <a:sym typeface="Arial"/>
-              </a:rPr>
-              <a:t>/data/.snapshot/s20200720-163848.488/*</a:t>
-            </a:r>
-            <a:r>
-              <a:rPr lang="fr" sz="1200">
-                <a:solidFill>
-                  <a:srgbClr val="000000"/>
-                </a:solidFill>
-                <a:latin typeface="Arial"/>
-                <a:ea typeface="Arial"/>
-                <a:cs typeface="Arial"/>
-                <a:sym typeface="Arial"/>
-              </a:rPr>
-              <a:t> : contient le snapshot de tous nos données</a:t>
-            </a:r>
-            <a:endParaRPr sz="1200">
-              <a:solidFill>
-                <a:srgbClr val="000000"/>
-              </a:solidFill>
-              <a:latin typeface="Arial"/>
-              <a:ea typeface="Arial"/>
-              <a:cs typeface="Arial"/>
-              <a:sym typeface="Arial"/>
-            </a:endParaRPr>
-          </a:p>
-          <a:p>
-            <a:pPr indent="-317500" lvl="0" marL="457200" rtl="0" algn="l">
-              <a:spcBef>
-                <a:spcPts val="0"/>
-              </a:spcBef>
-              <a:spcAft>
-                <a:spcPts val="0"/>
-              </a:spcAft>
-              <a:buSzPts val="1400"/>
-              <a:buChar char="●"/>
-            </a:pPr>
-            <a:r>
-              <a:rPr b="1" lang="fr" sz="1200">
-                <a:solidFill>
-                  <a:srgbClr val="000000"/>
-                </a:solidFill>
-                <a:latin typeface="Arial"/>
-                <a:ea typeface="Arial"/>
-                <a:cs typeface="Arial"/>
-                <a:sym typeface="Arial"/>
-              </a:rPr>
-              <a:t>/data/frwiki/</a:t>
-            </a:r>
-            <a:r>
-              <a:rPr lang="fr" sz="1200">
-                <a:solidFill>
-                  <a:srgbClr val="000000"/>
-                </a:solidFill>
-                <a:latin typeface="Arial"/>
-                <a:ea typeface="Arial"/>
-                <a:cs typeface="Arial"/>
-                <a:sym typeface="Arial"/>
-              </a:rPr>
-              <a:t> : contient tout ce qui provient de Wikipedia</a:t>
-            </a:r>
-            <a:endParaRPr sz="1200">
-              <a:solidFill>
-                <a:srgbClr val="000000"/>
-              </a:solidFill>
-              <a:latin typeface="Arial"/>
-              <a:ea typeface="Arial"/>
-              <a:cs typeface="Arial"/>
-              <a:sym typeface="Arial"/>
-            </a:endParaRPr>
-          </a:p>
-          <a:p>
-            <a:pPr indent="-317500" lvl="0" marL="457200" rtl="0" algn="l">
-              <a:spcBef>
-                <a:spcPts val="0"/>
-              </a:spcBef>
-              <a:spcAft>
-                <a:spcPts val="0"/>
-              </a:spcAft>
-              <a:buSzPts val="1400"/>
-              <a:buChar char="●"/>
-            </a:pPr>
-            <a:r>
-              <a:rPr b="1" lang="fr" sz="1200">
-                <a:solidFill>
-                  <a:srgbClr val="000000"/>
-                </a:solidFill>
-                <a:latin typeface="Arial"/>
-                <a:ea typeface="Arial"/>
-                <a:cs typeface="Arial"/>
-                <a:sym typeface="Arial"/>
-              </a:rPr>
-              <a:t>/data/frwiki/raw</a:t>
-            </a:r>
-            <a:r>
-              <a:rPr lang="fr" sz="1200">
-                <a:solidFill>
-                  <a:srgbClr val="000000"/>
-                </a:solidFill>
-                <a:latin typeface="Arial"/>
-                <a:ea typeface="Arial"/>
-                <a:cs typeface="Arial"/>
-                <a:sym typeface="Arial"/>
-              </a:rPr>
-              <a:t>/ : contient tous nos données brutes</a:t>
-            </a:r>
-            <a:endParaRPr sz="1200">
-              <a:solidFill>
-                <a:srgbClr val="000000"/>
-              </a:solidFill>
-              <a:latin typeface="Arial"/>
-              <a:ea typeface="Arial"/>
-              <a:cs typeface="Arial"/>
-              <a:sym typeface="Arial"/>
-            </a:endParaRPr>
-          </a:p>
-          <a:p>
-            <a:pPr indent="-317500" lvl="0" marL="457200" rtl="0" algn="l">
-              <a:spcBef>
-                <a:spcPts val="0"/>
-              </a:spcBef>
-              <a:spcAft>
-                <a:spcPts val="0"/>
-              </a:spcAft>
-              <a:buSzPts val="1400"/>
-              <a:buChar char="●"/>
-            </a:pPr>
-            <a:r>
-              <a:rPr lang="fr" sz="1200">
-                <a:solidFill>
-                  <a:srgbClr val="6AA84F"/>
-                </a:solidFill>
-                <a:latin typeface="Arial"/>
-                <a:ea typeface="Arial"/>
-                <a:cs typeface="Arial"/>
-                <a:sym typeface="Arial"/>
-              </a:rPr>
-              <a:t>/data/frwiki/raw/frwiki-20200201-pagelinks.sql</a:t>
-            </a:r>
-            <a:r>
-              <a:rPr lang="fr" sz="1200">
-                <a:solidFill>
-                  <a:srgbClr val="000000"/>
-                </a:solidFill>
-                <a:latin typeface="Arial"/>
-                <a:ea typeface="Arial"/>
-                <a:cs typeface="Arial"/>
-                <a:sym typeface="Arial"/>
-              </a:rPr>
-              <a:t> : fichier brute contenant les liens entre les pages (11.04 GB)</a:t>
-            </a:r>
-            <a:endParaRPr sz="1200">
-              <a:solidFill>
-                <a:srgbClr val="000000"/>
-              </a:solidFill>
-              <a:latin typeface="Arial"/>
-              <a:ea typeface="Arial"/>
-              <a:cs typeface="Arial"/>
-              <a:sym typeface="Arial"/>
-            </a:endParaRPr>
-          </a:p>
-          <a:p>
-            <a:pPr indent="-317500" lvl="0" marL="457200" rtl="0" algn="l">
-              <a:spcBef>
-                <a:spcPts val="0"/>
-              </a:spcBef>
-              <a:spcAft>
-                <a:spcPts val="0"/>
-              </a:spcAft>
-              <a:buSzPts val="1400"/>
-              <a:buChar char="●"/>
-            </a:pPr>
-            <a:r>
-              <a:rPr lang="fr" sz="1200">
-                <a:solidFill>
-                  <a:srgbClr val="6AA84F"/>
-                </a:solidFill>
-                <a:latin typeface="Arial"/>
-                <a:ea typeface="Arial"/>
-                <a:cs typeface="Arial"/>
-                <a:sym typeface="Arial"/>
-              </a:rPr>
-              <a:t>/data/frwiki/raw/frwiki-20200201-stub-meta-history.xml</a:t>
-            </a:r>
-            <a:r>
-              <a:rPr lang="fr" sz="1200">
-                <a:solidFill>
-                  <a:srgbClr val="000000"/>
-                </a:solidFill>
-                <a:latin typeface="Arial"/>
-                <a:ea typeface="Arial"/>
-                <a:cs typeface="Arial"/>
-                <a:sym typeface="Arial"/>
-              </a:rPr>
-              <a:t> : fichier brute contenant les informations et historique des  pages (70.72 GB)</a:t>
-            </a:r>
-            <a:endParaRPr sz="1200">
-              <a:solidFill>
-                <a:srgbClr val="000000"/>
-              </a:solidFill>
-              <a:latin typeface="Arial"/>
-              <a:ea typeface="Arial"/>
-              <a:cs typeface="Arial"/>
-              <a:sym typeface="Arial"/>
-            </a:endParaRPr>
-          </a:p>
-          <a:p>
-            <a:pPr indent="-317500" lvl="0" marL="457200" rtl="0" algn="l">
-              <a:spcBef>
-                <a:spcPts val="0"/>
-              </a:spcBef>
-              <a:spcAft>
-                <a:spcPts val="0"/>
-              </a:spcAft>
-              <a:buSzPts val="1400"/>
-              <a:buChar char="●"/>
-            </a:pPr>
-            <a:r>
-              <a:rPr b="1" lang="fr" sz="1200">
-                <a:solidFill>
-                  <a:srgbClr val="000000"/>
-                </a:solidFill>
-                <a:latin typeface="Arial"/>
-                <a:ea typeface="Arial"/>
-                <a:cs typeface="Arial"/>
-                <a:sym typeface="Arial"/>
-              </a:rPr>
-              <a:t>/data/frwiki/frwiki-20200201/</a:t>
-            </a:r>
-            <a:r>
-              <a:rPr lang="fr" sz="1200">
-                <a:solidFill>
-                  <a:srgbClr val="000000"/>
-                </a:solidFill>
-                <a:latin typeface="Arial"/>
-                <a:ea typeface="Arial"/>
-                <a:cs typeface="Arial"/>
-                <a:sym typeface="Arial"/>
-              </a:rPr>
-              <a:t> : contient tout ce qui provient des données brutes du 1er février 2020</a:t>
-            </a:r>
-            <a:endParaRPr sz="1200">
-              <a:solidFill>
-                <a:srgbClr val="000000"/>
-              </a:solidFill>
-              <a:latin typeface="Arial"/>
-              <a:ea typeface="Arial"/>
-              <a:cs typeface="Arial"/>
-              <a:sym typeface="Arial"/>
-            </a:endParaRPr>
-          </a:p>
-          <a:p>
-            <a:pPr indent="-317500" lvl="0" marL="457200" rtl="0" algn="l">
-              <a:spcBef>
-                <a:spcPts val="0"/>
-              </a:spcBef>
-              <a:spcAft>
-                <a:spcPts val="0"/>
-              </a:spcAft>
-              <a:buSzPts val="1400"/>
-              <a:buChar char="●"/>
-            </a:pPr>
-            <a:r>
-              <a:rPr lang="fr" sz="1200">
-                <a:solidFill>
-                  <a:srgbClr val="000000"/>
-                </a:solidFill>
-                <a:latin typeface="Arial"/>
-                <a:ea typeface="Arial"/>
-                <a:cs typeface="Arial"/>
-                <a:sym typeface="Arial"/>
-              </a:rPr>
+            <a:pPr indent="-336550" lvl="0" marL="457200" rtl="0" algn="l">
+              <a:spcBef>
+                <a:spcPts val="0"/>
+              </a:spcBef>
+              <a:spcAft>
+                <a:spcPts val="0"/>
+              </a:spcAft>
+              <a:buSzPts val="1700"/>
+              <a:buAutoNum type="arabicPeriod"/>
+            </a:pPr>
+            <a:r>
+              <a:rPr lang="fr" sz="1700"/>
+              <a:t>Sécuriser les données:  HDFS</a:t>
+            </a:r>
+            <a:endParaRPr sz="1700"/>
+          </a:p>
+          <a:p>
+            <a:pPr indent="-336550" lvl="1" marL="914400" rtl="0" algn="l">
+              <a:spcBef>
+                <a:spcPts val="0"/>
+              </a:spcBef>
+              <a:spcAft>
+                <a:spcPts val="0"/>
+              </a:spcAft>
+              <a:buSzPts val="1700"/>
+              <a:buAutoNum type="alphaLcPeriod"/>
+            </a:pPr>
+            <a:r>
+              <a:rPr lang="fr" sz="1700"/>
+              <a:t>Accident de manipulation des données : revenir à un état donnée</a:t>
+            </a:r>
+            <a:endParaRPr sz="1700"/>
+          </a:p>
+          <a:p>
+            <a:pPr indent="-336550" lvl="1" marL="914400" rtl="0" algn="l">
+              <a:spcBef>
+                <a:spcPts val="0"/>
+              </a:spcBef>
+              <a:spcAft>
+                <a:spcPts val="0"/>
+              </a:spcAft>
+              <a:buSzPts val="1700"/>
+              <a:buAutoNum type="alphaLcPeriod"/>
+            </a:pPr>
+            <a:r>
+              <a:rPr lang="fr" sz="1700"/>
+              <a:t>Eviter à tout prix de perdre les données: v</a:t>
+            </a:r>
+            <a:r>
+              <a:rPr lang="fr" sz="1700"/>
+              <a:t>errouillage</a:t>
+            </a:r>
+            <a:r>
+              <a:rPr lang="fr" sz="1700"/>
               <a:t> </a:t>
             </a:r>
             <a:r>
-              <a:rPr b="1" lang="fr" sz="1200">
-                <a:solidFill>
-                  <a:srgbClr val="000000"/>
-                </a:solidFill>
-                <a:latin typeface="Arial"/>
-                <a:ea typeface="Arial"/>
-                <a:cs typeface="Arial"/>
-                <a:sym typeface="Arial"/>
-              </a:rPr>
-              <a:t>/data/frwiki/frwiki-20200201/master/</a:t>
-            </a:r>
-            <a:r>
-              <a:rPr lang="fr" sz="1200">
-                <a:solidFill>
-                  <a:srgbClr val="000000"/>
-                </a:solidFill>
-                <a:latin typeface="Arial"/>
-                <a:ea typeface="Arial"/>
-                <a:cs typeface="Arial"/>
-                <a:sym typeface="Arial"/>
-              </a:rPr>
-              <a:t> : contient tous les jeux de données provenant des données brutes wikipédia du 1er février 2020</a:t>
-            </a:r>
-            <a:endParaRPr sz="1200">
-              <a:solidFill>
-                <a:srgbClr val="000000"/>
-              </a:solidFill>
-              <a:latin typeface="Arial"/>
-              <a:ea typeface="Arial"/>
-              <a:cs typeface="Arial"/>
-              <a:sym typeface="Arial"/>
-            </a:endParaRPr>
-          </a:p>
-          <a:p>
-            <a:pPr indent="-317500" lvl="0" marL="457200" rtl="0" algn="l">
-              <a:spcBef>
-                <a:spcPts val="0"/>
-              </a:spcBef>
-              <a:spcAft>
-                <a:spcPts val="0"/>
-              </a:spcAft>
-              <a:buSzPts val="1400"/>
-              <a:buChar char="●"/>
-            </a:pPr>
-            <a:r>
-              <a:rPr lang="fr" sz="1200">
-                <a:solidFill>
-                  <a:srgbClr val="6AA84F"/>
-                </a:solidFill>
-                <a:latin typeface="Arial"/>
-                <a:ea typeface="Arial"/>
-                <a:cs typeface="Arial"/>
-                <a:sym typeface="Arial"/>
-              </a:rPr>
-              <a:t>/data/frwiki/frwiki-20200201/master/pagelink.avsc</a:t>
-            </a:r>
-            <a:r>
-              <a:rPr lang="fr" sz="1200">
-                <a:solidFill>
-                  <a:srgbClr val="000000"/>
-                </a:solidFill>
-                <a:latin typeface="Arial"/>
-                <a:ea typeface="Arial"/>
-                <a:cs typeface="Arial"/>
-                <a:sym typeface="Arial"/>
-              </a:rPr>
-              <a:t> : schéma avro utilisé pour sérialiser les liens des pages</a:t>
-            </a:r>
-            <a:endParaRPr sz="1200">
-              <a:solidFill>
-                <a:srgbClr val="000000"/>
-              </a:solidFill>
-              <a:latin typeface="Arial"/>
-              <a:ea typeface="Arial"/>
-              <a:cs typeface="Arial"/>
-              <a:sym typeface="Arial"/>
-            </a:endParaRPr>
-          </a:p>
-          <a:p>
-            <a:pPr indent="-317500" lvl="0" marL="457200" rtl="0" algn="l">
-              <a:spcBef>
-                <a:spcPts val="0"/>
-              </a:spcBef>
-              <a:spcAft>
-                <a:spcPts val="0"/>
-              </a:spcAft>
-              <a:buSzPts val="1400"/>
-              <a:buChar char="●"/>
-            </a:pPr>
-            <a:r>
-              <a:rPr lang="fr" sz="1200">
-                <a:solidFill>
-                  <a:srgbClr val="6AA84F"/>
-                </a:solidFill>
-                <a:latin typeface="Arial"/>
-                <a:ea typeface="Arial"/>
-                <a:cs typeface="Arial"/>
-                <a:sym typeface="Arial"/>
-              </a:rPr>
-              <a:t>/data/frwiki/frwiki-20200201/master/pageshistory.avsc</a:t>
-            </a:r>
-            <a:r>
-              <a:rPr lang="fr" sz="1200">
-                <a:solidFill>
-                  <a:srgbClr val="000000"/>
-                </a:solidFill>
-                <a:latin typeface="Arial"/>
-                <a:ea typeface="Arial"/>
-                <a:cs typeface="Arial"/>
-                <a:sym typeface="Arial"/>
-              </a:rPr>
-              <a:t> : schéma avro utilisé pour sérialiser l’historique et les informations concernant les pages</a:t>
-            </a:r>
-            <a:endParaRPr sz="1200">
-              <a:solidFill>
-                <a:srgbClr val="000000"/>
-              </a:solidFill>
-              <a:latin typeface="Arial"/>
-              <a:ea typeface="Arial"/>
-              <a:cs typeface="Arial"/>
-              <a:sym typeface="Arial"/>
-            </a:endParaRPr>
-          </a:p>
-          <a:p>
-            <a:pPr indent="-317500" lvl="0" marL="457200" rtl="0" algn="l">
-              <a:spcBef>
-                <a:spcPts val="0"/>
-              </a:spcBef>
-              <a:spcAft>
-                <a:spcPts val="0"/>
-              </a:spcAft>
-              <a:buSzPts val="1400"/>
-              <a:buChar char="●"/>
-            </a:pPr>
-            <a:r>
-              <a:rPr b="1" lang="fr" sz="1200">
-                <a:solidFill>
-                  <a:srgbClr val="000000"/>
-                </a:solidFill>
-                <a:latin typeface="Arial"/>
-                <a:ea typeface="Arial"/>
-                <a:cs typeface="Arial"/>
-                <a:sym typeface="Arial"/>
-              </a:rPr>
-              <a:t>/data/frwiki/frwiki-20200201/master/full/</a:t>
-            </a:r>
-            <a:r>
-              <a:rPr lang="fr" sz="1200">
-                <a:solidFill>
-                  <a:srgbClr val="000000"/>
-                </a:solidFill>
-                <a:latin typeface="Arial"/>
-                <a:ea typeface="Arial"/>
-                <a:cs typeface="Arial"/>
-                <a:sym typeface="Arial"/>
-              </a:rPr>
-              <a:t> : contient tous les données sérialisé (complet)</a:t>
-            </a:r>
-            <a:endParaRPr sz="1200">
-              <a:solidFill>
-                <a:srgbClr val="000000"/>
-              </a:solidFill>
-              <a:latin typeface="Arial"/>
-              <a:ea typeface="Arial"/>
-              <a:cs typeface="Arial"/>
-              <a:sym typeface="Arial"/>
-            </a:endParaRPr>
-          </a:p>
-          <a:p>
-            <a:pPr indent="-317500" lvl="0" marL="457200" rtl="0" algn="l">
-              <a:spcBef>
-                <a:spcPts val="0"/>
-              </a:spcBef>
-              <a:spcAft>
-                <a:spcPts val="0"/>
-              </a:spcAft>
-              <a:buSzPts val="1400"/>
-              <a:buChar char="●"/>
-            </a:pPr>
-            <a:r>
-              <a:rPr lang="fr" sz="1200">
-                <a:solidFill>
-                  <a:srgbClr val="6AA84F"/>
-                </a:solidFill>
-                <a:latin typeface="Arial"/>
-                <a:ea typeface="Arial"/>
-                <a:cs typeface="Arial"/>
-                <a:sym typeface="Arial"/>
-              </a:rPr>
-              <a:t>/data/frwiki/frwiki-20200201/master/full/frwiki-20200201-pagelinks-*.avro</a:t>
-            </a:r>
-            <a:r>
-              <a:rPr lang="fr" sz="1200">
-                <a:solidFill>
-                  <a:srgbClr val="000000"/>
-                </a:solidFill>
-                <a:latin typeface="Arial"/>
-                <a:ea typeface="Arial"/>
-                <a:cs typeface="Arial"/>
-                <a:sym typeface="Arial"/>
-              </a:rPr>
-              <a:t>: pages links sérialisés</a:t>
-            </a:r>
-            <a:endParaRPr sz="1200">
-              <a:solidFill>
-                <a:srgbClr val="000000"/>
-              </a:solidFill>
-              <a:latin typeface="Arial"/>
-              <a:ea typeface="Arial"/>
-              <a:cs typeface="Arial"/>
-              <a:sym typeface="Arial"/>
-            </a:endParaRPr>
-          </a:p>
-          <a:p>
-            <a:pPr indent="-317500" lvl="0" marL="457200" rtl="0" algn="l">
-              <a:spcBef>
-                <a:spcPts val="0"/>
-              </a:spcBef>
-              <a:spcAft>
-                <a:spcPts val="0"/>
-              </a:spcAft>
-              <a:buSzPts val="1400"/>
-              <a:buChar char="●"/>
-            </a:pPr>
-            <a:r>
-              <a:rPr lang="fr" sz="1200">
-                <a:solidFill>
-                  <a:srgbClr val="6AA84F"/>
-                </a:solidFill>
-                <a:latin typeface="Arial"/>
-                <a:ea typeface="Arial"/>
-                <a:cs typeface="Arial"/>
-                <a:sym typeface="Arial"/>
-              </a:rPr>
-              <a:t>/data/frwiki/frwiki-20200201/master/full/frwiki-20200201-stub-meta-history-*.avro</a:t>
-            </a:r>
-            <a:r>
-              <a:rPr lang="fr" sz="1200">
-                <a:solidFill>
-                  <a:srgbClr val="000000"/>
-                </a:solidFill>
-                <a:latin typeface="Arial"/>
-                <a:ea typeface="Arial"/>
-                <a:cs typeface="Arial"/>
-                <a:sym typeface="Arial"/>
-              </a:rPr>
-              <a:t> : history sérialisé</a:t>
-            </a:r>
-            <a:endParaRPr sz="1200">
-              <a:solidFill>
-                <a:srgbClr val="000000"/>
-              </a:solidFill>
-              <a:latin typeface="Arial"/>
-              <a:ea typeface="Arial"/>
-              <a:cs typeface="Arial"/>
-              <a:sym typeface="Arial"/>
-            </a:endParaRPr>
-          </a:p>
-          <a:p>
-            <a:pPr indent="-317500" lvl="0" marL="457200" rtl="0" algn="l">
-              <a:spcBef>
-                <a:spcPts val="0"/>
-              </a:spcBef>
-              <a:spcAft>
-                <a:spcPts val="0"/>
-              </a:spcAft>
-              <a:buSzPts val="1400"/>
-              <a:buChar char="●"/>
-            </a:pPr>
-            <a:r>
-              <a:rPr b="1" lang="fr" sz="1200">
-                <a:solidFill>
-                  <a:srgbClr val="000000"/>
-                </a:solidFill>
-                <a:latin typeface="Arial"/>
-                <a:ea typeface="Arial"/>
-                <a:cs typeface="Arial"/>
-                <a:sym typeface="Arial"/>
-              </a:rPr>
-              <a:t>/data/frwiki/frwiki-20200201/master/test/</a:t>
-            </a:r>
-            <a:r>
-              <a:rPr lang="fr" sz="1200">
-                <a:solidFill>
-                  <a:srgbClr val="000000"/>
-                </a:solidFill>
-                <a:latin typeface="Arial"/>
-                <a:ea typeface="Arial"/>
-                <a:cs typeface="Arial"/>
-                <a:sym typeface="Arial"/>
-              </a:rPr>
-              <a:t> : contient des échantillons de jeux de données sérialisés ==&gt; pour faire des tests de traitement ou d’observer des de nos données</a:t>
-            </a:r>
-            <a:endParaRPr sz="1400"/>
-          </a:p>
-          <a:p>
-            <a:pPr indent="0" lvl="0" marL="0" rtl="0" algn="l">
-              <a:spcBef>
-                <a:spcPts val="0"/>
-              </a:spcBef>
-              <a:spcAft>
-                <a:spcPts val="0"/>
-              </a:spcAft>
-              <a:buNone/>
-            </a:pPr>
-            <a:r>
-              <a:rPr lang="fr" sz="1400"/>
-              <a:t> </a:t>
-            </a:r>
-            <a:endParaRPr sz="1400"/>
-          </a:p>
-          <a:p>
-            <a:pPr indent="0" lvl="0" marL="0" rtl="0" algn="l">
-              <a:spcBef>
-                <a:spcPts val="0"/>
-              </a:spcBef>
-              <a:spcAft>
-                <a:spcPts val="0"/>
-              </a:spcAft>
-              <a:buNone/>
-            </a:pPr>
-            <a:r>
-              <a:t/>
-            </a:r>
-            <a:endParaRPr sz="1400"/>
+              <a:rPr lang="fr" sz="1700"/>
+              <a:t>d'accès</a:t>
+            </a:r>
+            <a:r>
+              <a:rPr lang="fr" sz="1700"/>
+              <a:t> en écriture</a:t>
+            </a:r>
+            <a:endParaRPr sz="1700"/>
+          </a:p>
+          <a:p>
+            <a:pPr indent="-336550" lvl="1" marL="914400" rtl="0" algn="l">
+              <a:spcBef>
+                <a:spcPts val="0"/>
+              </a:spcBef>
+              <a:spcAft>
+                <a:spcPts val="0"/>
+              </a:spcAft>
+              <a:buSzPts val="1700"/>
+              <a:buAutoNum type="alphaLcPeriod"/>
+            </a:pPr>
+            <a:r>
+              <a:rPr lang="fr" sz="1700"/>
+              <a:t>No</a:t>
+            </a:r>
+            <a:r>
+              <a:rPr lang="fr" sz="1700"/>
+              <a:t> single point of failure: distribuer les stockage</a:t>
+            </a:r>
+            <a:r>
+              <a:rPr lang="fr" sz="1700"/>
+              <a:t> des données en les dupliquant sur plusieurs machines </a:t>
+            </a:r>
+            <a:r>
+              <a:rPr lang="fr" sz="1700"/>
+              <a:t>pour ne pas dépendre que d’une seule machine </a:t>
+            </a:r>
+            <a:endParaRPr sz="1700"/>
+          </a:p>
+          <a:p>
+            <a:pPr indent="-336550" lvl="0" marL="457200" rtl="0" algn="l">
+              <a:spcBef>
+                <a:spcPts val="0"/>
+              </a:spcBef>
+              <a:spcAft>
+                <a:spcPts val="0"/>
+              </a:spcAft>
+              <a:buSzPts val="1700"/>
+              <a:buAutoNum type="arabicPeriod"/>
+            </a:pPr>
+            <a:r>
+              <a:rPr lang="fr" sz="1700"/>
+              <a:t>Faciliter la </a:t>
+            </a:r>
+            <a:r>
+              <a:rPr lang="fr" sz="1700"/>
+              <a:t>lecture: Avro </a:t>
+            </a:r>
+            <a:endParaRPr sz="1700"/>
+          </a:p>
+          <a:p>
+            <a:pPr indent="-336550" lvl="1" marL="914400" rtl="0" algn="l">
+              <a:spcBef>
+                <a:spcPts val="0"/>
+              </a:spcBef>
+              <a:spcAft>
+                <a:spcPts val="0"/>
+              </a:spcAft>
+              <a:buSzPts val="1700"/>
+              <a:buAutoNum type="alphaLcPeriod"/>
+            </a:pPr>
+            <a:r>
+              <a:rPr lang="fr" sz="1700"/>
+              <a:t>Sérialisation les données une seule fois</a:t>
+            </a:r>
+            <a:endParaRPr sz="1700"/>
+          </a:p>
+          <a:p>
+            <a:pPr indent="-336550" lvl="1" marL="914400" rtl="0" algn="l">
+              <a:spcBef>
+                <a:spcPts val="0"/>
+              </a:spcBef>
+              <a:spcAft>
+                <a:spcPts val="0"/>
+              </a:spcAft>
+              <a:buSzPts val="1700"/>
+              <a:buAutoNum type="alphaLcPeriod"/>
+            </a:pPr>
+            <a:r>
+              <a:rPr lang="fr" sz="1700"/>
+              <a:t>Schéma donne une aperçu des données et préparer les requêtes</a:t>
+            </a:r>
+            <a:endParaRPr sz="1700"/>
+          </a:p>
+          <a:p>
+            <a:pPr indent="-336550" lvl="0" marL="457200" rtl="0" algn="l">
+              <a:spcBef>
+                <a:spcPts val="0"/>
+              </a:spcBef>
+              <a:spcAft>
+                <a:spcPts val="0"/>
+              </a:spcAft>
+              <a:buSzPts val="1700"/>
+              <a:buAutoNum type="arabicPeriod"/>
+            </a:pPr>
+            <a:r>
+              <a:rPr lang="fr" sz="1700"/>
+              <a:t>Prendre en compte toutes les articles relatifs au sujet: graphFrame</a:t>
+            </a:r>
+            <a:endParaRPr sz="1700"/>
+          </a:p>
+          <a:p>
+            <a:pPr indent="-336550" lvl="1" marL="914400" rtl="0" algn="l">
+              <a:spcBef>
+                <a:spcPts val="0"/>
+              </a:spcBef>
+              <a:spcAft>
+                <a:spcPts val="0"/>
+              </a:spcAft>
+              <a:buSzPts val="1700"/>
+              <a:buAutoNum type="alphaLcPeriod"/>
+            </a:pPr>
+            <a:r>
+              <a:rPr lang="fr" sz="1700"/>
+              <a:t>Considérer l’importance des articles grâce à ses liens entrants et sortants</a:t>
+            </a:r>
+            <a:endParaRPr sz="1700"/>
+          </a:p>
+          <a:p>
+            <a:pPr indent="-336550" lvl="1" marL="914400" rtl="0" algn="l">
+              <a:spcBef>
+                <a:spcPts val="0"/>
+              </a:spcBef>
+              <a:spcAft>
+                <a:spcPts val="0"/>
+              </a:spcAft>
+              <a:buSzPts val="1700"/>
+              <a:buAutoNum type="alphaLcPeriod"/>
+            </a:pPr>
+            <a:r>
+              <a:rPr lang="fr" sz="1700"/>
+              <a:t>utilisation structure de graphe orientée</a:t>
+            </a:r>
+            <a:endParaRPr sz="1700"/>
           </a:p>
         </p:txBody>
       </p:sp>
@@ -16392,76 +16621,36 @@
         </p:nvSpPr>
         <p:spPr>
           <a:xfrm>
-            <a:off x="362925" y="0"/>
-            <a:ext cx="8710200" cy="565200"/>
+            <a:off x="311700" y="1405050"/>
+            <a:ext cx="8520600" cy="1166700"/>
           </a:xfrm>
           <a:prstGeom prst="rect">
             <a:avLst/>
           </a:prstGeom>
         </p:spPr>
         <p:txBody>
-          <a:bodyPr anchorCtr="0" anchor="t" bIns="91425" lIns="91425" spcFirstLastPara="1" rIns="91425" wrap="square" tIns="91425">
+          <a:bodyPr anchorCtr="0" anchor="ctr" bIns="91425" lIns="91425" spcFirstLastPara="1" rIns="91425" wrap="square" tIns="91425">
             <a:noAutofit/>
           </a:bodyPr>
           <a:lstStyle/>
           <a:p>
-            <a:pPr indent="0" lvl="0" marL="0" rtl="0" algn="l">
-              <a:spcBef>
-                <a:spcPts val="0"/>
-              </a:spcBef>
-              <a:spcAft>
-                <a:spcPts val="0"/>
-              </a:spcAft>
-              <a:buNone/>
-            </a:pPr>
-            <a:r>
-              <a:rPr lang="fr"/>
-              <a:t>2.a) Description de stockage</a:t>
-            </a:r>
-            <a:r>
-              <a:rPr lang="fr"/>
-              <a:t>: </a:t>
-            </a:r>
-            <a:r>
-              <a:rPr b="0" lang="fr" sz="2000"/>
-              <a:t>Structure d</a:t>
-            </a:r>
-            <a:r>
-              <a:rPr lang="fr" sz="2000"/>
-              <a:t>e notre data lake</a:t>
-            </a:r>
-            <a:endParaRPr b="0" sz="2000"/>
+            <a:pPr indent="0" lvl="0" marL="0" rtl="0" algn="ctr">
+              <a:spcBef>
+                <a:spcPts val="0"/>
+              </a:spcBef>
+              <a:spcAft>
+                <a:spcPts val="0"/>
+              </a:spcAft>
+              <a:buNone/>
+            </a:pPr>
+            <a:r>
+              <a:rPr b="1" lang="fr" sz="4600"/>
+              <a:t>3. Description de stockage</a:t>
+            </a:r>
+            <a:endParaRPr b="1" sz="4600"/>
           </a:p>
         </p:txBody>
       </p:sp>
-      <p:pic>
-        <p:nvPicPr>
-          <p:cNvPr id="131" name="Google Shape;131;p20"/>
-          <p:cNvPicPr preferRelativeResize="0"/>
-          <p:nvPr/>
-        </p:nvPicPr>
-        <p:blipFill>
-          <a:blip r:embed="rId3">
-            <a:alphaModFix/>
-          </a:blip>
-          <a:stretch>
-            <a:fillRect/>
-          </a:stretch>
-        </p:blipFill>
-        <p:spPr>
-          <a:xfrm>
-            <a:off x="87600" y="565200"/>
-            <a:ext cx="7252374" cy="4513500"/>
-          </a:xfrm>
-          <a:prstGeom prst="rect">
-            <a:avLst/>
-          </a:prstGeom>
-          <a:noFill/>
-          <a:ln>
-            <a:noFill/>
-          </a:ln>
-        </p:spPr>
-      </p:pic>
     </p:spTree>
   </p:cSld>
   <p:clrMapOvr>
@@ -16475,7 +16664,7 @@
   <p:cSld>
     <p:spTree>
       <p:nvGrpSpPr>
-        <p:cNvPr id="135" name="Shape 135"/>
+        <p:cNvPr id="134" name="Shape 134"/>
         <p:cNvGrpSpPr/>
         <p:nvPr/>
       </p:nvGrpSpPr>
@@ -16489,7 +16678,7 @@
       </p:grpSpPr>
       <p:sp>
         <p:nvSpPr>
-          <p:cNvPr id="136" name="Google Shape;136;p21"/>
+          <p:cNvPr id="135" name="Google Shape;135;p21"/>
           <p:cNvSpPr txBox="1"/>
           <p:nvPr>
             <p:ph type="title"/>
@@ -16497,8 +16686,8 @@
         </p:nvSpPr>
         <p:spPr>
           <a:xfrm>
-            <a:off x="200225" y="0"/>
-            <a:ext cx="8397300" cy="475500"/>
+            <a:off x="650750" y="0"/>
+            <a:ext cx="8493300" cy="565200"/>
           </a:xfrm>
           <a:prstGeom prst="rect">
             <a:avLst/>
@@ -16521,15 +16710,15 @@
             </a:pPr>
             <a:r>
               <a:rPr lang="fr"/>
-              <a:t>2.b) Description de stockage: </a:t>
-            </a:r>
-            <a:r>
-              <a:rPr b="0" lang="fr" sz="2000"/>
-              <a:t>S</a:t>
-            </a:r>
-            <a:r>
-              <a:rPr lang="fr" sz="2000"/>
-              <a:t>écurisation des données</a:t>
+              <a:t>a) </a:t>
+            </a:r>
+            <a:r>
+              <a:rPr lang="fr"/>
+              <a:t>Structure de notre data lake</a:t>
+            </a:r>
+            <a:r>
+              <a:rPr lang="fr"/>
+              <a:t>: </a:t>
             </a:r>
             <a:endParaRPr b="0" sz="2000"/>
           </a:p>
@@ -16537,7 +16726,7 @@
       </p:sp>
       <p:sp>
         <p:nvSpPr>
-          <p:cNvPr id="137" name="Google Shape;137;p21"/>
+          <p:cNvPr id="136" name="Google Shape;136;p21"/>
           <p:cNvSpPr txBox="1"/>
           <p:nvPr>
             <p:ph idx="1" type="body"/>
@@ -16545,8 +16734,8 @@
         </p:nvSpPr>
         <p:spPr>
           <a:xfrm>
-            <a:off x="456725" y="475500"/>
-            <a:ext cx="7884300" cy="3416400"/>
+            <a:off x="0" y="488075"/>
+            <a:ext cx="9060600" cy="4542900"/>
           </a:xfrm>
           <a:prstGeom prst="rect">
             <a:avLst/>
@@ -16558,232 +16747,672 @@
           </a:bodyPr>
           <a:lstStyle/>
           <a:p>
-            <a:pPr indent="-336550" lvl="0" marL="457200" rtl="0" algn="l">
-              <a:spcBef>
-                <a:spcPts val="0"/>
-              </a:spcBef>
-              <a:spcAft>
-                <a:spcPts val="0"/>
-              </a:spcAft>
-              <a:buSzPts val="1700"/>
-              <a:buAutoNum type="arabicPeriod"/>
-            </a:pPr>
-            <a:r>
-              <a:rPr lang="fr" sz="1700"/>
-              <a:t>No single point of failure:</a:t>
-            </a:r>
-            <a:endParaRPr sz="1700"/>
-          </a:p>
-          <a:p>
-            <a:pPr indent="-336550" lvl="1" marL="914400" rtl="0" algn="l">
-              <a:spcBef>
-                <a:spcPts val="0"/>
-              </a:spcBef>
-              <a:spcAft>
-                <a:spcPts val="0"/>
-              </a:spcAft>
-              <a:buSzPts val="1700"/>
-              <a:buAutoNum type="alphaLcPeriod"/>
-            </a:pPr>
-            <a:r>
-              <a:rPr lang="fr" sz="1700"/>
-              <a:t>3 datanodes sur lesquels les données sont distribuées en blocs</a:t>
-            </a:r>
-            <a:endParaRPr sz="1700"/>
-          </a:p>
-          <a:p>
-            <a:pPr indent="-336550" lvl="1" marL="914400" rtl="0" algn="l">
-              <a:spcBef>
-                <a:spcPts val="0"/>
-              </a:spcBef>
-              <a:spcAft>
-                <a:spcPts val="0"/>
-              </a:spcAft>
-              <a:buSzPts val="1700"/>
-              <a:buAutoNum type="alphaLcPeriod"/>
-            </a:pPr>
-            <a:r>
-              <a:rPr lang="fr" sz="1700"/>
-              <a:t>Namenode secondaire: préserver les données du namenode en faisant des checkpoints régulièrement (toutes les heures)</a:t>
-            </a:r>
-            <a:endParaRPr sz="1700"/>
-          </a:p>
-          <a:p>
-            <a:pPr indent="-336550" lvl="0" marL="457200" rtl="0" algn="l">
-              <a:spcBef>
-                <a:spcPts val="0"/>
-              </a:spcBef>
-              <a:spcAft>
-                <a:spcPts val="0"/>
-              </a:spcAft>
-              <a:buSzPts val="1700"/>
-              <a:buAutoNum type="arabicPeriod"/>
-            </a:pPr>
-            <a:r>
-              <a:rPr lang="fr" sz="1700"/>
-              <a:t>Snapshot: permet de sauvegarder l’état d’un répertoire à un instant t donné</a:t>
-            </a:r>
-            <a:endParaRPr sz="1700"/>
-          </a:p>
-          <a:p>
-            <a:pPr indent="-336550" lvl="2" marL="1371600" rtl="0" algn="l">
-              <a:spcBef>
-                <a:spcPts val="0"/>
-              </a:spcBef>
-              <a:spcAft>
-                <a:spcPts val="0"/>
-              </a:spcAft>
-              <a:buSzPts val="1700"/>
-              <a:buAutoNum type="romanLcPeriod"/>
-            </a:pPr>
-            <a:r>
-              <a:rPr lang="fr" sz="1700"/>
-              <a:t>Rendre le répertoire “/data” snapshotable: </a:t>
-            </a:r>
-            <a:r>
-              <a:rPr i="1" lang="fr" sz="1000">
-                <a:solidFill>
-                  <a:srgbClr val="274E13"/>
-                </a:solidFill>
+            <a:pPr indent="-317500" lvl="0" marL="457200" rtl="0" algn="l">
+              <a:spcBef>
+                <a:spcPts val="0"/>
+              </a:spcBef>
+              <a:spcAft>
+                <a:spcPts val="0"/>
+              </a:spcAft>
+              <a:buSzPts val="1400"/>
+              <a:buChar char="●"/>
+            </a:pPr>
+            <a:r>
+              <a:rPr b="1" lang="fr" sz="1200">
+                <a:solidFill>
+                  <a:srgbClr val="000000"/>
+                </a:solidFill>
+                <a:latin typeface="Arial"/>
+                <a:ea typeface="Arial"/>
+                <a:cs typeface="Arial"/>
+                <a:sym typeface="Arial"/>
               </a:rPr>
-              <a:t>hdfs dfsadmin -allowSnapshot /data</a:t>
-            </a:r>
-            <a:endParaRPr i="1" sz="1000">
+              <a:t>/data/</a:t>
+            </a:r>
+            <a:r>
+              <a:rPr lang="fr" sz="1200">
+                <a:solidFill>
+                  <a:srgbClr val="000000"/>
+                </a:solidFill>
+                <a:latin typeface="Arial"/>
+                <a:ea typeface="Arial"/>
+                <a:cs typeface="Arial"/>
+                <a:sym typeface="Arial"/>
+              </a:rPr>
+              <a:t> : Contient tous nos données</a:t>
+            </a:r>
+            <a:endParaRPr sz="1200">
               <a:solidFill>
-                <a:srgbClr val="274E13"/>
+                <a:srgbClr val="000000"/>
               </a:solidFill>
+              <a:latin typeface="Arial"/>
+              <a:ea typeface="Arial"/>
+              <a:cs typeface="Arial"/>
+              <a:sym typeface="Arial"/>
             </a:endParaRPr>
           </a:p>
           <a:p>
-            <a:pPr indent="-336550" lvl="2" marL="1371600" rtl="0" algn="l">
-              <a:spcBef>
-                <a:spcPts val="0"/>
-              </a:spcBef>
-              <a:spcAft>
-                <a:spcPts val="0"/>
-              </a:spcAft>
-              <a:buSzPts val="1700"/>
-              <a:buAutoNum type="romanLcPeriod"/>
-            </a:pPr>
-            <a:r>
-              <a:rPr lang="fr" sz="1700"/>
-              <a:t>Créer des snapshot régulières au rep “/data”: </a:t>
-            </a:r>
-            <a:r>
-              <a:rPr i="1" lang="fr" sz="1000">
-                <a:solidFill>
-                  <a:srgbClr val="38761D"/>
-                </a:solidFill>
+            <a:pPr indent="-317500" lvl="0" marL="457200" rtl="0" algn="l">
+              <a:spcBef>
+                <a:spcPts val="0"/>
+              </a:spcBef>
+              <a:spcAft>
+                <a:spcPts val="0"/>
+              </a:spcAft>
+              <a:buSzPts val="1400"/>
+              <a:buChar char="●"/>
+            </a:pPr>
+            <a:r>
+              <a:rPr b="1" lang="fr" sz="1200">
+                <a:solidFill>
+                  <a:srgbClr val="000000"/>
+                </a:solidFill>
+                <a:latin typeface="Arial"/>
+                <a:ea typeface="Arial"/>
+                <a:cs typeface="Arial"/>
+                <a:sym typeface="Arial"/>
               </a:rPr>
-              <a:t>hdfs dfs -createSnapshot /data</a:t>
-            </a:r>
-            <a:endParaRPr i="1" sz="1000">
+              <a:t>/data/.snapshot/s20200720-163848.488/*</a:t>
+            </a:r>
+            <a:r>
+              <a:rPr lang="fr" sz="1200">
+                <a:solidFill>
+                  <a:srgbClr val="000000"/>
+                </a:solidFill>
+                <a:latin typeface="Arial"/>
+                <a:ea typeface="Arial"/>
+                <a:cs typeface="Arial"/>
+                <a:sym typeface="Arial"/>
+              </a:rPr>
+              <a:t> : contient le snapshot de tous nos données</a:t>
+            </a:r>
+            <a:endParaRPr sz="1200">
               <a:solidFill>
-                <a:srgbClr val="38761D"/>
+                <a:srgbClr val="000000"/>
               </a:solidFill>
+              <a:latin typeface="Arial"/>
+              <a:ea typeface="Arial"/>
+              <a:cs typeface="Arial"/>
+              <a:sym typeface="Arial"/>
             </a:endParaRPr>
           </a:p>
           <a:p>
-            <a:pPr indent="-336550" lvl="2" marL="1371600" rtl="0" algn="l">
-              <a:spcBef>
-                <a:spcPts val="0"/>
-              </a:spcBef>
-              <a:spcAft>
-                <a:spcPts val="0"/>
-              </a:spcAft>
-              <a:buSzPts val="1700"/>
-              <a:buAutoNum type="romanLcPeriod"/>
-            </a:pPr>
-            <a:r>
-              <a:rPr lang="fr" sz="1700"/>
-              <a:t>Restaurer: </a:t>
-            </a:r>
-            <a:r>
-              <a:rPr i="1" lang="fr" sz="1000">
-                <a:solidFill>
-                  <a:srgbClr val="38761D"/>
-                </a:solidFill>
+            <a:pPr indent="-317500" lvl="0" marL="457200" rtl="0" algn="l">
+              <a:spcBef>
+                <a:spcPts val="0"/>
+              </a:spcBef>
+              <a:spcAft>
+                <a:spcPts val="0"/>
+              </a:spcAft>
+              <a:buSzPts val="1400"/>
+              <a:buChar char="●"/>
+            </a:pPr>
+            <a:r>
+              <a:rPr b="1" lang="fr" sz="1200">
+                <a:solidFill>
+                  <a:srgbClr val="000000"/>
+                </a:solidFill>
+                <a:latin typeface="Arial"/>
+                <a:ea typeface="Arial"/>
+                <a:cs typeface="Arial"/>
+                <a:sym typeface="Arial"/>
               </a:rPr>
-              <a:t>hdfs dfs -cp -f /data/.snapshot/s20200720-163848.488/* /data/</a:t>
-            </a:r>
-            <a:endParaRPr sz="1700">
+              <a:t>/data/frwiki/</a:t>
+            </a:r>
+            <a:r>
+              <a:rPr lang="fr" sz="1200">
+                <a:solidFill>
+                  <a:srgbClr val="000000"/>
+                </a:solidFill>
+                <a:latin typeface="Arial"/>
+                <a:ea typeface="Arial"/>
+                <a:cs typeface="Arial"/>
+                <a:sym typeface="Arial"/>
+              </a:rPr>
+              <a:t> : contient tout ce qui provient de Wikipedia</a:t>
+            </a:r>
+            <a:endParaRPr sz="1200">
               <a:solidFill>
-                <a:srgbClr val="38761D"/>
+                <a:srgbClr val="000000"/>
               </a:solidFill>
+              <a:latin typeface="Arial"/>
+              <a:ea typeface="Arial"/>
+              <a:cs typeface="Arial"/>
+              <a:sym typeface="Arial"/>
             </a:endParaRPr>
           </a:p>
           <a:p>
-            <a:pPr indent="-336550" lvl="0" marL="457200" rtl="0" algn="l">
-              <a:spcBef>
-                <a:spcPts val="0"/>
-              </a:spcBef>
-              <a:spcAft>
-                <a:spcPts val="0"/>
-              </a:spcAft>
-              <a:buSzPts val="1700"/>
-              <a:buAutoNum type="arabicPeriod"/>
-            </a:pPr>
-            <a:r>
-              <a:rPr lang="fr" sz="1700"/>
-              <a:t>Interdire l’accès en écriture sur les deux répertoire contenant les données brutes et données sérialisés (master dataset):</a:t>
-            </a:r>
-            <a:endParaRPr sz="1700"/>
-          </a:p>
-          <a:p>
-            <a:pPr indent="-336550" lvl="2" marL="1371600" rtl="0" algn="l">
-              <a:spcBef>
-                <a:spcPts val="0"/>
-              </a:spcBef>
-              <a:spcAft>
-                <a:spcPts val="0"/>
-              </a:spcAft>
-              <a:buSzPts val="1700"/>
-              <a:buAutoNum type="romanLcPeriod"/>
-            </a:pPr>
-            <a:r>
-              <a:rPr lang="fr" sz="1700"/>
-              <a:t>bash: </a:t>
-            </a:r>
-            <a:r>
-              <a:rPr b="1" i="1" lang="fr" sz="1200">
-                <a:solidFill>
-                  <a:srgbClr val="38761D"/>
-                </a:solidFill>
+            <a:pPr indent="-317500" lvl="0" marL="457200" rtl="0" algn="l">
+              <a:spcBef>
+                <a:spcPts val="0"/>
+              </a:spcBef>
+              <a:spcAft>
+                <a:spcPts val="0"/>
+              </a:spcAft>
+              <a:buSzPts val="1400"/>
+              <a:buChar char="●"/>
+            </a:pPr>
+            <a:r>
+              <a:rPr b="1" lang="fr" sz="1200">
+                <a:solidFill>
+                  <a:srgbClr val="000000"/>
+                </a:solidFill>
+                <a:latin typeface="Arial"/>
+                <a:ea typeface="Arial"/>
+                <a:cs typeface="Arial"/>
+                <a:sym typeface="Arial"/>
               </a:rPr>
-              <a:t>hdfs dfs -chmod -R ugo-w /data/frwiki/raw /data/frwiki/frwiki-20200201/master/full</a:t>
-            </a:r>
-            <a:endParaRPr sz="1700"/>
+              <a:t>/data/frwiki/raw</a:t>
+            </a:r>
+            <a:r>
+              <a:rPr lang="fr" sz="1200">
+                <a:solidFill>
+                  <a:srgbClr val="000000"/>
+                </a:solidFill>
+                <a:latin typeface="Arial"/>
+                <a:ea typeface="Arial"/>
+                <a:cs typeface="Arial"/>
+                <a:sym typeface="Arial"/>
+              </a:rPr>
+              <a:t>/ : contient tous nos données brutes</a:t>
+            </a:r>
+            <a:endParaRPr sz="1200">
+              <a:solidFill>
+                <a:srgbClr val="000000"/>
+              </a:solidFill>
+              <a:latin typeface="Arial"/>
+              <a:ea typeface="Arial"/>
+              <a:cs typeface="Arial"/>
+              <a:sym typeface="Arial"/>
+            </a:endParaRPr>
+          </a:p>
+          <a:p>
+            <a:pPr indent="-317500" lvl="0" marL="457200" rtl="0" algn="l">
+              <a:spcBef>
+                <a:spcPts val="0"/>
+              </a:spcBef>
+              <a:spcAft>
+                <a:spcPts val="0"/>
+              </a:spcAft>
+              <a:buSzPts val="1400"/>
+              <a:buChar char="●"/>
+            </a:pPr>
+            <a:r>
+              <a:rPr lang="fr" sz="1200">
+                <a:solidFill>
+                  <a:srgbClr val="6AA84F"/>
+                </a:solidFill>
+                <a:latin typeface="Arial"/>
+                <a:ea typeface="Arial"/>
+                <a:cs typeface="Arial"/>
+                <a:sym typeface="Arial"/>
+              </a:rPr>
+              <a:t>/data/frwiki/raw/frwiki-20200201-pagelinks.sql</a:t>
+            </a:r>
+            <a:r>
+              <a:rPr lang="fr" sz="1200">
+                <a:solidFill>
+                  <a:srgbClr val="000000"/>
+                </a:solidFill>
+                <a:latin typeface="Arial"/>
+                <a:ea typeface="Arial"/>
+                <a:cs typeface="Arial"/>
+                <a:sym typeface="Arial"/>
+              </a:rPr>
+              <a:t> : fichier brute contenant les liens entre les pages (11.04 GB)</a:t>
+            </a:r>
+            <a:endParaRPr sz="1200">
+              <a:solidFill>
+                <a:srgbClr val="000000"/>
+              </a:solidFill>
+              <a:latin typeface="Arial"/>
+              <a:ea typeface="Arial"/>
+              <a:cs typeface="Arial"/>
+              <a:sym typeface="Arial"/>
+            </a:endParaRPr>
+          </a:p>
+          <a:p>
+            <a:pPr indent="-317500" lvl="0" marL="457200" rtl="0" algn="l">
+              <a:spcBef>
+                <a:spcPts val="0"/>
+              </a:spcBef>
+              <a:spcAft>
+                <a:spcPts val="0"/>
+              </a:spcAft>
+              <a:buSzPts val="1400"/>
+              <a:buChar char="●"/>
+            </a:pPr>
+            <a:r>
+              <a:rPr lang="fr" sz="1200">
+                <a:solidFill>
+                  <a:srgbClr val="6AA84F"/>
+                </a:solidFill>
+                <a:latin typeface="Arial"/>
+                <a:ea typeface="Arial"/>
+                <a:cs typeface="Arial"/>
+                <a:sym typeface="Arial"/>
+              </a:rPr>
+              <a:t>/data/frwiki/raw/frwiki-20200201-stub-meta-history.xml</a:t>
+            </a:r>
+            <a:r>
+              <a:rPr lang="fr" sz="1200">
+                <a:solidFill>
+                  <a:srgbClr val="000000"/>
+                </a:solidFill>
+                <a:latin typeface="Arial"/>
+                <a:ea typeface="Arial"/>
+                <a:cs typeface="Arial"/>
+                <a:sym typeface="Arial"/>
+              </a:rPr>
+              <a:t> : fichier brute contenant les informations et historique des  pages (70.72 GB)</a:t>
+            </a:r>
+            <a:endParaRPr sz="1200">
+              <a:solidFill>
+                <a:srgbClr val="000000"/>
+              </a:solidFill>
+              <a:latin typeface="Arial"/>
+              <a:ea typeface="Arial"/>
+              <a:cs typeface="Arial"/>
+              <a:sym typeface="Arial"/>
+            </a:endParaRPr>
+          </a:p>
+          <a:p>
+            <a:pPr indent="-317500" lvl="0" marL="457200" rtl="0" algn="l">
+              <a:spcBef>
+                <a:spcPts val="0"/>
+              </a:spcBef>
+              <a:spcAft>
+                <a:spcPts val="0"/>
+              </a:spcAft>
+              <a:buSzPts val="1400"/>
+              <a:buChar char="●"/>
+            </a:pPr>
+            <a:r>
+              <a:rPr b="1" lang="fr" sz="1200">
+                <a:solidFill>
+                  <a:srgbClr val="000000"/>
+                </a:solidFill>
+                <a:latin typeface="Arial"/>
+                <a:ea typeface="Arial"/>
+                <a:cs typeface="Arial"/>
+                <a:sym typeface="Arial"/>
+              </a:rPr>
+              <a:t>/data/frwiki/frwiki-20200201/</a:t>
+            </a:r>
+            <a:r>
+              <a:rPr lang="fr" sz="1200">
+                <a:solidFill>
+                  <a:srgbClr val="000000"/>
+                </a:solidFill>
+                <a:latin typeface="Arial"/>
+                <a:ea typeface="Arial"/>
+                <a:cs typeface="Arial"/>
+                <a:sym typeface="Arial"/>
+              </a:rPr>
+              <a:t> : contient tout ce qui provient des données brutes du 1er février 2020</a:t>
+            </a:r>
+            <a:endParaRPr sz="1200">
+              <a:solidFill>
+                <a:srgbClr val="000000"/>
+              </a:solidFill>
+              <a:latin typeface="Arial"/>
+              <a:ea typeface="Arial"/>
+              <a:cs typeface="Arial"/>
+              <a:sym typeface="Arial"/>
+            </a:endParaRPr>
+          </a:p>
+          <a:p>
+            <a:pPr indent="-317500" lvl="0" marL="457200" rtl="0" algn="l">
+              <a:spcBef>
+                <a:spcPts val="0"/>
+              </a:spcBef>
+              <a:spcAft>
+                <a:spcPts val="0"/>
+              </a:spcAft>
+              <a:buSzPts val="1400"/>
+              <a:buChar char="●"/>
+            </a:pPr>
+            <a:r>
+              <a:rPr lang="fr" sz="1200">
+                <a:solidFill>
+                  <a:srgbClr val="000000"/>
+                </a:solidFill>
+                <a:latin typeface="Arial"/>
+                <a:ea typeface="Arial"/>
+                <a:cs typeface="Arial"/>
+                <a:sym typeface="Arial"/>
+              </a:rPr>
+              <a:t> </a:t>
+            </a:r>
+            <a:r>
+              <a:rPr b="1" lang="fr" sz="1200">
+                <a:solidFill>
+                  <a:srgbClr val="000000"/>
+                </a:solidFill>
+                <a:latin typeface="Arial"/>
+                <a:ea typeface="Arial"/>
+                <a:cs typeface="Arial"/>
+                <a:sym typeface="Arial"/>
+              </a:rPr>
+              <a:t>/data/frwiki/frwiki-20200201/master/</a:t>
+            </a:r>
+            <a:r>
+              <a:rPr lang="fr" sz="1200">
+                <a:solidFill>
+                  <a:srgbClr val="000000"/>
+                </a:solidFill>
+                <a:latin typeface="Arial"/>
+                <a:ea typeface="Arial"/>
+                <a:cs typeface="Arial"/>
+                <a:sym typeface="Arial"/>
+              </a:rPr>
+              <a:t> : contient tous les jeux de données provenant des données brutes wikipédia du 1er février 2020</a:t>
+            </a:r>
+            <a:endParaRPr sz="1200">
+              <a:solidFill>
+                <a:srgbClr val="000000"/>
+              </a:solidFill>
+              <a:latin typeface="Arial"/>
+              <a:ea typeface="Arial"/>
+              <a:cs typeface="Arial"/>
+              <a:sym typeface="Arial"/>
+            </a:endParaRPr>
+          </a:p>
+          <a:p>
+            <a:pPr indent="-317500" lvl="0" marL="457200" rtl="0" algn="l">
+              <a:spcBef>
+                <a:spcPts val="0"/>
+              </a:spcBef>
+              <a:spcAft>
+                <a:spcPts val="0"/>
+              </a:spcAft>
+              <a:buSzPts val="1400"/>
+              <a:buChar char="●"/>
+            </a:pPr>
+            <a:r>
+              <a:rPr lang="fr" sz="1200">
+                <a:solidFill>
+                  <a:srgbClr val="6AA84F"/>
+                </a:solidFill>
+                <a:latin typeface="Arial"/>
+                <a:ea typeface="Arial"/>
+                <a:cs typeface="Arial"/>
+                <a:sym typeface="Arial"/>
+              </a:rPr>
+              <a:t>/data/frwiki/frwiki-20200201/master/pagelink.avsc</a:t>
+            </a:r>
+            <a:r>
+              <a:rPr lang="fr" sz="1200">
+                <a:solidFill>
+                  <a:srgbClr val="000000"/>
+                </a:solidFill>
+                <a:latin typeface="Arial"/>
+                <a:ea typeface="Arial"/>
+                <a:cs typeface="Arial"/>
+                <a:sym typeface="Arial"/>
+              </a:rPr>
+              <a:t> : schéma avro utilisé pour sérialiser les liens des pages</a:t>
+            </a:r>
+            <a:endParaRPr sz="1200">
+              <a:solidFill>
+                <a:srgbClr val="000000"/>
+              </a:solidFill>
+              <a:latin typeface="Arial"/>
+              <a:ea typeface="Arial"/>
+              <a:cs typeface="Arial"/>
+              <a:sym typeface="Arial"/>
+            </a:endParaRPr>
+          </a:p>
+          <a:p>
+            <a:pPr indent="-317500" lvl="0" marL="457200" rtl="0" algn="l">
+              <a:spcBef>
+                <a:spcPts val="0"/>
+              </a:spcBef>
+              <a:spcAft>
+                <a:spcPts val="0"/>
+              </a:spcAft>
+              <a:buSzPts val="1400"/>
+              <a:buChar char="●"/>
+            </a:pPr>
+            <a:r>
+              <a:rPr lang="fr" sz="1200">
+                <a:solidFill>
+                  <a:srgbClr val="6AA84F"/>
+                </a:solidFill>
+                <a:latin typeface="Arial"/>
+                <a:ea typeface="Arial"/>
+                <a:cs typeface="Arial"/>
+                <a:sym typeface="Arial"/>
+              </a:rPr>
+              <a:t>/data/frwiki/frwiki-20200201/master/pageshistory.avsc</a:t>
+            </a:r>
+            <a:r>
+              <a:rPr lang="fr" sz="1200">
+                <a:solidFill>
+                  <a:srgbClr val="000000"/>
+                </a:solidFill>
+                <a:latin typeface="Arial"/>
+                <a:ea typeface="Arial"/>
+                <a:cs typeface="Arial"/>
+                <a:sym typeface="Arial"/>
+              </a:rPr>
+              <a:t> : schéma avro utilisé pour sérialiser l’historique et les informations concernant les pages</a:t>
+            </a:r>
+            <a:endParaRPr sz="1200">
+              <a:solidFill>
+                <a:srgbClr val="000000"/>
+              </a:solidFill>
+              <a:latin typeface="Arial"/>
+              <a:ea typeface="Arial"/>
+              <a:cs typeface="Arial"/>
+              <a:sym typeface="Arial"/>
+            </a:endParaRPr>
+          </a:p>
+          <a:p>
+            <a:pPr indent="-317500" lvl="0" marL="457200" rtl="0" algn="l">
+              <a:spcBef>
+                <a:spcPts val="0"/>
+              </a:spcBef>
+              <a:spcAft>
+                <a:spcPts val="0"/>
+              </a:spcAft>
+              <a:buSzPts val="1400"/>
+              <a:buChar char="●"/>
+            </a:pPr>
+            <a:r>
+              <a:rPr b="1" lang="fr" sz="1200">
+                <a:solidFill>
+                  <a:srgbClr val="000000"/>
+                </a:solidFill>
+                <a:latin typeface="Arial"/>
+                <a:ea typeface="Arial"/>
+                <a:cs typeface="Arial"/>
+                <a:sym typeface="Arial"/>
+              </a:rPr>
+              <a:t>/data/frwiki/frwiki-20200201/master/full/</a:t>
+            </a:r>
+            <a:r>
+              <a:rPr lang="fr" sz="1200">
+                <a:solidFill>
+                  <a:srgbClr val="000000"/>
+                </a:solidFill>
+                <a:latin typeface="Arial"/>
+                <a:ea typeface="Arial"/>
+                <a:cs typeface="Arial"/>
+                <a:sym typeface="Arial"/>
+              </a:rPr>
+              <a:t> : contient tous les données sérialisé (complet)</a:t>
+            </a:r>
+            <a:endParaRPr sz="1200">
+              <a:solidFill>
+                <a:srgbClr val="000000"/>
+              </a:solidFill>
+              <a:latin typeface="Arial"/>
+              <a:ea typeface="Arial"/>
+              <a:cs typeface="Arial"/>
+              <a:sym typeface="Arial"/>
+            </a:endParaRPr>
+          </a:p>
+          <a:p>
+            <a:pPr indent="-317500" lvl="0" marL="457200" rtl="0" algn="l">
+              <a:spcBef>
+                <a:spcPts val="0"/>
+              </a:spcBef>
+              <a:spcAft>
+                <a:spcPts val="0"/>
+              </a:spcAft>
+              <a:buSzPts val="1400"/>
+              <a:buChar char="●"/>
+            </a:pPr>
+            <a:r>
+              <a:rPr lang="fr" sz="1200">
+                <a:solidFill>
+                  <a:srgbClr val="6AA84F"/>
+                </a:solidFill>
+                <a:latin typeface="Arial"/>
+                <a:ea typeface="Arial"/>
+                <a:cs typeface="Arial"/>
+                <a:sym typeface="Arial"/>
+              </a:rPr>
+              <a:t>/data/frwiki/frwiki-20200201/master/full/frwiki-20200201-pagelinks-*.avro</a:t>
+            </a:r>
+            <a:r>
+              <a:rPr lang="fr" sz="1200">
+                <a:solidFill>
+                  <a:srgbClr val="000000"/>
+                </a:solidFill>
+                <a:latin typeface="Arial"/>
+                <a:ea typeface="Arial"/>
+                <a:cs typeface="Arial"/>
+                <a:sym typeface="Arial"/>
+              </a:rPr>
+              <a:t>: pages links sérialisés</a:t>
+            </a:r>
+            <a:endParaRPr sz="1200">
+              <a:solidFill>
+                <a:srgbClr val="000000"/>
+              </a:solidFill>
+              <a:latin typeface="Arial"/>
+              <a:ea typeface="Arial"/>
+              <a:cs typeface="Arial"/>
+              <a:sym typeface="Arial"/>
+            </a:endParaRPr>
+          </a:p>
+          <a:p>
+            <a:pPr indent="-317500" lvl="0" marL="457200" rtl="0" algn="l">
+              <a:spcBef>
+                <a:spcPts val="0"/>
+              </a:spcBef>
+              <a:spcAft>
+                <a:spcPts val="0"/>
+              </a:spcAft>
+              <a:buSzPts val="1400"/>
+              <a:buChar char="●"/>
+            </a:pPr>
+            <a:r>
+              <a:rPr lang="fr" sz="1200">
+                <a:solidFill>
+                  <a:srgbClr val="6AA84F"/>
+                </a:solidFill>
+                <a:latin typeface="Arial"/>
+                <a:ea typeface="Arial"/>
+                <a:cs typeface="Arial"/>
+                <a:sym typeface="Arial"/>
+              </a:rPr>
+              <a:t>/data/frwiki/frwiki-20200201/master/full/frwiki-20200201-stub-meta-history-*.avro</a:t>
+            </a:r>
+            <a:r>
+              <a:rPr lang="fr" sz="1200">
+                <a:solidFill>
+                  <a:srgbClr val="000000"/>
+                </a:solidFill>
+                <a:latin typeface="Arial"/>
+                <a:ea typeface="Arial"/>
+                <a:cs typeface="Arial"/>
+                <a:sym typeface="Arial"/>
+              </a:rPr>
+              <a:t> : history sérialisé</a:t>
+            </a:r>
+            <a:endParaRPr sz="1200">
+              <a:solidFill>
+                <a:srgbClr val="000000"/>
+              </a:solidFill>
+              <a:latin typeface="Arial"/>
+              <a:ea typeface="Arial"/>
+              <a:cs typeface="Arial"/>
+              <a:sym typeface="Arial"/>
+            </a:endParaRPr>
+          </a:p>
+          <a:p>
+            <a:pPr indent="-317500" lvl="0" marL="457200" rtl="0" algn="l">
+              <a:spcBef>
+                <a:spcPts val="0"/>
+              </a:spcBef>
+              <a:spcAft>
+                <a:spcPts val="0"/>
+              </a:spcAft>
+              <a:buSzPts val="1400"/>
+              <a:buChar char="●"/>
+            </a:pPr>
+            <a:r>
+              <a:rPr b="1" lang="fr" sz="1200">
+                <a:solidFill>
+                  <a:srgbClr val="000000"/>
+                </a:solidFill>
+                <a:latin typeface="Arial"/>
+                <a:ea typeface="Arial"/>
+                <a:cs typeface="Arial"/>
+                <a:sym typeface="Arial"/>
+              </a:rPr>
+              <a:t>/data/frwiki/frwiki-20200201/master/test/</a:t>
+            </a:r>
+            <a:r>
+              <a:rPr lang="fr" sz="1200">
+                <a:solidFill>
+                  <a:srgbClr val="000000"/>
+                </a:solidFill>
+                <a:latin typeface="Arial"/>
+                <a:ea typeface="Arial"/>
+                <a:cs typeface="Arial"/>
+                <a:sym typeface="Arial"/>
+              </a:rPr>
+              <a:t> : contient des échantillons de jeux de données sérialisés ==&gt; pour faire des tests de traitement ou d’observer des de nos données</a:t>
+            </a:r>
+            <a:endParaRPr sz="1400"/>
+          </a:p>
+          <a:p>
+            <a:pPr indent="0" lvl="0" marL="0" rtl="0" algn="l">
+              <a:spcBef>
+                <a:spcPts val="0"/>
+              </a:spcBef>
+              <a:spcAft>
+                <a:spcPts val="0"/>
+              </a:spcAft>
+              <a:buNone/>
+            </a:pPr>
+            <a:r>
+              <a:rPr lang="fr" sz="1400"/>
+              <a:t> </a:t>
+            </a:r>
+            <a:endParaRPr sz="1400"/>
+          </a:p>
+          <a:p>
+            <a:pPr indent="0" lvl="0" marL="0" rtl="0" algn="l">
+              <a:spcBef>
+                <a:spcPts val="0"/>
+              </a:spcBef>
+              <a:spcAft>
+                <a:spcPts val="0"/>
+              </a:spcAft>
+              <a:buNone/>
+            </a:pPr>
+            <a:r>
+              <a:t/>
+            </a:r>
+            <a:endParaRPr sz="1400"/>
           </a:p>
         </p:txBody>
       </p:sp>
-      <p:pic>
-        <p:nvPicPr>
-          <p:cNvPr id="138" name="Google Shape;138;p21"/>
-          <p:cNvPicPr preferRelativeResize="0"/>
-          <p:nvPr/>
-        </p:nvPicPr>
-        <p:blipFill>
-          <a:blip r:embed="rId3">
-            <a:alphaModFix/>
-          </a:blip>
-          <a:stretch>
-            <a:fillRect/>
-          </a:stretch>
-        </p:blipFill>
-        <p:spPr>
-          <a:xfrm>
-            <a:off x="0" y="3816950"/>
-            <a:ext cx="9144000" cy="1326550"/>
-          </a:xfrm>
-          <a:prstGeom prst="rect">
-            <a:avLst/>
-          </a:prstGeom>
-          <a:noFill/>
-          <a:ln>
-            <a:noFill/>
-          </a:ln>
-        </p:spPr>
-      </p:pic>
     </p:spTree>
   </p:cSld>
   <p:clrMapOvr>
